--- a/model_sheet/model_sheet_draft_20130728.pptx
+++ b/model_sheet/model_sheet_draft_20130728.pptx
@@ -27667,11 +27667,11 @@
           <c:showPercent val="0"/>
           <c:showBubbleSize val="0"/>
         </c:dLbls>
-        <c:axId val="165350400"/>
-        <c:axId val="165401344"/>
+        <c:axId val="119228672"/>
+        <c:axId val="119229248"/>
       </c:scatterChart>
       <c:valAx>
-        <c:axId val="165350400"/>
+        <c:axId val="119228672"/>
         <c:scaling>
           <c:orientation val="minMax"/>
         </c:scaling>
@@ -27681,12 +27681,12 @@
         <c:majorTickMark val="out"/>
         <c:minorTickMark val="none"/>
         <c:tickLblPos val="nextTo"/>
-        <c:crossAx val="165401344"/>
+        <c:crossAx val="119229248"/>
         <c:crosses val="autoZero"/>
         <c:crossBetween val="midCat"/>
       </c:valAx>
       <c:valAx>
-        <c:axId val="165401344"/>
+        <c:axId val="119229248"/>
         <c:scaling>
           <c:orientation val="minMax"/>
         </c:scaling>
@@ -27696,7 +27696,7 @@
         <c:majorTickMark val="out"/>
         <c:minorTickMark val="none"/>
         <c:tickLblPos val="nextTo"/>
-        <c:crossAx val="165350400"/>
+        <c:crossAx val="119228672"/>
         <c:crosses val="autoZero"/>
         <c:crossBetween val="midCat"/>
       </c:valAx>
@@ -27919,11 +27919,11 @@
         </c:dLbls>
         <c:marker val="1"/>
         <c:smooth val="0"/>
-        <c:axId val="180228096"/>
-        <c:axId val="180229632"/>
+        <c:axId val="62475776"/>
+        <c:axId val="119232128"/>
       </c:lineChart>
       <c:catAx>
-        <c:axId val="180228096"/>
+        <c:axId val="62475776"/>
         <c:scaling>
           <c:orientation val="minMax"/>
         </c:scaling>
@@ -27932,7 +27932,7 @@
         <c:majorTickMark val="out"/>
         <c:minorTickMark val="none"/>
         <c:tickLblPos val="nextTo"/>
-        <c:crossAx val="180229632"/>
+        <c:crossAx val="119232128"/>
         <c:crosses val="autoZero"/>
         <c:auto val="1"/>
         <c:lblAlgn val="ctr"/>
@@ -27940,7 +27940,7 @@
         <c:noMultiLvlLbl val="0"/>
       </c:catAx>
       <c:valAx>
-        <c:axId val="180229632"/>
+        <c:axId val="119232128"/>
         <c:scaling>
           <c:orientation val="minMax"/>
         </c:scaling>
@@ -27951,7 +27951,7 @@
         <c:majorTickMark val="out"/>
         <c:minorTickMark val="none"/>
         <c:tickLblPos val="nextTo"/>
-        <c:crossAx val="180228096"/>
+        <c:crossAx val="62475776"/>
         <c:crosses val="autoZero"/>
         <c:crossBetween val="between"/>
       </c:valAx>
@@ -28645,7 +28645,7 @@
           <a:p>
             <a:fld id="{813C8227-C5FA-4F90-9691-3E218BF9FA91}" type="datetimeFigureOut">
               <a:rPr kumimoji="1" lang="ja-JP" altLang="en-US" smtClean="0"/>
-              <a:t>2013/7/28</a:t>
+              <a:t>2013/9/7</a:t>
             </a:fld>
             <a:endParaRPr kumimoji="1" lang="ja-JP" altLang="en-US"/>
           </a:p>
@@ -29485,7 +29485,7 @@
           <a:p>
             <a:fld id="{C474B4CA-5347-4033-9CF6-D10F59E92A5D}" type="datetimeFigureOut">
               <a:rPr kumimoji="1" lang="ja-JP" altLang="en-US" smtClean="0"/>
-              <a:t>2013/7/28</a:t>
+              <a:t>2013/9/7</a:t>
             </a:fld>
             <a:endParaRPr kumimoji="1" lang="ja-JP" altLang="en-US"/>
           </a:p>
@@ -30385,7 +30385,7 @@
           <a:p>
             <a:fld id="{C474B4CA-5347-4033-9CF6-D10F59E92A5D}" type="datetimeFigureOut">
               <a:rPr kumimoji="1" lang="ja-JP" altLang="en-US" smtClean="0"/>
-              <a:t>2013/7/28</a:t>
+              <a:t>2013/9/7</a:t>
             </a:fld>
             <a:endParaRPr kumimoji="1" lang="ja-JP" altLang="en-US"/>
           </a:p>
@@ -30600,7 +30600,7 @@
           <a:p>
             <a:fld id="{C474B4CA-5347-4033-9CF6-D10F59E92A5D}" type="datetimeFigureOut">
               <a:rPr kumimoji="1" lang="ja-JP" altLang="en-US" smtClean="0"/>
-              <a:t>2013/7/28</a:t>
+              <a:t>2013/9/7</a:t>
             </a:fld>
             <a:endParaRPr kumimoji="1" lang="ja-JP" altLang="en-US"/>
           </a:p>
@@ -30810,7 +30810,7 @@
           <a:p>
             <a:fld id="{C474B4CA-5347-4033-9CF6-D10F59E92A5D}" type="datetimeFigureOut">
               <a:rPr kumimoji="1" lang="ja-JP" altLang="en-US" smtClean="0"/>
-              <a:t>2013/7/28</a:t>
+              <a:t>2013/9/7</a:t>
             </a:fld>
             <a:endParaRPr kumimoji="1" lang="ja-JP" altLang="en-US"/>
           </a:p>
@@ -31059,7 +31059,7 @@
           <a:p>
             <a:fld id="{C474B4CA-5347-4033-9CF6-D10F59E92A5D}" type="datetimeFigureOut">
               <a:rPr kumimoji="1" lang="ja-JP" altLang="en-US" smtClean="0"/>
-              <a:t>2013/7/28</a:t>
+              <a:t>2013/9/7</a:t>
             </a:fld>
             <a:endParaRPr kumimoji="1" lang="ja-JP" altLang="en-US"/>
           </a:p>
@@ -31419,7 +31419,7 @@
           <a:p>
             <a:fld id="{C474B4CA-5347-4033-9CF6-D10F59E92A5D}" type="datetimeFigureOut">
               <a:rPr kumimoji="1" lang="ja-JP" altLang="en-US" smtClean="0"/>
-              <a:t>2013/7/28</a:t>
+              <a:t>2013/9/7</a:t>
             </a:fld>
             <a:endParaRPr kumimoji="1" lang="ja-JP" altLang="en-US"/>
           </a:p>
@@ -31913,7 +31913,7 @@
           <a:p>
             <a:fld id="{C474B4CA-5347-4033-9CF6-D10F59E92A5D}" type="datetimeFigureOut">
               <a:rPr kumimoji="1" lang="ja-JP" altLang="en-US" smtClean="0"/>
-              <a:t>2013/7/28</a:t>
+              <a:t>2013/9/7</a:t>
             </a:fld>
             <a:endParaRPr kumimoji="1" lang="ja-JP" altLang="en-US"/>
           </a:p>
@@ -32039,7 +32039,7 @@
           <a:p>
             <a:fld id="{C474B4CA-5347-4033-9CF6-D10F59E92A5D}" type="datetimeFigureOut">
               <a:rPr kumimoji="1" lang="ja-JP" altLang="en-US" smtClean="0"/>
-              <a:t>2013/7/28</a:t>
+              <a:t>2013/9/7</a:t>
             </a:fld>
             <a:endParaRPr kumimoji="1" lang="ja-JP" altLang="en-US"/>
           </a:p>
@@ -32141,7 +32141,7 @@
           <a:p>
             <a:fld id="{C474B4CA-5347-4033-9CF6-D10F59E92A5D}" type="datetimeFigureOut">
               <a:rPr kumimoji="1" lang="ja-JP" altLang="en-US" smtClean="0"/>
-              <a:t>2013/7/28</a:t>
+              <a:t>2013/9/7</a:t>
             </a:fld>
             <a:endParaRPr kumimoji="1" lang="ja-JP" altLang="en-US"/>
           </a:p>
@@ -32453,7 +32453,7 @@
           <a:p>
             <a:fld id="{C474B4CA-5347-4033-9CF6-D10F59E92A5D}" type="datetimeFigureOut">
               <a:rPr kumimoji="1" lang="ja-JP" altLang="en-US" smtClean="0"/>
-              <a:t>2013/7/28</a:t>
+              <a:t>2013/9/7</a:t>
             </a:fld>
             <a:endParaRPr kumimoji="1" lang="ja-JP" altLang="en-US"/>
           </a:p>
@@ -32709,7 +32709,7 @@
           <a:p>
             <a:fld id="{C474B4CA-5347-4033-9CF6-D10F59E92A5D}" type="datetimeFigureOut">
               <a:rPr kumimoji="1" lang="ja-JP" altLang="en-US" smtClean="0"/>
-              <a:t>2013/7/28</a:t>
+              <a:t>2013/9/7</a:t>
             </a:fld>
             <a:endParaRPr kumimoji="1" lang="ja-JP" altLang="en-US"/>
           </a:p>
@@ -32921,7 +32921,7 @@
           <a:p>
             <a:fld id="{C474B4CA-5347-4033-9CF6-D10F59E92A5D}" type="datetimeFigureOut">
               <a:rPr kumimoji="1" lang="ja-JP" altLang="en-US" smtClean="0"/>
-              <a:t>2013/7/28</a:t>
+              <a:t>2013/9/7</a:t>
             </a:fld>
             <a:endParaRPr kumimoji="1" lang="ja-JP" altLang="en-US"/>
           </a:p>
@@ -34679,13 +34679,7 @@
               <a:rPr lang="ja-JP" altLang="en-US" sz="1600" dirty="0" smtClean="0">
                 <a:latin typeface="+mn-ea"/>
               </a:rPr>
-              <a:t>高専年</a:t>
-            </a:r>
-            <a:r>
-              <a:rPr lang="ja-JP" altLang="en-US" sz="1600" dirty="0" smtClean="0">
-                <a:latin typeface="+mn-ea"/>
-              </a:rPr>
-              <a:t>から</a:t>
+              <a:t>高専年から</a:t>
             </a:r>
             <a:r>
               <a:rPr lang="en-US" altLang="ja-JP" sz="1600" dirty="0" smtClean="0">
@@ -34709,13 +34703,7 @@
               <a:rPr lang="ja-JP" altLang="en-US" sz="1600" dirty="0" smtClean="0">
                 <a:latin typeface="+mn-ea"/>
               </a:rPr>
-              <a:t>年）</a:t>
-            </a:r>
-            <a:r>
-              <a:rPr lang="ja-JP" altLang="en-US" sz="1600" dirty="0" smtClean="0">
-                <a:latin typeface="+mn-ea"/>
-              </a:rPr>
-              <a:t>まで</a:t>
+              <a:t>年）まで</a:t>
             </a:r>
             <a:r>
               <a:rPr lang="en-US" altLang="ja-JP" sz="1600" dirty="0" smtClean="0">
@@ -34727,13 +34715,7 @@
               <a:rPr lang="ja-JP" altLang="en-US" sz="1600" dirty="0" smtClean="0">
                 <a:latin typeface="+mn-ea"/>
               </a:rPr>
-              <a:t>名</a:t>
-            </a:r>
-            <a:r>
-              <a:rPr lang="ja-JP" altLang="en-US" sz="1600" dirty="0" smtClean="0">
-                <a:latin typeface="+mn-ea"/>
-              </a:rPr>
-              <a:t>で構成される幅広い年代のチームです．所属学科もバラバラで，異なるバックグランドを持ったメンバーがお互いに補い合いながら，大会に向けて取り組んできました．昨年度</a:t>
+              <a:t>名で構成される幅広い年代のチームです．所属学科もバラバラで，異なるバックグランドを持ったメンバーがお互いに補い合いながら，大会に向けて取り組んできました．昨年度</a:t>
             </a:r>
             <a:r>
               <a:rPr lang="ja-JP" altLang="en-US" sz="1600" dirty="0">
@@ -35236,11 +35218,11 @@
   <p:clrMapOvr>
     <a:masterClrMapping/>
   </p:clrMapOvr>
-  <mc:AlternateContent xmlns:mc="http://schemas.openxmlformats.org/markup-compatibility/2006">
-    <mc:Choice xmlns:p14="http://schemas.microsoft.com/office/powerpoint/2010/main" Requires="p14">
+  <mc:AlternateContent xmlns:mc="http://schemas.openxmlformats.org/markup-compatibility/2006" xmlns:p14="http://schemas.microsoft.com/office/powerpoint/2010/main">
+    <mc:Choice Requires="p14">
       <p:transition spd="slow" p14:dur="2000"/>
     </mc:Choice>
-    <mc:Fallback>
+    <mc:Fallback xmlns="">
       <p:transition spd="slow"/>
     </mc:Fallback>
   </mc:AlternateContent>
@@ -38113,21 +38095,7 @@
                 <a:latin typeface="+mn-ea"/>
                 <a:cs typeface="メイリオ" pitchFamily="50" charset="-128"/>
               </a:rPr>
-              <a:t>ドメイン分析に基づき</a:t>
-            </a:r>
-            <a:r>
-              <a:rPr lang="ja-JP" altLang="en-US" sz="1050" dirty="0" smtClean="0">
-                <a:latin typeface="+mn-ea"/>
-                <a:cs typeface="メイリオ" pitchFamily="50" charset="-128"/>
-              </a:rPr>
-              <a:t>，</a:t>
-            </a:r>
-            <a:r>
-              <a:rPr lang="ja-JP" altLang="en-US" sz="1050" dirty="0" smtClean="0">
-                <a:latin typeface="+mn-ea"/>
-                <a:cs typeface="メイリオ" pitchFamily="50" charset="-128"/>
-              </a:rPr>
-              <a:t>下図のパッケージ構成を考案</a:t>
+              <a:t>ドメイン分析に基づき，下図のパッケージ構成を考案</a:t>
             </a:r>
             <a:r>
               <a:rPr lang="ja-JP" altLang="en-US" sz="1050" dirty="0">
@@ -38161,14 +38129,7 @@
                 <a:latin typeface="+mn-ea"/>
                 <a:cs typeface="メイリオ" pitchFamily="50" charset="-128"/>
               </a:rPr>
-              <a:t>ドメインを階層構造にすることで，プラットフォームに依存しない再利用性の高い構造</a:t>
-            </a:r>
-            <a:r>
-              <a:rPr lang="ja-JP" altLang="en-US" sz="1050" dirty="0" smtClean="0">
-                <a:latin typeface="+mn-ea"/>
-                <a:cs typeface="メイリオ" pitchFamily="50" charset="-128"/>
-              </a:rPr>
-              <a:t>を目指した．ハードウェアラッパーで</a:t>
+              <a:t>ドメインを階層構造にすることで，プラットフォームに依存しない再利用性の高い構造を目指した．ハードウェアラッパーで</a:t>
             </a:r>
             <a:r>
               <a:rPr lang="en-US" altLang="ja-JP" sz="1050" dirty="0" smtClean="0">
@@ -38271,14 +38232,7 @@
                 <a:latin typeface="+mn-ea"/>
                 <a:cs typeface="メイリオ" pitchFamily="50" charset="-128"/>
               </a:rPr>
-              <a:t>目標駆動</a:t>
-            </a:r>
-            <a:r>
-              <a:rPr lang="ja-JP" altLang="en-US" sz="1050" u="sng" dirty="0" smtClean="0">
-                <a:latin typeface="+mn-ea"/>
-                <a:cs typeface="メイリオ" pitchFamily="50" charset="-128"/>
-              </a:rPr>
-              <a:t>値</a:t>
+              <a:t>目標駆動値</a:t>
             </a:r>
             <a:r>
               <a:rPr lang="ja-JP" altLang="en-US" sz="1050" dirty="0" smtClean="0">
@@ -38292,14 +38246,7 @@
                 <a:latin typeface="+mn-ea"/>
                 <a:cs typeface="メイリオ" pitchFamily="50" charset="-128"/>
               </a:rPr>
-              <a:t>走法</a:t>
-            </a:r>
-            <a:r>
-              <a:rPr lang="ja-JP" altLang="en-US" sz="1050" u="sng" dirty="0" smtClean="0">
-                <a:latin typeface="+mn-ea"/>
-                <a:cs typeface="メイリオ" pitchFamily="50" charset="-128"/>
-              </a:rPr>
-              <a:t>切替条件</a:t>
+              <a:t>走法切替条件</a:t>
             </a:r>
             <a:r>
               <a:rPr lang="ja-JP" altLang="en-US" sz="1050" dirty="0" smtClean="0">
@@ -39084,21 +39031,7 @@
                 <a:latin typeface="HGP創英角ﾎﾟｯﾌﾟ体" pitchFamily="50" charset="-128"/>
                 <a:ea typeface="HGP創英角ﾎﾟｯﾌﾟ体" pitchFamily="50" charset="-128"/>
               </a:rPr>
-              <a:t>クラス図（走行</a:t>
-            </a:r>
-            <a:r>
-              <a:rPr lang="ja-JP" altLang="en-US" sz="2000" dirty="0" smtClean="0">
-                <a:effectLst>
-                  <a:outerShdw blurRad="38100" dist="38100" dir="2700000" algn="tl">
-                    <a:srgbClr val="000000">
-                      <a:alpha val="43137"/>
-                    </a:srgbClr>
-                  </a:outerShdw>
-                </a:effectLst>
-                <a:latin typeface="HGP創英角ﾎﾟｯﾌﾟ体" pitchFamily="50" charset="-128"/>
-                <a:ea typeface="HGP創英角ﾎﾟｯﾌﾟ体" pitchFamily="50" charset="-128"/>
-              </a:rPr>
-              <a:t>関連）</a:t>
+              <a:t>クラス図（走行関連）</a:t>
             </a:r>
             <a:endParaRPr kumimoji="1" lang="ja-JP" altLang="en-US" sz="2000" dirty="0">
               <a:effectLst>
@@ -41522,162 +41455,6 @@
           <a:chExt cx="0" cy="0"/>
         </a:xfrm>
       </p:grpSpPr>
-      <p:pic>
-        <p:nvPicPr>
-          <p:cNvPr id="6" name="図 5"/>
-          <p:cNvPicPr>
-            <a:picLocks noChangeAspect="1"/>
-          </p:cNvPicPr>
-          <p:nvPr/>
-        </p:nvPicPr>
-        <p:blipFill>
-          <a:blip r:embed="rId2" cstate="print">
-            <a:extLst>
-              <a:ext uri="{28A0092B-C50C-407E-A947-70E740481C1C}">
-                <a14:useLocalDpi xmlns:a14="http://schemas.microsoft.com/office/drawing/2010/main" val="0"/>
-              </a:ext>
-            </a:extLst>
-          </a:blip>
-          <a:stretch>
-            <a:fillRect/>
-          </a:stretch>
-        </p:blipFill>
-        <p:spPr>
-          <a:xfrm>
-            <a:off x="672330" y="6534221"/>
-            <a:ext cx="3677294" cy="1016265"/>
-          </a:xfrm>
-          <a:prstGeom prst="rect">
-            <a:avLst/>
-          </a:prstGeom>
-        </p:spPr>
-      </p:pic>
-      <p:pic>
-        <p:nvPicPr>
-          <p:cNvPr id="4" name="図 3"/>
-          <p:cNvPicPr>
-            <a:picLocks noChangeAspect="1"/>
-          </p:cNvPicPr>
-          <p:nvPr/>
-        </p:nvPicPr>
-        <p:blipFill>
-          <a:blip r:embed="rId3" cstate="print">
-            <a:extLst>
-              <a:ext uri="{28A0092B-C50C-407E-A947-70E740481C1C}">
-                <a14:useLocalDpi xmlns:a14="http://schemas.microsoft.com/office/drawing/2010/main" val="0"/>
-              </a:ext>
-            </a:extLst>
-          </a:blip>
-          <a:stretch>
-            <a:fillRect/>
-          </a:stretch>
-        </p:blipFill>
-        <p:spPr>
-          <a:xfrm>
-            <a:off x="8191397" y="6688149"/>
-            <a:ext cx="2639809" cy="1014258"/>
-          </a:xfrm>
-          <a:prstGeom prst="rect">
-            <a:avLst/>
-          </a:prstGeom>
-        </p:spPr>
-      </p:pic>
-      <p:pic>
-        <p:nvPicPr>
-          <p:cNvPr id="110" name="図 109"/>
-          <p:cNvPicPr>
-            <a:picLocks noChangeAspect="1"/>
-          </p:cNvPicPr>
-          <p:nvPr/>
-        </p:nvPicPr>
-        <p:blipFill>
-          <a:blip r:embed="rId4" cstate="print">
-            <a:extLst>
-              <a:ext uri="{28A0092B-C50C-407E-A947-70E740481C1C}">
-                <a14:useLocalDpi xmlns:a14="http://schemas.microsoft.com/office/drawing/2010/main" val="0"/>
-              </a:ext>
-            </a:extLst>
-          </a:blip>
-          <a:stretch>
-            <a:fillRect/>
-          </a:stretch>
-        </p:blipFill>
-        <p:spPr>
-          <a:xfrm>
-            <a:off x="8236039" y="2640360"/>
-            <a:ext cx="2778824" cy="809514"/>
-          </a:xfrm>
-          <a:prstGeom prst="rect">
-            <a:avLst/>
-          </a:prstGeom>
-        </p:spPr>
-      </p:pic>
-      <p:pic>
-        <p:nvPicPr>
-          <p:cNvPr id="78" name="図 77"/>
-          <p:cNvPicPr>
-            <a:picLocks noChangeAspect="1"/>
-          </p:cNvPicPr>
-          <p:nvPr/>
-        </p:nvPicPr>
-        <p:blipFill>
-          <a:blip r:embed="rId5" cstate="print">
-            <a:extLst>
-              <a:ext uri="{28A0092B-C50C-407E-A947-70E740481C1C}">
-                <a14:useLocalDpi xmlns:a14="http://schemas.microsoft.com/office/drawing/2010/main" val="0"/>
-              </a:ext>
-            </a:extLst>
-          </a:blip>
-          <a:stretch>
-            <a:fillRect/>
-          </a:stretch>
-        </p:blipFill>
-        <p:spPr>
-          <a:xfrm>
-            <a:off x="728195" y="3225408"/>
-            <a:ext cx="3543644" cy="1215152"/>
-          </a:xfrm>
-          <a:prstGeom prst="rect">
-            <a:avLst/>
-          </a:prstGeom>
-        </p:spPr>
-      </p:pic>
-      <p:cxnSp>
-        <p:nvCxnSpPr>
-          <p:cNvPr id="55" name="直線コネクタ 54"/>
-          <p:cNvCxnSpPr/>
-          <p:nvPr/>
-        </p:nvCxnSpPr>
-        <p:spPr>
-          <a:xfrm>
-            <a:off x="8088263" y="1196444"/>
-            <a:ext cx="0" cy="8404759"/>
-          </a:xfrm>
-          <a:prstGeom prst="line">
-            <a:avLst/>
-          </a:prstGeom>
-          <a:ln w="25400">
-            <a:solidFill>
-              <a:schemeClr val="tx2"/>
-            </a:solidFill>
-            <a:prstDash val="dash"/>
-          </a:ln>
-        </p:spPr>
-        <p:style>
-          <a:lnRef idx="1">
-            <a:schemeClr val="accent1"/>
-          </a:lnRef>
-          <a:fillRef idx="0">
-            <a:schemeClr val="accent1"/>
-          </a:fillRef>
-          <a:effectRef idx="0">
-            <a:schemeClr val="accent1"/>
-          </a:effectRef>
-          <a:fontRef idx="minor">
-            <a:schemeClr val="tx1"/>
-          </a:fontRef>
-        </p:style>
-      </p:cxnSp>
       <p:sp>
         <p:nvSpPr>
           <p:cNvPr id="2" name="タイトル 1"/>
@@ -41703,7 +41480,7 @@
             </a:r>
             <a:r>
               <a:rPr kumimoji="1" lang="ja-JP" altLang="en-US" dirty="0" smtClean="0"/>
-              <a:t> 難所走行戦略</a:t>
+              <a:t> 走行戦略</a:t>
             </a:r>
             <a:endParaRPr kumimoji="1" lang="ja-JP" altLang="en-US" dirty="0"/>
           </a:p>
@@ -41770,14 +41547,14 @@
       </p:sp>
       <p:sp>
         <p:nvSpPr>
-          <p:cNvPr id="20" name="正方形/長方形 19"/>
+          <p:cNvPr id="51" name="正方形/長方形 50"/>
           <p:cNvSpPr/>
           <p:nvPr/>
         </p:nvSpPr>
         <p:spPr>
           <a:xfrm>
-            <a:off x="671439" y="5624626"/>
-            <a:ext cx="7413932" cy="400110"/>
+            <a:off x="667701" y="1196441"/>
+            <a:ext cx="12910240" cy="400110"/>
           </a:xfrm>
           <a:prstGeom prst="rect">
             <a:avLst/>
@@ -41829,7 +41606,7 @@
           <a:lstStyle/>
           <a:p>
             <a:r>
-              <a:rPr lang="ja-JP" altLang="en-US" sz="2000" dirty="0">
+              <a:rPr lang="ja-JP" altLang="en-US" sz="2000" dirty="0" smtClean="0">
                 <a:solidFill>
                   <a:schemeClr val="bg1"/>
                 </a:solidFill>
@@ -41844,7 +41621,7 @@
                 <a:ea typeface="HGS創英角ﾎﾟｯﾌﾟ体" pitchFamily="50" charset="-128"/>
                 <a:cs typeface="メイリオ" pitchFamily="50" charset="-128"/>
               </a:rPr>
-              <a:t>ドリフトターン</a:t>
+              <a:t>ベーシックコース攻略</a:t>
             </a:r>
             <a:endParaRPr kumimoji="1" lang="ja-JP" altLang="en-US" sz="2000" dirty="0">
               <a:solidFill>
@@ -41861,2353 +41638,6 @@
               <a:ea typeface="HGS創英角ﾎﾟｯﾌﾟ体" pitchFamily="50" charset="-128"/>
               <a:cs typeface="メイリオ" pitchFamily="50" charset="-128"/>
             </a:endParaRPr>
-          </a:p>
-        </p:txBody>
-      </p:sp>
-      <p:sp>
-        <p:nvSpPr>
-          <p:cNvPr id="23" name="正方形/長方形 22"/>
-          <p:cNvSpPr/>
-          <p:nvPr/>
-        </p:nvSpPr>
-        <p:spPr>
-          <a:xfrm>
-            <a:off x="8088265" y="5624626"/>
-            <a:ext cx="5489678" cy="400110"/>
-          </a:xfrm>
-          <a:prstGeom prst="rect">
-            <a:avLst/>
-          </a:prstGeom>
-          <a:gradFill>
-            <a:gsLst>
-              <a:gs pos="0">
-                <a:schemeClr val="accent4"/>
-              </a:gs>
-              <a:gs pos="50000">
-                <a:schemeClr val="accent4">
-                  <a:lumMod val="60000"/>
-                  <a:lumOff val="40000"/>
-                </a:schemeClr>
-              </a:gs>
-              <a:gs pos="100000">
-                <a:schemeClr val="accent4">
-                  <a:lumMod val="40000"/>
-                  <a:lumOff val="60000"/>
-                </a:schemeClr>
-              </a:gs>
-            </a:gsLst>
-            <a:lin ang="0" scaled="1"/>
-          </a:gradFill>
-          <a:ln>
-            <a:noFill/>
-          </a:ln>
-        </p:spPr>
-        <p:style>
-          <a:lnRef idx="2">
-            <a:schemeClr val="accent4">
-              <a:shade val="50000"/>
-            </a:schemeClr>
-          </a:lnRef>
-          <a:fillRef idx="1">
-            <a:schemeClr val="accent4"/>
-          </a:fillRef>
-          <a:effectRef idx="0">
-            <a:schemeClr val="accent4"/>
-          </a:effectRef>
-          <a:fontRef idx="minor">
-            <a:schemeClr val="lt1"/>
-          </a:fontRef>
-        </p:style>
-        <p:txBody>
-          <a:bodyPr wrap="square" rtlCol="0" anchor="ctr">
-            <a:spAutoFit/>
-          </a:bodyPr>
-          <a:lstStyle/>
-          <a:p>
-            <a:r>
-              <a:rPr lang="ja-JP" altLang="en-US" sz="2000" dirty="0">
-                <a:solidFill>
-                  <a:schemeClr val="bg1"/>
-                </a:solidFill>
-                <a:effectLst>
-                  <a:outerShdw blurRad="38100" dist="38100" dir="2700000" algn="tl">
-                    <a:srgbClr val="000000">
-                      <a:alpha val="43137"/>
-                    </a:srgbClr>
-                  </a:outerShdw>
-                </a:effectLst>
-                <a:latin typeface="HGS創英角ﾎﾟｯﾌﾟ体" pitchFamily="50" charset="-128"/>
-                <a:ea typeface="HGS創英角ﾎﾟｯﾌﾟ体" pitchFamily="50" charset="-128"/>
-                <a:cs typeface="メイリオ" pitchFamily="50" charset="-128"/>
-              </a:rPr>
-              <a:t>ルックアップゲート</a:t>
-            </a:r>
-            <a:endParaRPr kumimoji="1" lang="ja-JP" altLang="en-US" sz="2000" dirty="0">
-              <a:solidFill>
-                <a:schemeClr val="bg1"/>
-              </a:solidFill>
-              <a:effectLst>
-                <a:outerShdw blurRad="38100" dist="38100" dir="2700000" algn="tl">
-                  <a:srgbClr val="000000">
-                    <a:alpha val="43137"/>
-                  </a:srgbClr>
-                </a:outerShdw>
-              </a:effectLst>
-              <a:latin typeface="HGS創英角ﾎﾟｯﾌﾟ体" pitchFamily="50" charset="-128"/>
-              <a:ea typeface="HGS創英角ﾎﾟｯﾌﾟ体" pitchFamily="50" charset="-128"/>
-              <a:cs typeface="メイリオ" pitchFamily="50" charset="-128"/>
-            </a:endParaRPr>
-          </a:p>
-        </p:txBody>
-      </p:sp>
-      <p:sp>
-        <p:nvSpPr>
-          <p:cNvPr id="33" name="正方形/長方形 32"/>
-          <p:cNvSpPr/>
-          <p:nvPr/>
-        </p:nvSpPr>
-        <p:spPr>
-          <a:xfrm>
-            <a:off x="8088264" y="1187500"/>
-            <a:ext cx="5495976" cy="400110"/>
-          </a:xfrm>
-          <a:prstGeom prst="rect">
-            <a:avLst/>
-          </a:prstGeom>
-          <a:gradFill>
-            <a:gsLst>
-              <a:gs pos="0">
-                <a:schemeClr val="accent4"/>
-              </a:gs>
-              <a:gs pos="50000">
-                <a:schemeClr val="accent4">
-                  <a:lumMod val="60000"/>
-                  <a:lumOff val="40000"/>
-                </a:schemeClr>
-              </a:gs>
-              <a:gs pos="100000">
-                <a:schemeClr val="accent4">
-                  <a:lumMod val="40000"/>
-                  <a:lumOff val="60000"/>
-                </a:schemeClr>
-              </a:gs>
-            </a:gsLst>
-            <a:lin ang="0" scaled="1"/>
-          </a:gradFill>
-          <a:ln>
-            <a:noFill/>
-          </a:ln>
-        </p:spPr>
-        <p:style>
-          <a:lnRef idx="2">
-            <a:schemeClr val="accent4">
-              <a:shade val="50000"/>
-            </a:schemeClr>
-          </a:lnRef>
-          <a:fillRef idx="1">
-            <a:schemeClr val="accent4"/>
-          </a:fillRef>
-          <a:effectRef idx="0">
-            <a:schemeClr val="accent4"/>
-          </a:effectRef>
-          <a:fontRef idx="minor">
-            <a:schemeClr val="lt1"/>
-          </a:fontRef>
-        </p:style>
-        <p:txBody>
-          <a:bodyPr wrap="square" rtlCol="0" anchor="ctr">
-            <a:spAutoFit/>
-          </a:bodyPr>
-          <a:lstStyle/>
-          <a:p>
-            <a:r>
-              <a:rPr lang="ja-JP" altLang="en-US" sz="2000" dirty="0" smtClean="0">
-                <a:solidFill>
-                  <a:schemeClr val="bg1"/>
-                </a:solidFill>
-                <a:effectLst>
-                  <a:outerShdw blurRad="38100" dist="38100" dir="2700000" algn="tl">
-                    <a:srgbClr val="000000">
-                      <a:alpha val="43137"/>
-                    </a:srgbClr>
-                  </a:outerShdw>
-                </a:effectLst>
-                <a:latin typeface="HGS創英角ﾎﾟｯﾌﾟ体" pitchFamily="50" charset="-128"/>
-                <a:ea typeface="HGS創英角ﾎﾟｯﾌﾟ体" pitchFamily="50" charset="-128"/>
-                <a:cs typeface="メイリオ" pitchFamily="50" charset="-128"/>
-              </a:rPr>
-              <a:t>シーソー（シングル）</a:t>
-            </a:r>
-            <a:endParaRPr kumimoji="1" lang="ja-JP" altLang="en-US" sz="2000" dirty="0">
-              <a:solidFill>
-                <a:schemeClr val="bg1"/>
-              </a:solidFill>
-              <a:effectLst>
-                <a:outerShdw blurRad="38100" dist="38100" dir="2700000" algn="tl">
-                  <a:srgbClr val="000000">
-                    <a:alpha val="43137"/>
-                  </a:srgbClr>
-                </a:outerShdw>
-              </a:effectLst>
-              <a:latin typeface="HGS創英角ﾎﾟｯﾌﾟ体" pitchFamily="50" charset="-128"/>
-              <a:ea typeface="HGS創英角ﾎﾟｯﾌﾟ体" pitchFamily="50" charset="-128"/>
-              <a:cs typeface="メイリオ" pitchFamily="50" charset="-128"/>
-            </a:endParaRPr>
-          </a:p>
-        </p:txBody>
-      </p:sp>
-      <p:sp>
-        <p:nvSpPr>
-          <p:cNvPr id="51" name="正方形/長方形 50"/>
-          <p:cNvSpPr/>
-          <p:nvPr/>
-        </p:nvSpPr>
-        <p:spPr>
-          <a:xfrm>
-            <a:off x="667701" y="1196441"/>
-            <a:ext cx="7423895" cy="400110"/>
-          </a:xfrm>
-          <a:prstGeom prst="rect">
-            <a:avLst/>
-          </a:prstGeom>
-          <a:gradFill>
-            <a:gsLst>
-              <a:gs pos="0">
-                <a:schemeClr val="accent4"/>
-              </a:gs>
-              <a:gs pos="50000">
-                <a:schemeClr val="accent4">
-                  <a:lumMod val="60000"/>
-                  <a:lumOff val="40000"/>
-                </a:schemeClr>
-              </a:gs>
-              <a:gs pos="100000">
-                <a:schemeClr val="accent4">
-                  <a:lumMod val="40000"/>
-                  <a:lumOff val="60000"/>
-                </a:schemeClr>
-              </a:gs>
-            </a:gsLst>
-            <a:lin ang="0" scaled="1"/>
-          </a:gradFill>
-          <a:ln>
-            <a:noFill/>
-          </a:ln>
-        </p:spPr>
-        <p:style>
-          <a:lnRef idx="2">
-            <a:schemeClr val="accent4">
-              <a:shade val="50000"/>
-            </a:schemeClr>
-          </a:lnRef>
-          <a:fillRef idx="1">
-            <a:schemeClr val="accent4"/>
-          </a:fillRef>
-          <a:effectRef idx="0">
-            <a:schemeClr val="accent4"/>
-          </a:effectRef>
-          <a:fontRef idx="minor">
-            <a:schemeClr val="lt1"/>
-          </a:fontRef>
-        </p:style>
-        <p:txBody>
-          <a:bodyPr wrap="square" rtlCol="0" anchor="ctr">
-            <a:spAutoFit/>
-          </a:bodyPr>
-          <a:lstStyle/>
-          <a:p>
-            <a:r>
-              <a:rPr lang="ja-JP" altLang="en-US" sz="2000" dirty="0">
-                <a:solidFill>
-                  <a:schemeClr val="bg1"/>
-                </a:solidFill>
-                <a:effectLst>
-                  <a:outerShdw blurRad="38100" dist="38100" dir="2700000" algn="tl">
-                    <a:srgbClr val="000000">
-                      <a:alpha val="43137"/>
-                    </a:srgbClr>
-                  </a:outerShdw>
-                </a:effectLst>
-                <a:latin typeface="HGS創英角ﾎﾟｯﾌﾟ体" pitchFamily="50" charset="-128"/>
-                <a:ea typeface="HGS創英角ﾎﾟｯﾌﾟ体" pitchFamily="50" charset="-128"/>
-                <a:cs typeface="メイリオ" pitchFamily="50" charset="-128"/>
-              </a:rPr>
-              <a:t>階段</a:t>
-            </a:r>
-            <a:endParaRPr kumimoji="1" lang="ja-JP" altLang="en-US" sz="2000" dirty="0">
-              <a:solidFill>
-                <a:schemeClr val="bg1"/>
-              </a:solidFill>
-              <a:effectLst>
-                <a:outerShdw blurRad="38100" dist="38100" dir="2700000" algn="tl">
-                  <a:srgbClr val="000000">
-                    <a:alpha val="43137"/>
-                  </a:srgbClr>
-                </a:outerShdw>
-              </a:effectLst>
-              <a:latin typeface="HGS創英角ﾎﾟｯﾌﾟ体" pitchFamily="50" charset="-128"/>
-              <a:ea typeface="HGS創英角ﾎﾟｯﾌﾟ体" pitchFamily="50" charset="-128"/>
-              <a:cs typeface="メイリオ" pitchFamily="50" charset="-128"/>
-            </a:endParaRPr>
-          </a:p>
-        </p:txBody>
-      </p:sp>
-      <p:sp>
-        <p:nvSpPr>
-          <p:cNvPr id="5" name="テキスト ボックス 4"/>
-          <p:cNvSpPr txBox="1"/>
-          <p:nvPr/>
-        </p:nvSpPr>
-        <p:spPr>
-          <a:xfrm>
-            <a:off x="618141" y="1607736"/>
-            <a:ext cx="7470123" cy="646331"/>
-          </a:xfrm>
-          <a:prstGeom prst="rect">
-            <a:avLst/>
-          </a:prstGeom>
-          <a:noFill/>
-        </p:spPr>
-        <p:txBody>
-          <a:bodyPr wrap="square" rtlCol="0">
-            <a:spAutoFit/>
-          </a:bodyPr>
-          <a:lstStyle/>
-          <a:p>
-            <a:r>
-              <a:rPr lang="ja-JP" altLang="en-US" sz="1200" dirty="0"/>
-              <a:t>　</a:t>
-            </a:r>
-            <a:r>
-              <a:rPr kumimoji="1" lang="ja-JP" altLang="en-US" sz="1200" dirty="0" smtClean="0"/>
-              <a:t>階段突破のためには厚さ</a:t>
-            </a:r>
-            <a:r>
-              <a:rPr lang="en-US" altLang="ja-JP" sz="1200" dirty="0" smtClean="0"/>
-              <a:t>1cm</a:t>
-            </a:r>
-            <a:r>
-              <a:rPr kumimoji="1" lang="ja-JP" altLang="en-US" sz="1200" dirty="0" smtClean="0"/>
-              <a:t>の段差を乗り越え</a:t>
-            </a:r>
-            <a:r>
-              <a:rPr lang="ja-JP" altLang="en-US" sz="1200" dirty="0"/>
-              <a:t>，</a:t>
-            </a:r>
-            <a:r>
-              <a:rPr lang="ja-JP" altLang="en-US" sz="1200" dirty="0" smtClean="0"/>
-              <a:t>限られたスペースで直角に引かれたラインをトレースしなければならない</a:t>
-            </a:r>
-            <a:r>
-              <a:rPr lang="ja-JP" altLang="en-US" sz="1200" dirty="0"/>
-              <a:t>．</a:t>
-            </a:r>
-            <a:r>
-              <a:rPr lang="ja-JP" altLang="en-US" sz="1200" dirty="0" smtClean="0"/>
-              <a:t>そこに潜む危険とその解決策を考え，それらを踏まえてステートマシン図を作成した</a:t>
-            </a:r>
-            <a:r>
-              <a:rPr lang="ja-JP" altLang="en-US" sz="1200" dirty="0"/>
-              <a:t>．</a:t>
-            </a:r>
-            <a:r>
-              <a:rPr lang="ja-JP" altLang="en-US" sz="1200" dirty="0" smtClean="0"/>
-              <a:t>各状態は各区間に対応している．（他の難所についても同様にステートマシン図を作成）</a:t>
-            </a:r>
-            <a:endParaRPr kumimoji="1" lang="en-US" altLang="ja-JP" sz="1200" dirty="0" smtClean="0"/>
-          </a:p>
-        </p:txBody>
-      </p:sp>
-      <p:sp>
-        <p:nvSpPr>
-          <p:cNvPr id="10" name="角丸四角形吹き出し 9"/>
-          <p:cNvSpPr/>
-          <p:nvPr/>
-        </p:nvSpPr>
-        <p:spPr>
-          <a:xfrm>
-            <a:off x="743448" y="2299033"/>
-            <a:ext cx="3270077" cy="917391"/>
-          </a:xfrm>
-          <a:prstGeom prst="wedgeRoundRectCallout">
-            <a:avLst>
-              <a:gd name="adj1" fmla="val -31541"/>
-              <a:gd name="adj2" fmla="val 82292"/>
-              <a:gd name="adj3" fmla="val 16667"/>
-            </a:avLst>
-          </a:prstGeom>
-          <a:ln w="12700">
-            <a:solidFill>
-              <a:srgbClr val="FF0000"/>
-            </a:solidFill>
-          </a:ln>
-        </p:spPr>
-        <p:style>
-          <a:lnRef idx="2">
-            <a:schemeClr val="accent6"/>
-          </a:lnRef>
-          <a:fillRef idx="1">
-            <a:schemeClr val="lt1"/>
-          </a:fillRef>
-          <a:effectRef idx="0">
-            <a:schemeClr val="accent6"/>
-          </a:effectRef>
-          <a:fontRef idx="minor">
-            <a:schemeClr val="dk1"/>
-          </a:fontRef>
-        </p:style>
-        <p:txBody>
-          <a:bodyPr lIns="36000" tIns="36000" rIns="36000" bIns="36000" rtlCol="0" anchor="ctr"/>
-          <a:lstStyle/>
-          <a:p>
-            <a:r>
-              <a:rPr lang="ja-JP" altLang="en-US" sz="1050" dirty="0">
-                <a:latin typeface="+mn-ea"/>
-              </a:rPr>
-              <a:t>・</a:t>
-            </a:r>
-            <a:r>
-              <a:rPr lang="ja-JP" altLang="en-US" sz="1050" u="sng" dirty="0">
-                <a:latin typeface="+mn-ea"/>
-              </a:rPr>
-              <a:t>段差進入時の速度不足</a:t>
-            </a:r>
-            <a:endParaRPr lang="en-US" altLang="ja-JP" sz="1050" u="sng" dirty="0">
-              <a:latin typeface="+mn-ea"/>
-            </a:endParaRPr>
-          </a:p>
-          <a:p>
-            <a:r>
-              <a:rPr lang="ja-JP" altLang="en-US" sz="1000" dirty="0">
-                <a:latin typeface="+mn-ea"/>
-              </a:rPr>
-              <a:t>段差を上るために</a:t>
-            </a:r>
-            <a:r>
-              <a:rPr lang="ja-JP" altLang="en-US" sz="1000" dirty="0" smtClean="0">
-                <a:latin typeface="+mn-ea"/>
-              </a:rPr>
-              <a:t>は加速</a:t>
-            </a:r>
-            <a:r>
-              <a:rPr lang="ja-JP" altLang="en-US" sz="1000" dirty="0">
-                <a:latin typeface="+mn-ea"/>
-              </a:rPr>
-              <a:t>し</a:t>
-            </a:r>
-            <a:r>
-              <a:rPr lang="ja-JP" altLang="en-US" sz="1000" dirty="0" smtClean="0">
-                <a:latin typeface="+mn-ea"/>
-              </a:rPr>
-              <a:t>勢いをつける必要</a:t>
-            </a:r>
-            <a:r>
-              <a:rPr lang="ja-JP" altLang="en-US" sz="1000" dirty="0">
-                <a:latin typeface="+mn-ea"/>
-              </a:rPr>
-              <a:t>が</a:t>
-            </a:r>
-            <a:r>
-              <a:rPr lang="ja-JP" altLang="en-US" sz="1000" dirty="0" smtClean="0">
-                <a:latin typeface="+mn-ea"/>
-              </a:rPr>
-              <a:t>ある</a:t>
-            </a:r>
-            <a:r>
-              <a:rPr lang="en-US" altLang="ja-JP" sz="1000" dirty="0" smtClean="0">
-                <a:latin typeface="+mn-ea"/>
-              </a:rPr>
-              <a:t>.</a:t>
-            </a:r>
-            <a:r>
-              <a:rPr lang="ja-JP" altLang="en-US" sz="1000" dirty="0" smtClean="0">
-                <a:latin typeface="+mn-ea"/>
-              </a:rPr>
-              <a:t>そこ</a:t>
-            </a:r>
-            <a:r>
-              <a:rPr lang="ja-JP" altLang="en-US" sz="1000" dirty="0">
-                <a:latin typeface="+mn-ea"/>
-              </a:rPr>
-              <a:t>で倒立</a:t>
-            </a:r>
-            <a:r>
-              <a:rPr lang="ja-JP" altLang="en-US" sz="1000" dirty="0" smtClean="0">
-                <a:latin typeface="+mn-ea"/>
-              </a:rPr>
-              <a:t>制御</a:t>
-            </a:r>
-            <a:r>
-              <a:rPr lang="en-US" altLang="ja-JP" sz="1000" dirty="0" smtClean="0">
-                <a:latin typeface="+mn-ea"/>
-              </a:rPr>
-              <a:t>API</a:t>
-            </a:r>
-            <a:r>
-              <a:rPr lang="ja-JP" altLang="en-US" sz="1000" dirty="0" smtClean="0">
-                <a:latin typeface="+mn-ea"/>
-              </a:rPr>
-              <a:t>で</a:t>
-            </a:r>
-            <a:r>
-              <a:rPr lang="ja-JP" altLang="en-US" sz="1000" dirty="0">
-                <a:latin typeface="+mn-ea"/>
-              </a:rPr>
-              <a:t>用いるジャイロセンサのオフセット値を調節</a:t>
-            </a:r>
-            <a:r>
-              <a:rPr lang="ja-JP" altLang="en-US" sz="1000" dirty="0" smtClean="0">
-                <a:latin typeface="+mn-ea"/>
-              </a:rPr>
-              <a:t>し，走行体を強制的に前傾</a:t>
-            </a:r>
-            <a:r>
-              <a:rPr lang="ja-JP" altLang="en-US" sz="1000" dirty="0">
-                <a:latin typeface="+mn-ea"/>
-              </a:rPr>
-              <a:t>させることで短距離で</a:t>
-            </a:r>
-            <a:r>
-              <a:rPr lang="ja-JP" altLang="en-US" sz="1000" dirty="0" smtClean="0">
-                <a:latin typeface="+mn-ea"/>
-              </a:rPr>
-              <a:t>の急加速</a:t>
-            </a:r>
-            <a:r>
-              <a:rPr lang="ja-JP" altLang="en-US" sz="1000" dirty="0">
-                <a:latin typeface="+mn-ea"/>
-              </a:rPr>
-              <a:t>を</a:t>
-            </a:r>
-            <a:r>
-              <a:rPr lang="ja-JP" altLang="en-US" sz="1000" dirty="0" smtClean="0">
-                <a:latin typeface="+mn-ea"/>
-              </a:rPr>
-              <a:t>実現</a:t>
-            </a:r>
-            <a:r>
-              <a:rPr lang="en-US" altLang="ja-JP" sz="1000" dirty="0" smtClean="0">
-                <a:latin typeface="+mn-ea"/>
-              </a:rPr>
-              <a:t>.</a:t>
-            </a:r>
-            <a:endParaRPr lang="ja-JP" altLang="en-US" sz="1000" dirty="0">
-              <a:latin typeface="+mn-ea"/>
-            </a:endParaRPr>
-          </a:p>
-        </p:txBody>
-      </p:sp>
-      <p:sp>
-        <p:nvSpPr>
-          <p:cNvPr id="54" name="角丸四角形吹き出し 53"/>
-          <p:cNvSpPr/>
-          <p:nvPr/>
-        </p:nvSpPr>
-        <p:spPr>
-          <a:xfrm>
-            <a:off x="3191719" y="4656584"/>
-            <a:ext cx="1656184" cy="936104"/>
-          </a:xfrm>
-          <a:prstGeom prst="wedgeRoundRectCallout">
-            <a:avLst>
-              <a:gd name="adj1" fmla="val -34351"/>
-              <a:gd name="adj2" fmla="val -85112"/>
-              <a:gd name="adj3" fmla="val 16667"/>
-            </a:avLst>
-          </a:prstGeom>
-          <a:ln w="12700">
-            <a:solidFill>
-              <a:srgbClr val="FFFF00"/>
-            </a:solidFill>
-          </a:ln>
-        </p:spPr>
-        <p:style>
-          <a:lnRef idx="2">
-            <a:schemeClr val="accent6"/>
-          </a:lnRef>
-          <a:fillRef idx="1">
-            <a:schemeClr val="lt1"/>
-          </a:fillRef>
-          <a:effectRef idx="0">
-            <a:schemeClr val="accent6"/>
-          </a:effectRef>
-          <a:fontRef idx="minor">
-            <a:schemeClr val="dk1"/>
-          </a:fontRef>
-        </p:style>
-        <p:txBody>
-          <a:bodyPr lIns="36000" tIns="36000" rIns="36000" bIns="36000" rtlCol="0" anchor="ctr"/>
-          <a:lstStyle/>
-          <a:p>
-            <a:r>
-              <a:rPr lang="ja-JP" altLang="en-US" sz="1050" dirty="0" smtClean="0">
-                <a:latin typeface="+mn-ea"/>
-              </a:rPr>
-              <a:t>・</a:t>
-            </a:r>
-            <a:r>
-              <a:rPr lang="ja-JP" altLang="en-US" sz="1050" u="sng" dirty="0" smtClean="0">
-                <a:latin typeface="+mn-ea"/>
-              </a:rPr>
-              <a:t>落下時に走行体が</a:t>
-            </a:r>
-            <a:r>
-              <a:rPr lang="en-US" altLang="ja-JP" sz="1050" u="sng" dirty="0" smtClean="0">
-                <a:latin typeface="+mn-ea"/>
-              </a:rPr>
-              <a:t/>
-            </a:r>
-            <a:br>
-              <a:rPr lang="en-US" altLang="ja-JP" sz="1050" u="sng" dirty="0" smtClean="0">
-                <a:latin typeface="+mn-ea"/>
-              </a:rPr>
-            </a:br>
-            <a:r>
-              <a:rPr lang="ja-JP" altLang="en-US" sz="1050" u="sng" dirty="0" smtClean="0">
-                <a:latin typeface="+mn-ea"/>
-              </a:rPr>
-              <a:t>ラインから外れている</a:t>
-            </a:r>
-            <a:endParaRPr lang="en-US" altLang="ja-JP" sz="1050" u="sng" dirty="0" smtClean="0">
-              <a:latin typeface="+mn-ea"/>
-            </a:endParaRPr>
-          </a:p>
-          <a:p>
-            <a:r>
-              <a:rPr lang="ja-JP" altLang="en-US" sz="1000" dirty="0">
-                <a:solidFill>
-                  <a:srgbClr val="FF0000"/>
-                </a:solidFill>
-                <a:latin typeface="+mn-ea"/>
-              </a:rPr>
-              <a:t>ライン</a:t>
-            </a:r>
-            <a:r>
-              <a:rPr lang="ja-JP" altLang="en-US" sz="1000" dirty="0" smtClean="0">
-                <a:solidFill>
-                  <a:srgbClr val="FF0000"/>
-                </a:solidFill>
-                <a:latin typeface="+mn-ea"/>
-              </a:rPr>
-              <a:t>復帰動作</a:t>
-            </a:r>
-            <a:r>
-              <a:rPr lang="ja-JP" altLang="en-US" sz="1000" dirty="0" smtClean="0">
-                <a:latin typeface="+mn-ea"/>
-              </a:rPr>
-              <a:t>（</a:t>
-            </a:r>
-            <a:r>
-              <a:rPr lang="en-US" altLang="ja-JP" sz="1000" dirty="0" smtClean="0">
-                <a:latin typeface="+mn-ea"/>
-              </a:rPr>
-              <a:t>p. 5 </a:t>
-            </a:r>
-            <a:r>
-              <a:rPr lang="ja-JP" altLang="en-US" sz="1000" dirty="0" smtClean="0">
-                <a:latin typeface="+mn-ea"/>
-              </a:rPr>
-              <a:t>要素技術参照）によってラインへの復帰を実現</a:t>
-            </a:r>
-            <a:r>
-              <a:rPr lang="en-US" altLang="ja-JP" sz="1000" dirty="0" smtClean="0">
-                <a:latin typeface="+mn-ea"/>
-              </a:rPr>
-              <a:t>.</a:t>
-            </a:r>
-            <a:endParaRPr lang="ja-JP" altLang="en-US" sz="1000" dirty="0">
-              <a:latin typeface="+mn-ea"/>
-            </a:endParaRPr>
-          </a:p>
-        </p:txBody>
-      </p:sp>
-      <p:sp>
-        <p:nvSpPr>
-          <p:cNvPr id="58" name="テキスト ボックス 57"/>
-          <p:cNvSpPr txBox="1"/>
-          <p:nvPr/>
-        </p:nvSpPr>
-        <p:spPr>
-          <a:xfrm>
-            <a:off x="8091596" y="1560242"/>
-            <a:ext cx="5541284" cy="646331"/>
-          </a:xfrm>
-          <a:prstGeom prst="rect">
-            <a:avLst/>
-          </a:prstGeom>
-          <a:noFill/>
-        </p:spPr>
-        <p:txBody>
-          <a:bodyPr wrap="square" rtlCol="0">
-            <a:spAutoFit/>
-          </a:bodyPr>
-          <a:lstStyle/>
-          <a:p>
-            <a:r>
-              <a:rPr lang="ja-JP" altLang="en-US" sz="1200" dirty="0" smtClean="0"/>
-              <a:t>　シーソー</a:t>
-            </a:r>
-            <a:r>
-              <a:rPr kumimoji="1" lang="ja-JP" altLang="en-US" sz="1200" dirty="0" smtClean="0"/>
-              <a:t>突破のためには段差を乗り越え，</a:t>
-            </a:r>
-            <a:r>
-              <a:rPr lang="ja-JP" altLang="en-US" sz="1200" dirty="0" smtClean="0"/>
-              <a:t>傾斜を上り，シーソーの動きに対応出来なければならない。しかし、階段での戦略を使いまわすことで対応が可能である</a:t>
-            </a:r>
-            <a:r>
-              <a:rPr lang="en-US" altLang="ja-JP" sz="1200" dirty="0" smtClean="0"/>
-              <a:t>.</a:t>
-            </a:r>
-            <a:endParaRPr kumimoji="1" lang="en-US" altLang="ja-JP" sz="1200" dirty="0" smtClean="0"/>
-          </a:p>
-        </p:txBody>
-      </p:sp>
-      <p:sp>
-        <p:nvSpPr>
-          <p:cNvPr id="59" name="角丸四角形吹き出し 58"/>
-          <p:cNvSpPr/>
-          <p:nvPr/>
-        </p:nvSpPr>
-        <p:spPr>
-          <a:xfrm>
-            <a:off x="8249315" y="2208312"/>
-            <a:ext cx="2071196" cy="426943"/>
-          </a:xfrm>
-          <a:prstGeom prst="wedgeRoundRectCallout">
-            <a:avLst>
-              <a:gd name="adj1" fmla="val -30381"/>
-              <a:gd name="adj2" fmla="val 108164"/>
-              <a:gd name="adj3" fmla="val 16667"/>
-            </a:avLst>
-          </a:prstGeom>
-          <a:ln w="12700">
-            <a:solidFill>
-              <a:srgbClr val="FF0000"/>
-            </a:solidFill>
-          </a:ln>
-        </p:spPr>
-        <p:style>
-          <a:lnRef idx="2">
-            <a:schemeClr val="accent6"/>
-          </a:lnRef>
-          <a:fillRef idx="1">
-            <a:schemeClr val="lt1"/>
-          </a:fillRef>
-          <a:effectRef idx="0">
-            <a:schemeClr val="accent6"/>
-          </a:effectRef>
-          <a:fontRef idx="minor">
-            <a:schemeClr val="dk1"/>
-          </a:fontRef>
-        </p:style>
-        <p:txBody>
-          <a:bodyPr lIns="36000" tIns="36000" rIns="36000" bIns="36000" rtlCol="0" anchor="ctr"/>
-          <a:lstStyle/>
-          <a:p>
-            <a:r>
-              <a:rPr lang="ja-JP" altLang="en-US" sz="1100" dirty="0">
-                <a:latin typeface="+mn-ea"/>
-              </a:rPr>
-              <a:t>・</a:t>
-            </a:r>
-            <a:r>
-              <a:rPr lang="ja-JP" altLang="en-US" sz="1100" u="sng" dirty="0">
-                <a:latin typeface="+mn-ea"/>
-              </a:rPr>
-              <a:t>段差進入時の速度</a:t>
-            </a:r>
-            <a:r>
-              <a:rPr lang="ja-JP" altLang="en-US" sz="1100" u="sng" dirty="0" smtClean="0">
-                <a:latin typeface="+mn-ea"/>
-              </a:rPr>
-              <a:t>不足</a:t>
-            </a:r>
-            <a:endParaRPr lang="en-US" altLang="ja-JP" sz="1100" u="sng" dirty="0" smtClean="0">
-              <a:latin typeface="+mn-ea"/>
-            </a:endParaRPr>
-          </a:p>
-          <a:p>
-            <a:r>
-              <a:rPr lang="ja-JP" altLang="en-US" sz="1050" dirty="0" smtClean="0">
-                <a:latin typeface="+mn-ea"/>
-              </a:rPr>
-              <a:t>階段での動作と同様にして実現</a:t>
-            </a:r>
-            <a:r>
-              <a:rPr lang="en-US" altLang="ja-JP" sz="1050" dirty="0" smtClean="0">
-                <a:latin typeface="+mn-ea"/>
-              </a:rPr>
-              <a:t>.</a:t>
-            </a:r>
-            <a:endParaRPr lang="en-US" altLang="ja-JP" sz="1000" dirty="0" smtClean="0">
-              <a:latin typeface="+mn-ea"/>
-            </a:endParaRPr>
-          </a:p>
-        </p:txBody>
-      </p:sp>
-      <p:sp>
-        <p:nvSpPr>
-          <p:cNvPr id="53" name="角丸四角形吹き出し 52"/>
-          <p:cNvSpPr/>
-          <p:nvPr/>
-        </p:nvSpPr>
-        <p:spPr>
-          <a:xfrm>
-            <a:off x="743447" y="4584579"/>
-            <a:ext cx="2232248" cy="1008111"/>
-          </a:xfrm>
-          <a:prstGeom prst="wedgeRoundRectCallout">
-            <a:avLst>
-              <a:gd name="adj1" fmla="val 54996"/>
-              <a:gd name="adj2" fmla="val -111318"/>
-              <a:gd name="adj3" fmla="val 16667"/>
-            </a:avLst>
-          </a:prstGeom>
-          <a:ln w="12700">
-            <a:solidFill>
-              <a:srgbClr val="92D050"/>
-            </a:solidFill>
-          </a:ln>
-        </p:spPr>
-        <p:style>
-          <a:lnRef idx="2">
-            <a:schemeClr val="accent6"/>
-          </a:lnRef>
-          <a:fillRef idx="1">
-            <a:schemeClr val="lt1"/>
-          </a:fillRef>
-          <a:effectRef idx="0">
-            <a:schemeClr val="accent6"/>
-          </a:effectRef>
-          <a:fontRef idx="minor">
-            <a:schemeClr val="dk1"/>
-          </a:fontRef>
-        </p:style>
-        <p:txBody>
-          <a:bodyPr lIns="36000" tIns="36000" rIns="36000" bIns="36000" rtlCol="0" anchor="ctr"/>
-          <a:lstStyle/>
-          <a:p>
-            <a:r>
-              <a:rPr lang="ja-JP" altLang="en-US" sz="1000" dirty="0" smtClean="0">
-                <a:latin typeface="+mn-ea"/>
-              </a:rPr>
-              <a:t>・</a:t>
-            </a:r>
-            <a:r>
-              <a:rPr lang="ja-JP" altLang="en-US" sz="1050" u="sng" dirty="0" smtClean="0">
-                <a:latin typeface="+mn-ea"/>
-              </a:rPr>
-              <a:t>落下時に走行体が不安定になる</a:t>
-            </a:r>
-            <a:endParaRPr lang="en-US" altLang="ja-JP" sz="1050" u="sng" dirty="0" smtClean="0">
-              <a:latin typeface="+mn-ea"/>
-            </a:endParaRPr>
-          </a:p>
-          <a:p>
-            <a:r>
-              <a:rPr lang="ja-JP" altLang="en-US" sz="1000" dirty="0" smtClean="0">
-                <a:latin typeface="+mn-ea"/>
-              </a:rPr>
-              <a:t>走行体が落下した際に走行体が後傾姿勢になる傾向がある。そこで、落下の衝撃を検知した際に，ジャイロオフセットの値を調節し補正を行うことで倒立制御の安定化を実現</a:t>
-            </a:r>
-            <a:r>
-              <a:rPr lang="en-US" altLang="ja-JP" sz="1000" dirty="0" smtClean="0">
-                <a:latin typeface="+mn-ea"/>
-              </a:rPr>
-              <a:t>.</a:t>
-            </a:r>
-            <a:endParaRPr lang="ja-JP" altLang="en-US" sz="1000" dirty="0">
-              <a:latin typeface="+mn-ea"/>
-            </a:endParaRPr>
-          </a:p>
-        </p:txBody>
-      </p:sp>
-      <p:sp>
-        <p:nvSpPr>
-          <p:cNvPr id="62" name="角丸四角形吹き出し 61"/>
-          <p:cNvSpPr/>
-          <p:nvPr/>
-        </p:nvSpPr>
-        <p:spPr>
-          <a:xfrm>
-            <a:off x="10464527" y="2064296"/>
-            <a:ext cx="2231023" cy="427232"/>
-          </a:xfrm>
-          <a:prstGeom prst="wedgeRoundRectCallout">
-            <a:avLst>
-              <a:gd name="adj1" fmla="val -35429"/>
-              <a:gd name="adj2" fmla="val 138984"/>
-              <a:gd name="adj3" fmla="val 16667"/>
-            </a:avLst>
-          </a:prstGeom>
-          <a:ln w="12700">
-            <a:solidFill>
-              <a:srgbClr val="92D050"/>
-            </a:solidFill>
-          </a:ln>
-        </p:spPr>
-        <p:style>
-          <a:lnRef idx="2">
-            <a:schemeClr val="accent6"/>
-          </a:lnRef>
-          <a:fillRef idx="1">
-            <a:schemeClr val="lt1"/>
-          </a:fillRef>
-          <a:effectRef idx="0">
-            <a:schemeClr val="accent6"/>
-          </a:effectRef>
-          <a:fontRef idx="minor">
-            <a:schemeClr val="dk1"/>
-          </a:fontRef>
-        </p:style>
-        <p:txBody>
-          <a:bodyPr lIns="36000" tIns="36000" rIns="36000" bIns="36000" rtlCol="0" anchor="ctr"/>
-          <a:lstStyle/>
-          <a:p>
-            <a:r>
-              <a:rPr lang="ja-JP" altLang="en-US" sz="1050" dirty="0" smtClean="0">
-                <a:latin typeface="+mn-ea"/>
-              </a:rPr>
-              <a:t>・</a:t>
-            </a:r>
-            <a:r>
-              <a:rPr lang="ja-JP" altLang="en-US" sz="1100" u="sng" dirty="0" smtClean="0">
-                <a:latin typeface="+mn-ea"/>
-              </a:rPr>
-              <a:t>落下時に走行体が不安定になる</a:t>
-            </a:r>
-            <a:endParaRPr lang="en-US" altLang="ja-JP" sz="1100" u="sng" dirty="0" smtClean="0">
-              <a:latin typeface="+mn-ea"/>
-            </a:endParaRPr>
-          </a:p>
-          <a:p>
-            <a:r>
-              <a:rPr lang="ja-JP" altLang="en-US" sz="1050" dirty="0">
-                <a:latin typeface="+mn-ea"/>
-              </a:rPr>
-              <a:t>階段での動作と同様にして実現</a:t>
-            </a:r>
-            <a:r>
-              <a:rPr lang="en-US" altLang="ja-JP" sz="1050" dirty="0">
-                <a:latin typeface="+mn-ea"/>
-              </a:rPr>
-              <a:t>.</a:t>
-            </a:r>
-            <a:endParaRPr lang="en-US" altLang="ja-JP" sz="1000" dirty="0">
-              <a:latin typeface="+mn-ea"/>
-            </a:endParaRPr>
-          </a:p>
-        </p:txBody>
-      </p:sp>
-      <p:sp>
-        <p:nvSpPr>
-          <p:cNvPr id="63" name="角丸四角形吹き出し 62"/>
-          <p:cNvSpPr/>
-          <p:nvPr/>
-        </p:nvSpPr>
-        <p:spPr>
-          <a:xfrm>
-            <a:off x="11413589" y="2522807"/>
-            <a:ext cx="2075275" cy="582035"/>
-          </a:xfrm>
-          <a:prstGeom prst="wedgeRoundRectCallout">
-            <a:avLst>
-              <a:gd name="adj1" fmla="val -80050"/>
-              <a:gd name="adj2" fmla="val 91507"/>
-              <a:gd name="adj3" fmla="val 16667"/>
-            </a:avLst>
-          </a:prstGeom>
-          <a:ln w="12700">
-            <a:solidFill>
-              <a:srgbClr val="FFFF00"/>
-            </a:solidFill>
-          </a:ln>
-        </p:spPr>
-        <p:style>
-          <a:lnRef idx="2">
-            <a:schemeClr val="accent6"/>
-          </a:lnRef>
-          <a:fillRef idx="1">
-            <a:schemeClr val="lt1"/>
-          </a:fillRef>
-          <a:effectRef idx="0">
-            <a:schemeClr val="accent6"/>
-          </a:effectRef>
-          <a:fontRef idx="minor">
-            <a:schemeClr val="dk1"/>
-          </a:fontRef>
-        </p:style>
-        <p:txBody>
-          <a:bodyPr lIns="36000" tIns="36000" rIns="36000" bIns="36000" rtlCol="0" anchor="ctr"/>
-          <a:lstStyle/>
-          <a:p>
-            <a:r>
-              <a:rPr lang="ja-JP" altLang="en-US" sz="1100" dirty="0" smtClean="0">
-                <a:latin typeface="+mn-ea"/>
-              </a:rPr>
-              <a:t>・</a:t>
-            </a:r>
-            <a:r>
-              <a:rPr lang="ja-JP" altLang="en-US" sz="1100" u="sng" dirty="0" smtClean="0">
-                <a:latin typeface="+mn-ea"/>
-              </a:rPr>
-              <a:t>落下時に走行体がラインから外れている</a:t>
-            </a:r>
-            <a:endParaRPr lang="en-US" altLang="ja-JP" sz="1050" u="sng" dirty="0" smtClean="0">
-              <a:latin typeface="+mn-ea"/>
-            </a:endParaRPr>
-          </a:p>
-          <a:p>
-            <a:r>
-              <a:rPr lang="ja-JP" altLang="en-US" sz="1050" dirty="0">
-                <a:latin typeface="+mn-ea"/>
-              </a:rPr>
-              <a:t>階段での動作と同様にして実現</a:t>
-            </a:r>
-            <a:r>
-              <a:rPr lang="en-US" altLang="ja-JP" sz="1050" dirty="0">
-                <a:latin typeface="+mn-ea"/>
-              </a:rPr>
-              <a:t>.</a:t>
-            </a:r>
-            <a:endParaRPr lang="en-US" altLang="ja-JP" sz="1000" dirty="0">
-              <a:latin typeface="+mn-ea"/>
-            </a:endParaRPr>
-          </a:p>
-        </p:txBody>
-      </p:sp>
-      <p:sp>
-        <p:nvSpPr>
-          <p:cNvPr id="65" name="角丸四角形吹き出し 64"/>
-          <p:cNvSpPr/>
-          <p:nvPr/>
-        </p:nvSpPr>
-        <p:spPr>
-          <a:xfrm>
-            <a:off x="8173116" y="3900500"/>
-            <a:ext cx="2215211" cy="1404156"/>
-          </a:xfrm>
-          <a:prstGeom prst="wedgeRoundRectCallout">
-            <a:avLst>
-              <a:gd name="adj1" fmla="val 37881"/>
-              <a:gd name="adj2" fmla="val -88674"/>
-              <a:gd name="adj3" fmla="val 16667"/>
-            </a:avLst>
-          </a:prstGeom>
-          <a:ln w="12700">
-            <a:solidFill>
-              <a:schemeClr val="accent5">
-                <a:lumMod val="50000"/>
-              </a:schemeClr>
-            </a:solidFill>
-          </a:ln>
-        </p:spPr>
-        <p:style>
-          <a:lnRef idx="2">
-            <a:schemeClr val="accent6"/>
-          </a:lnRef>
-          <a:fillRef idx="1">
-            <a:schemeClr val="lt1"/>
-          </a:fillRef>
-          <a:effectRef idx="0">
-            <a:schemeClr val="accent6"/>
-          </a:effectRef>
-          <a:fontRef idx="minor">
-            <a:schemeClr val="dk1"/>
-          </a:fontRef>
-        </p:style>
-        <p:txBody>
-          <a:bodyPr lIns="36000" tIns="36000" rIns="36000" bIns="36000" rtlCol="0" anchor="ctr"/>
-          <a:lstStyle/>
-          <a:p>
-            <a:r>
-              <a:rPr lang="ja-JP" altLang="en-US" sz="1000" dirty="0" smtClean="0">
-                <a:latin typeface="+mn-ea"/>
-              </a:rPr>
-              <a:t>・</a:t>
-            </a:r>
-            <a:r>
-              <a:rPr lang="ja-JP" altLang="en-US" sz="1050" u="sng" dirty="0" smtClean="0">
-                <a:latin typeface="+mn-ea"/>
-              </a:rPr>
-              <a:t>シーソーの動きに</a:t>
-            </a:r>
-            <a:r>
-              <a:rPr lang="ja-JP" altLang="en-US" sz="1050" u="sng" dirty="0">
-                <a:latin typeface="+mn-ea"/>
-              </a:rPr>
-              <a:t>よって</a:t>
-            </a:r>
-            <a:r>
-              <a:rPr lang="ja-JP" altLang="en-US" sz="1050" u="sng" dirty="0" smtClean="0">
-                <a:latin typeface="+mn-ea"/>
-              </a:rPr>
-              <a:t>走行が不安定になる</a:t>
-            </a:r>
-            <a:endParaRPr lang="en-US" altLang="ja-JP" sz="1050" u="sng" dirty="0" smtClean="0">
-              <a:latin typeface="+mn-ea"/>
-            </a:endParaRPr>
-          </a:p>
-          <a:p>
-            <a:r>
-              <a:rPr lang="ja-JP" altLang="en-US" sz="1000" dirty="0" smtClean="0">
-                <a:latin typeface="+mn-ea"/>
-              </a:rPr>
-              <a:t>シーソーが降下した際に走行体が大きく前傾してしまう。そこで，階段落下時と同様に，シーソーの降下に合わせて走行体を後傾させることによって，シーソー上での倒立制御の安定化を実現．</a:t>
-            </a:r>
-            <a:endParaRPr lang="en-US" altLang="ja-JP" sz="1000" dirty="0" smtClean="0">
-              <a:latin typeface="+mn-ea"/>
-            </a:endParaRPr>
-          </a:p>
-        </p:txBody>
-      </p:sp>
-      <p:sp>
-        <p:nvSpPr>
-          <p:cNvPr id="69" name="テキスト ボックス 68"/>
-          <p:cNvSpPr txBox="1"/>
-          <p:nvPr/>
-        </p:nvSpPr>
-        <p:spPr>
-          <a:xfrm>
-            <a:off x="599432" y="6057837"/>
-            <a:ext cx="7470123" cy="646331"/>
-          </a:xfrm>
-          <a:prstGeom prst="rect">
-            <a:avLst/>
-          </a:prstGeom>
-          <a:noFill/>
-        </p:spPr>
-        <p:txBody>
-          <a:bodyPr wrap="square" rtlCol="0">
-            <a:spAutoFit/>
-          </a:bodyPr>
-          <a:lstStyle/>
-          <a:p>
-            <a:r>
-              <a:rPr lang="ja-JP" altLang="en-US" sz="1200" dirty="0" smtClean="0"/>
-              <a:t>　ドリフトターン</a:t>
-            </a:r>
-            <a:r>
-              <a:rPr lang="ja-JP" altLang="en-US" sz="1200" dirty="0"/>
-              <a:t>突破のために</a:t>
-            </a:r>
-            <a:r>
-              <a:rPr lang="ja-JP" altLang="en-US" sz="1200" dirty="0" smtClean="0"/>
-              <a:t>は経路選択用ペットボトルの誤検知を防ぎ，ラインの無いエリアを走行する必要がある．</a:t>
-            </a:r>
-            <a:endParaRPr lang="en-US" altLang="ja-JP" sz="1200" dirty="0"/>
-          </a:p>
-          <a:p>
-            <a:endParaRPr kumimoji="1" lang="en-US" altLang="ja-JP" sz="1200" dirty="0" smtClean="0"/>
-          </a:p>
-        </p:txBody>
-      </p:sp>
-      <p:sp>
-        <p:nvSpPr>
-          <p:cNvPr id="70" name="テキスト ボックス 69"/>
-          <p:cNvSpPr txBox="1"/>
-          <p:nvPr/>
-        </p:nvSpPr>
-        <p:spPr>
-          <a:xfrm>
-            <a:off x="8104848" y="6017187"/>
-            <a:ext cx="5473093" cy="461665"/>
-          </a:xfrm>
-          <a:prstGeom prst="rect">
-            <a:avLst/>
-          </a:prstGeom>
-          <a:noFill/>
-        </p:spPr>
-        <p:txBody>
-          <a:bodyPr wrap="square" rtlCol="0">
-            <a:spAutoFit/>
-          </a:bodyPr>
-          <a:lstStyle/>
-          <a:p>
-            <a:r>
-              <a:rPr kumimoji="1" lang="ja-JP" altLang="en-US" sz="1200" dirty="0" smtClean="0"/>
-              <a:t>　ルックアップゲート突破のためにはゲートを検知し，</a:t>
-            </a:r>
-            <a:r>
-              <a:rPr lang="ja-JP" altLang="en-US" sz="1200" dirty="0" smtClean="0"/>
-              <a:t>その下を通過出来る角度まで走行体を傾け，通過後に元の角度に戻らなければならない．</a:t>
-            </a:r>
-            <a:endParaRPr kumimoji="1" lang="en-US" altLang="ja-JP" sz="1200" dirty="0" smtClean="0"/>
-          </a:p>
-        </p:txBody>
-      </p:sp>
-      <p:sp>
-        <p:nvSpPr>
-          <p:cNvPr id="47" name="角丸四角形吹き出し 46"/>
-          <p:cNvSpPr/>
-          <p:nvPr/>
-        </p:nvSpPr>
-        <p:spPr>
-          <a:xfrm>
-            <a:off x="4271839" y="2204120"/>
-            <a:ext cx="3683415" cy="853430"/>
-          </a:xfrm>
-          <a:prstGeom prst="wedgeRoundRectCallout">
-            <a:avLst>
-              <a:gd name="adj1" fmla="val -56405"/>
-              <a:gd name="adj2" fmla="val 73732"/>
-              <a:gd name="adj3" fmla="val 16667"/>
-            </a:avLst>
-          </a:prstGeom>
-          <a:ln w="12700"/>
-        </p:spPr>
-        <p:style>
-          <a:lnRef idx="2">
-            <a:schemeClr val="accent6"/>
-          </a:lnRef>
-          <a:fillRef idx="1">
-            <a:schemeClr val="lt1"/>
-          </a:fillRef>
-          <a:effectRef idx="0">
-            <a:schemeClr val="accent6"/>
-          </a:effectRef>
-          <a:fontRef idx="minor">
-            <a:schemeClr val="dk1"/>
-          </a:fontRef>
-        </p:style>
-        <p:txBody>
-          <a:bodyPr lIns="36000" tIns="36000" rIns="36000" bIns="36000" rtlCol="0" anchor="ctr"/>
-          <a:lstStyle/>
-          <a:p>
-            <a:r>
-              <a:rPr lang="ja-JP" altLang="en-US" sz="1000" dirty="0">
-                <a:latin typeface="+mn-ea"/>
-              </a:rPr>
-              <a:t>・</a:t>
-            </a:r>
-            <a:r>
-              <a:rPr lang="ja-JP" altLang="en-US" sz="1050" u="sng" dirty="0" smtClean="0">
-                <a:latin typeface="+mn-ea"/>
-              </a:rPr>
-              <a:t>直角部分を曲がりきることが出来ない</a:t>
-            </a:r>
-            <a:endParaRPr lang="en-US" altLang="ja-JP" sz="1050" u="sng" dirty="0" smtClean="0">
-              <a:latin typeface="+mn-ea"/>
-            </a:endParaRPr>
-          </a:p>
-          <a:p>
-            <a:r>
-              <a:rPr lang="ja-JP" altLang="en-US" sz="1000" dirty="0">
-                <a:latin typeface="+mn-ea"/>
-              </a:rPr>
-              <a:t>直角</a:t>
-            </a:r>
-            <a:r>
-              <a:rPr lang="ja-JP" altLang="en-US" sz="1000" dirty="0" smtClean="0">
-                <a:latin typeface="+mn-ea"/>
-              </a:rPr>
-              <a:t>部分の検知が遅れると走行体がラインを見失い，転回後にライントレースを</a:t>
-            </a:r>
-            <a:r>
-              <a:rPr lang="ja-JP" altLang="en-US" sz="1000" dirty="0">
-                <a:latin typeface="+mn-ea"/>
-              </a:rPr>
-              <a:t>継続</a:t>
-            </a:r>
-            <a:r>
-              <a:rPr lang="ja-JP" altLang="en-US" sz="1000" dirty="0" smtClean="0">
-                <a:latin typeface="+mn-ea"/>
-              </a:rPr>
-              <a:t>出来なくなる</a:t>
-            </a:r>
-            <a:r>
-              <a:rPr lang="ja-JP" altLang="en-US" sz="1000" dirty="0">
-                <a:latin typeface="+mn-ea"/>
-              </a:rPr>
-              <a:t>．</a:t>
-            </a:r>
-            <a:r>
-              <a:rPr lang="ja-JP" altLang="en-US" sz="1000" dirty="0" smtClean="0">
-                <a:latin typeface="+mn-ea"/>
-              </a:rPr>
-              <a:t>そこで</a:t>
-            </a:r>
-            <a:r>
-              <a:rPr lang="ja-JP" altLang="en-US" sz="1000" dirty="0">
-                <a:latin typeface="+mn-ea"/>
-              </a:rPr>
-              <a:t>，</a:t>
-            </a:r>
-            <a:r>
-              <a:rPr lang="ja-JP" altLang="en-US" sz="1000" dirty="0" smtClean="0">
-                <a:latin typeface="+mn-ea"/>
-              </a:rPr>
-              <a:t>光センサの値の目標値を走行体が完全にラインを見失う前の値に設定することで</a:t>
-            </a:r>
-            <a:r>
-              <a:rPr lang="ja-JP" altLang="en-US" sz="1000" dirty="0">
-                <a:latin typeface="+mn-ea"/>
-              </a:rPr>
-              <a:t>，</a:t>
-            </a:r>
-            <a:r>
-              <a:rPr lang="ja-JP" altLang="en-US" sz="1000" dirty="0" smtClean="0">
-                <a:latin typeface="+mn-ea"/>
-              </a:rPr>
-              <a:t>転回後のライントレース継続を実現</a:t>
-            </a:r>
-            <a:r>
-              <a:rPr lang="en-US" altLang="ja-JP" sz="1000" dirty="0" smtClean="0">
-                <a:latin typeface="+mn-ea"/>
-              </a:rPr>
-              <a:t>.</a:t>
-            </a:r>
-            <a:endParaRPr lang="ja-JP" altLang="en-US" sz="1000" dirty="0">
-              <a:latin typeface="+mn-ea"/>
-            </a:endParaRPr>
-          </a:p>
-        </p:txBody>
-      </p:sp>
-      <p:sp>
-        <p:nvSpPr>
-          <p:cNvPr id="77" name="角丸四角形吹き出し 76"/>
-          <p:cNvSpPr/>
-          <p:nvPr/>
-        </p:nvSpPr>
-        <p:spPr>
-          <a:xfrm>
-            <a:off x="2396518" y="7623285"/>
-            <a:ext cx="1629865" cy="1929843"/>
-          </a:xfrm>
-          <a:prstGeom prst="wedgeRoundRectCallout">
-            <a:avLst>
-              <a:gd name="adj1" fmla="val -9661"/>
-              <a:gd name="adj2" fmla="val -60593"/>
-              <a:gd name="adj3" fmla="val 16667"/>
-            </a:avLst>
-          </a:prstGeom>
-          <a:ln w="12700">
-            <a:solidFill>
-              <a:schemeClr val="accent6">
-                <a:lumMod val="75000"/>
-              </a:schemeClr>
-            </a:solidFill>
-          </a:ln>
-        </p:spPr>
-        <p:style>
-          <a:lnRef idx="2">
-            <a:schemeClr val="accent6"/>
-          </a:lnRef>
-          <a:fillRef idx="1">
-            <a:schemeClr val="lt1"/>
-          </a:fillRef>
-          <a:effectRef idx="0">
-            <a:schemeClr val="accent6"/>
-          </a:effectRef>
-          <a:fontRef idx="minor">
-            <a:schemeClr val="dk1"/>
-          </a:fontRef>
-        </p:style>
-        <p:txBody>
-          <a:bodyPr lIns="36000" tIns="36000" rIns="36000" bIns="36000" rtlCol="0" anchor="ctr"/>
-          <a:lstStyle/>
-          <a:p>
-            <a:r>
-              <a:rPr lang="ja-JP" altLang="en-US" sz="1000" dirty="0" smtClean="0">
-                <a:latin typeface="+mn-ea"/>
-              </a:rPr>
-              <a:t>・</a:t>
-            </a:r>
-            <a:r>
-              <a:rPr lang="ja-JP" altLang="en-US" sz="1050" u="sng" dirty="0" smtClean="0">
-                <a:latin typeface="+mn-ea"/>
-              </a:rPr>
-              <a:t>ラインの無いエリアでの走行</a:t>
-            </a:r>
-            <a:endParaRPr lang="en-US" altLang="ja-JP" sz="1050" u="sng" dirty="0" smtClean="0">
-              <a:latin typeface="+mn-ea"/>
-            </a:endParaRPr>
-          </a:p>
-          <a:p>
-            <a:r>
-              <a:rPr lang="ja-JP" altLang="en-US" sz="1000" dirty="0">
-                <a:solidFill>
-                  <a:srgbClr val="FF0000"/>
-                </a:solidFill>
-                <a:latin typeface="+mn-ea"/>
-              </a:rPr>
-              <a:t>曲率半径</a:t>
-            </a:r>
-            <a:r>
-              <a:rPr lang="en-US" altLang="ja-JP" sz="1000" dirty="0">
-                <a:solidFill>
-                  <a:srgbClr val="FF0000"/>
-                </a:solidFill>
-                <a:latin typeface="+mn-ea"/>
-              </a:rPr>
-              <a:t>PID</a:t>
-            </a:r>
-            <a:r>
-              <a:rPr lang="ja-JP" altLang="en-US" sz="1000" dirty="0" smtClean="0">
-                <a:solidFill>
-                  <a:srgbClr val="FF0000"/>
-                </a:solidFill>
-                <a:latin typeface="+mn-ea"/>
-              </a:rPr>
-              <a:t>制御</a:t>
-            </a:r>
-            <a:r>
-              <a:rPr lang="en-US" altLang="ja-JP" sz="1000" dirty="0" smtClean="0">
-                <a:solidFill>
-                  <a:srgbClr val="FF0000"/>
-                </a:solidFill>
-                <a:latin typeface="+mn-ea"/>
-              </a:rPr>
-              <a:t/>
-            </a:r>
-            <a:br>
-              <a:rPr lang="en-US" altLang="ja-JP" sz="1000" dirty="0" smtClean="0">
-                <a:solidFill>
-                  <a:srgbClr val="FF0000"/>
-                </a:solidFill>
-                <a:latin typeface="+mn-ea"/>
-              </a:rPr>
-            </a:br>
-            <a:r>
-              <a:rPr lang="ja-JP" altLang="en-US" sz="1000" dirty="0" smtClean="0">
-                <a:latin typeface="+mn-ea"/>
-              </a:rPr>
-              <a:t>（</a:t>
-            </a:r>
-            <a:r>
-              <a:rPr lang="en-US" altLang="ja-JP" sz="1000" dirty="0">
-                <a:latin typeface="+mn-ea"/>
-              </a:rPr>
-              <a:t>p</a:t>
-            </a:r>
-            <a:r>
-              <a:rPr lang="en-US" altLang="ja-JP" sz="1000" dirty="0" smtClean="0">
-                <a:latin typeface="+mn-ea"/>
-              </a:rPr>
-              <a:t>. 5 </a:t>
-            </a:r>
-            <a:r>
-              <a:rPr lang="ja-JP" altLang="en-US" sz="1000" dirty="0">
-                <a:latin typeface="+mn-ea"/>
-              </a:rPr>
-              <a:t>要素技術参照</a:t>
-            </a:r>
-            <a:r>
-              <a:rPr lang="ja-JP" altLang="en-US" sz="1000" dirty="0" smtClean="0">
-                <a:latin typeface="+mn-ea"/>
-              </a:rPr>
-              <a:t>）を利用し，定義した仮想ラインを</a:t>
-            </a:r>
-            <a:r>
-              <a:rPr lang="en-US" altLang="ja-JP" sz="1000" dirty="0" smtClean="0">
-                <a:latin typeface="+mn-ea"/>
-              </a:rPr>
-              <a:t>2</a:t>
-            </a:r>
-            <a:r>
-              <a:rPr lang="ja-JP" altLang="en-US" sz="1000" dirty="0" smtClean="0">
-                <a:latin typeface="+mn-ea"/>
-              </a:rPr>
-              <a:t>つ用意することにより規定された走行を実現．</a:t>
-            </a:r>
-            <a:endParaRPr lang="en-US" altLang="ja-JP" sz="900" dirty="0" smtClean="0">
-              <a:latin typeface="+mn-ea"/>
-            </a:endParaRPr>
-          </a:p>
-        </p:txBody>
-      </p:sp>
-      <p:sp>
-        <p:nvSpPr>
-          <p:cNvPr id="76" name="角丸四角形吹き出し 75"/>
-          <p:cNvSpPr/>
-          <p:nvPr/>
-        </p:nvSpPr>
-        <p:spPr>
-          <a:xfrm>
-            <a:off x="813597" y="7608912"/>
-            <a:ext cx="1442019" cy="1918991"/>
-          </a:xfrm>
-          <a:prstGeom prst="wedgeRoundRectCallout">
-            <a:avLst>
-              <a:gd name="adj1" fmla="val -19612"/>
-              <a:gd name="adj2" fmla="val -55502"/>
-              <a:gd name="adj3" fmla="val 16667"/>
-            </a:avLst>
-          </a:prstGeom>
-          <a:ln w="12700">
-            <a:solidFill>
-              <a:srgbClr val="FF6600"/>
-            </a:solidFill>
-          </a:ln>
-        </p:spPr>
-        <p:style>
-          <a:lnRef idx="2">
-            <a:schemeClr val="accent6"/>
-          </a:lnRef>
-          <a:fillRef idx="1">
-            <a:schemeClr val="lt1"/>
-          </a:fillRef>
-          <a:effectRef idx="0">
-            <a:schemeClr val="accent6"/>
-          </a:effectRef>
-          <a:fontRef idx="minor">
-            <a:schemeClr val="dk1"/>
-          </a:fontRef>
-        </p:style>
-        <p:txBody>
-          <a:bodyPr lIns="36000" tIns="36000" rIns="36000" bIns="36000" rtlCol="0" anchor="ctr"/>
-          <a:lstStyle/>
-          <a:p>
-            <a:r>
-              <a:rPr lang="ja-JP" altLang="en-US" sz="1050" u="sng" dirty="0">
-                <a:latin typeface="+mn-ea"/>
-              </a:rPr>
-              <a:t>・</a:t>
-            </a:r>
-            <a:r>
-              <a:rPr lang="ja-JP" altLang="en-US" sz="1050" u="sng" dirty="0" smtClean="0">
-                <a:latin typeface="+mn-ea"/>
-              </a:rPr>
-              <a:t>ペットボトルの誤検知</a:t>
-            </a:r>
-            <a:r>
-              <a:rPr lang="ja-JP" altLang="en-US" sz="1000" dirty="0">
-                <a:latin typeface="+mn-ea"/>
-              </a:rPr>
-              <a:t/>
-            </a:r>
-            <a:br>
-              <a:rPr lang="ja-JP" altLang="en-US" sz="1000" dirty="0">
-                <a:latin typeface="+mn-ea"/>
-              </a:rPr>
-            </a:br>
-            <a:r>
-              <a:rPr lang="ja-JP" altLang="en-US" sz="1000" dirty="0">
-                <a:latin typeface="+mn-ea"/>
-              </a:rPr>
-              <a:t>大会の</a:t>
-            </a:r>
-            <a:r>
-              <a:rPr lang="ja-JP" altLang="en-US" sz="1000" dirty="0" smtClean="0">
-                <a:latin typeface="+mn-ea"/>
-              </a:rPr>
-              <a:t>コース上ではペットボトル付近にもオブジェ</a:t>
-            </a:r>
-            <a:r>
-              <a:rPr lang="ja-JP" altLang="en-US" sz="1000" dirty="0">
-                <a:latin typeface="+mn-ea"/>
-              </a:rPr>
-              <a:t>が置いて</a:t>
-            </a:r>
-            <a:r>
-              <a:rPr lang="ja-JP" altLang="en-US" sz="1000" dirty="0" smtClean="0">
-                <a:latin typeface="+mn-ea"/>
-              </a:rPr>
-              <a:t>ありそれを</a:t>
-            </a:r>
-            <a:r>
-              <a:rPr lang="ja-JP" altLang="en-US" sz="1000" dirty="0">
-                <a:latin typeface="+mn-ea"/>
-              </a:rPr>
-              <a:t>誤</a:t>
-            </a:r>
-            <a:r>
-              <a:rPr lang="ja-JP" altLang="en-US" sz="1000" dirty="0" smtClean="0">
-                <a:latin typeface="+mn-ea"/>
-              </a:rPr>
-              <a:t>検知する可能性がある</a:t>
-            </a:r>
-            <a:r>
-              <a:rPr lang="en-US" altLang="ja-JP" sz="1000" dirty="0" smtClean="0">
-                <a:latin typeface="+mn-ea"/>
-              </a:rPr>
-              <a:t>.</a:t>
-            </a:r>
-            <a:r>
-              <a:rPr lang="ja-JP" altLang="en-US" sz="1000" dirty="0" smtClean="0">
-                <a:latin typeface="+mn-ea"/>
-              </a:rPr>
-              <a:t>そこで検知位置をライン上でペットボトル</a:t>
-            </a:r>
-            <a:r>
-              <a:rPr lang="ja-JP" altLang="en-US" sz="1000" dirty="0">
-                <a:latin typeface="+mn-ea"/>
-              </a:rPr>
-              <a:t>に最も近い</a:t>
-            </a:r>
-            <a:r>
-              <a:rPr lang="ja-JP" altLang="en-US" sz="1000" dirty="0" smtClean="0">
-                <a:latin typeface="+mn-ea"/>
-              </a:rPr>
-              <a:t>位置にすることで精度の高い検知を実現</a:t>
-            </a:r>
-            <a:r>
-              <a:rPr lang="en-US" altLang="ja-JP" sz="1000" dirty="0" smtClean="0">
-                <a:latin typeface="+mn-ea"/>
-              </a:rPr>
-              <a:t>.</a:t>
-            </a:r>
-            <a:endParaRPr lang="ja-JP" altLang="en-US" sz="1000" dirty="0">
-              <a:latin typeface="+mn-ea"/>
-            </a:endParaRPr>
-          </a:p>
-        </p:txBody>
-      </p:sp>
-      <p:sp>
-        <p:nvSpPr>
-          <p:cNvPr id="75" name="角丸四角形吹き出し 74"/>
-          <p:cNvSpPr/>
-          <p:nvPr/>
-        </p:nvSpPr>
-        <p:spPr>
-          <a:xfrm>
-            <a:off x="4674209" y="6293718"/>
-            <a:ext cx="3166704" cy="792089"/>
-          </a:xfrm>
-          <a:prstGeom prst="wedgeRoundRectCallout">
-            <a:avLst>
-              <a:gd name="adj1" fmla="val -71184"/>
-              <a:gd name="adj2" fmla="val 28055"/>
-              <a:gd name="adj3" fmla="val 16667"/>
-            </a:avLst>
-          </a:prstGeom>
-          <a:ln w="12700">
-            <a:solidFill>
-              <a:schemeClr val="accent2"/>
-            </a:solidFill>
-          </a:ln>
-        </p:spPr>
-        <p:style>
-          <a:lnRef idx="2">
-            <a:schemeClr val="accent6"/>
-          </a:lnRef>
-          <a:fillRef idx="1">
-            <a:schemeClr val="lt1"/>
-          </a:fillRef>
-          <a:effectRef idx="0">
-            <a:schemeClr val="accent6"/>
-          </a:effectRef>
-          <a:fontRef idx="minor">
-            <a:schemeClr val="dk1"/>
-          </a:fontRef>
-        </p:style>
-        <p:txBody>
-          <a:bodyPr lIns="36000" tIns="36000" rIns="36000" bIns="36000" rtlCol="0" anchor="ctr"/>
-          <a:lstStyle/>
-          <a:p>
-            <a:r>
-              <a:rPr lang="ja-JP" altLang="en-US" sz="1000" dirty="0" smtClean="0">
-                <a:latin typeface="+mn-ea"/>
-              </a:rPr>
-              <a:t>・</a:t>
-            </a:r>
-            <a:r>
-              <a:rPr lang="ja-JP" altLang="en-US" sz="1050" u="sng" dirty="0" smtClean="0">
-                <a:latin typeface="+mn-ea"/>
-              </a:rPr>
-              <a:t>ターンエリア終了後に走行体がラインに復帰する必要がある</a:t>
-            </a:r>
-            <a:r>
-              <a:rPr lang="en-US" altLang="ja-JP" sz="1050" u="sng" dirty="0" smtClean="0">
-                <a:latin typeface="+mn-ea"/>
-              </a:rPr>
-              <a:t/>
-            </a:r>
-            <a:br>
-              <a:rPr lang="en-US" altLang="ja-JP" sz="1050" u="sng" dirty="0" smtClean="0">
-                <a:latin typeface="+mn-ea"/>
-              </a:rPr>
-            </a:br>
-            <a:r>
-              <a:rPr lang="ja-JP" altLang="en-US" sz="1050" dirty="0" smtClean="0">
-                <a:latin typeface="+mn-ea"/>
-              </a:rPr>
-              <a:t>ラインへ斜めに進入しラインエッジを検出後，</a:t>
-            </a:r>
-            <a:endParaRPr lang="en-US" altLang="ja-JP" sz="1050" dirty="0" smtClean="0">
-              <a:latin typeface="+mn-ea"/>
-            </a:endParaRPr>
-          </a:p>
-          <a:p>
-            <a:r>
-              <a:rPr lang="ja-JP" altLang="en-US" sz="1000" dirty="0" smtClean="0">
-                <a:latin typeface="+mn-ea"/>
-              </a:rPr>
-              <a:t>輝度値</a:t>
-            </a:r>
-            <a:r>
-              <a:rPr lang="en-US" altLang="ja-JP" sz="1000" dirty="0" smtClean="0">
-                <a:latin typeface="+mn-ea"/>
-              </a:rPr>
-              <a:t>PID</a:t>
-            </a:r>
-            <a:r>
-              <a:rPr lang="ja-JP" altLang="en-US" sz="1000" dirty="0" smtClean="0">
-                <a:latin typeface="+mn-ea"/>
-              </a:rPr>
-              <a:t>制御に切り替えることでラインへ復帰</a:t>
-            </a:r>
-            <a:r>
-              <a:rPr lang="en-US" altLang="ja-JP" sz="1000" dirty="0" smtClean="0">
-                <a:latin typeface="+mn-ea"/>
-              </a:rPr>
-              <a:t>.</a:t>
-            </a:r>
-          </a:p>
-        </p:txBody>
-      </p:sp>
-      <p:sp>
-        <p:nvSpPr>
-          <p:cNvPr id="96" name="円/楕円 95"/>
-          <p:cNvSpPr/>
-          <p:nvPr/>
-        </p:nvSpPr>
-        <p:spPr>
-          <a:xfrm>
-            <a:off x="5482233" y="3571374"/>
-            <a:ext cx="1014234" cy="378465"/>
-          </a:xfrm>
-          <a:prstGeom prst="ellipse">
-            <a:avLst/>
-          </a:prstGeom>
-          <a:solidFill>
-            <a:srgbClr val="FF0000">
-              <a:alpha val="26000"/>
-            </a:srgbClr>
-          </a:solidFill>
-          <a:ln w="3175">
-            <a:solidFill>
-              <a:srgbClr val="FF0000">
-                <a:alpha val="41000"/>
-              </a:srgbClr>
-            </a:solidFill>
-          </a:ln>
-        </p:spPr>
-        <p:style>
-          <a:lnRef idx="2">
-            <a:schemeClr val="accent2"/>
-          </a:lnRef>
-          <a:fillRef idx="1">
-            <a:schemeClr val="lt1"/>
-          </a:fillRef>
-          <a:effectRef idx="0">
-            <a:schemeClr val="accent2"/>
-          </a:effectRef>
-          <a:fontRef idx="minor">
-            <a:schemeClr val="dk1"/>
-          </a:fontRef>
-        </p:style>
-        <p:txBody>
-          <a:bodyPr rtlCol="0" anchor="ctr"/>
-          <a:lstStyle/>
-          <a:p>
-            <a:pPr algn="ctr"/>
-            <a:endParaRPr kumimoji="1" lang="ja-JP" altLang="en-US"/>
-          </a:p>
-        </p:txBody>
-      </p:sp>
-      <p:sp>
-        <p:nvSpPr>
-          <p:cNvPr id="97" name="円/楕円 96"/>
-          <p:cNvSpPr/>
-          <p:nvPr/>
-        </p:nvSpPr>
-        <p:spPr>
-          <a:xfrm>
-            <a:off x="6890544" y="4102954"/>
-            <a:ext cx="855712" cy="353970"/>
-          </a:xfrm>
-          <a:prstGeom prst="ellipse">
-            <a:avLst/>
-          </a:prstGeom>
-          <a:solidFill>
-            <a:srgbClr val="00C800">
-              <a:alpha val="25882"/>
-            </a:srgbClr>
-          </a:solidFill>
-          <a:ln w="3175">
-            <a:solidFill>
-              <a:srgbClr val="00C800">
-                <a:alpha val="40784"/>
-              </a:srgbClr>
-            </a:solidFill>
-          </a:ln>
-        </p:spPr>
-        <p:style>
-          <a:lnRef idx="2">
-            <a:schemeClr val="accent2"/>
-          </a:lnRef>
-          <a:fillRef idx="1">
-            <a:schemeClr val="lt1"/>
-          </a:fillRef>
-          <a:effectRef idx="0">
-            <a:schemeClr val="accent2"/>
-          </a:effectRef>
-          <a:fontRef idx="minor">
-            <a:schemeClr val="dk1"/>
-          </a:fontRef>
-        </p:style>
-        <p:txBody>
-          <a:bodyPr rtlCol="0" anchor="ctr"/>
-          <a:lstStyle/>
-          <a:p>
-            <a:pPr algn="ctr"/>
-            <a:endParaRPr kumimoji="1" lang="ja-JP" altLang="en-US"/>
-          </a:p>
-        </p:txBody>
-      </p:sp>
-      <p:sp>
-        <p:nvSpPr>
-          <p:cNvPr id="98" name="円/楕円 97"/>
-          <p:cNvSpPr/>
-          <p:nvPr/>
-        </p:nvSpPr>
-        <p:spPr>
-          <a:xfrm>
-            <a:off x="6901551" y="4527808"/>
-            <a:ext cx="835180" cy="360037"/>
-          </a:xfrm>
-          <a:prstGeom prst="ellipse">
-            <a:avLst/>
-          </a:prstGeom>
-          <a:solidFill>
-            <a:srgbClr val="FFFF00">
-              <a:alpha val="25882"/>
-            </a:srgbClr>
-          </a:solidFill>
-          <a:ln w="3175">
-            <a:solidFill>
-              <a:srgbClr val="FFFF00">
-                <a:alpha val="40392"/>
-              </a:srgbClr>
-            </a:solidFill>
-          </a:ln>
-        </p:spPr>
-        <p:style>
-          <a:lnRef idx="2">
-            <a:schemeClr val="accent2"/>
-          </a:lnRef>
-          <a:fillRef idx="1">
-            <a:schemeClr val="lt1"/>
-          </a:fillRef>
-          <a:effectRef idx="0">
-            <a:schemeClr val="accent2"/>
-          </a:effectRef>
-          <a:fontRef idx="minor">
-            <a:schemeClr val="dk1"/>
-          </a:fontRef>
-        </p:style>
-        <p:txBody>
-          <a:bodyPr rtlCol="0" anchor="ctr"/>
-          <a:lstStyle/>
-          <a:p>
-            <a:pPr algn="ctr"/>
-            <a:endParaRPr kumimoji="1" lang="ja-JP" altLang="en-US"/>
-          </a:p>
-        </p:txBody>
-      </p:sp>
-      <p:sp>
-        <p:nvSpPr>
-          <p:cNvPr id="99" name="円/楕円 98"/>
-          <p:cNvSpPr/>
-          <p:nvPr/>
-        </p:nvSpPr>
-        <p:spPr>
-          <a:xfrm>
-            <a:off x="6639888" y="3134008"/>
-            <a:ext cx="1347792" cy="404859"/>
-          </a:xfrm>
-          <a:prstGeom prst="ellipse">
-            <a:avLst/>
-          </a:prstGeom>
-          <a:solidFill>
-            <a:srgbClr val="0096FF">
-              <a:alpha val="25882"/>
-            </a:srgbClr>
-          </a:solidFill>
-          <a:ln w="3175">
-            <a:solidFill>
-              <a:srgbClr val="0096FF">
-                <a:alpha val="41000"/>
-              </a:srgbClr>
-            </a:solidFill>
-          </a:ln>
-        </p:spPr>
-        <p:style>
-          <a:lnRef idx="2">
-            <a:schemeClr val="accent2"/>
-          </a:lnRef>
-          <a:fillRef idx="1">
-            <a:schemeClr val="lt1"/>
-          </a:fillRef>
-          <a:effectRef idx="0">
-            <a:schemeClr val="accent2"/>
-          </a:effectRef>
-          <a:fontRef idx="minor">
-            <a:schemeClr val="dk1"/>
-          </a:fontRef>
-        </p:style>
-        <p:txBody>
-          <a:bodyPr rtlCol="0" anchor="ctr"/>
-          <a:lstStyle/>
-          <a:p>
-            <a:pPr algn="ctr"/>
-            <a:endParaRPr kumimoji="1" lang="ja-JP" altLang="en-US"/>
-          </a:p>
-        </p:txBody>
-      </p:sp>
-      <p:sp>
-        <p:nvSpPr>
-          <p:cNvPr id="101" name="円/楕円 100"/>
-          <p:cNvSpPr/>
-          <p:nvPr/>
-        </p:nvSpPr>
-        <p:spPr>
-          <a:xfrm>
-            <a:off x="4408885" y="7480136"/>
-            <a:ext cx="1333594" cy="1584176"/>
-          </a:xfrm>
-          <a:prstGeom prst="ellipse">
-            <a:avLst/>
-          </a:prstGeom>
-          <a:solidFill>
-            <a:srgbClr val="FF7D00">
-              <a:alpha val="25882"/>
-            </a:srgbClr>
-          </a:solidFill>
-          <a:ln w="3175">
-            <a:solidFill>
-              <a:srgbClr val="FF0000">
-                <a:alpha val="41000"/>
-              </a:srgbClr>
-            </a:solidFill>
-          </a:ln>
-        </p:spPr>
-        <p:style>
-          <a:lnRef idx="2">
-            <a:schemeClr val="accent2"/>
-          </a:lnRef>
-          <a:fillRef idx="1">
-            <a:schemeClr val="lt1"/>
-          </a:fillRef>
-          <a:effectRef idx="0">
-            <a:schemeClr val="accent2"/>
-          </a:effectRef>
-          <a:fontRef idx="minor">
-            <a:schemeClr val="dk1"/>
-          </a:fontRef>
-        </p:style>
-        <p:txBody>
-          <a:bodyPr rtlCol="0" anchor="ctr"/>
-          <a:lstStyle/>
-          <a:p>
-            <a:pPr algn="ctr"/>
-            <a:endParaRPr kumimoji="1" lang="ja-JP" altLang="en-US"/>
-          </a:p>
-        </p:txBody>
-      </p:sp>
-      <p:sp>
-        <p:nvSpPr>
-          <p:cNvPr id="102" name="円/楕円 101"/>
-          <p:cNvSpPr/>
-          <p:nvPr/>
-        </p:nvSpPr>
-        <p:spPr>
-          <a:xfrm>
-            <a:off x="5567982" y="7536904"/>
-            <a:ext cx="2387271" cy="1280904"/>
-          </a:xfrm>
-          <a:prstGeom prst="ellipse">
-            <a:avLst/>
-          </a:prstGeom>
-          <a:solidFill>
-            <a:srgbClr val="006432">
-              <a:alpha val="25882"/>
-            </a:srgbClr>
-          </a:solidFill>
-          <a:ln w="3175">
-            <a:solidFill>
-              <a:srgbClr val="006432">
-                <a:alpha val="40784"/>
-              </a:srgbClr>
-            </a:solidFill>
-          </a:ln>
-        </p:spPr>
-        <p:style>
-          <a:lnRef idx="2">
-            <a:schemeClr val="accent2"/>
-          </a:lnRef>
-          <a:fillRef idx="1">
-            <a:schemeClr val="lt1"/>
-          </a:fillRef>
-          <a:effectRef idx="0">
-            <a:schemeClr val="accent2"/>
-          </a:effectRef>
-          <a:fontRef idx="minor">
-            <a:schemeClr val="dk1"/>
-          </a:fontRef>
-        </p:style>
-        <p:txBody>
-          <a:bodyPr rtlCol="0" anchor="ctr"/>
-          <a:lstStyle/>
-          <a:p>
-            <a:pPr algn="ctr"/>
-            <a:endParaRPr kumimoji="1" lang="ja-JP" altLang="en-US"/>
-          </a:p>
-        </p:txBody>
-      </p:sp>
-      <p:sp>
-        <p:nvSpPr>
-          <p:cNvPr id="104" name="円/楕円 103"/>
-          <p:cNvSpPr/>
-          <p:nvPr/>
-        </p:nvSpPr>
-        <p:spPr>
-          <a:xfrm>
-            <a:off x="5820044" y="8784825"/>
-            <a:ext cx="901719" cy="351495"/>
-          </a:xfrm>
-          <a:prstGeom prst="ellipse">
-            <a:avLst/>
-          </a:prstGeom>
-          <a:solidFill>
-            <a:srgbClr val="C80FA0">
-              <a:alpha val="25490"/>
-            </a:srgbClr>
-          </a:solidFill>
-          <a:ln w="3175">
-            <a:solidFill>
-              <a:srgbClr val="C80FA0">
-                <a:alpha val="40784"/>
-              </a:srgbClr>
-            </a:solidFill>
-          </a:ln>
-        </p:spPr>
-        <p:style>
-          <a:lnRef idx="2">
-            <a:schemeClr val="accent2"/>
-          </a:lnRef>
-          <a:fillRef idx="1">
-            <a:schemeClr val="lt1"/>
-          </a:fillRef>
-          <a:effectRef idx="0">
-            <a:schemeClr val="accent2"/>
-          </a:effectRef>
-          <a:fontRef idx="minor">
-            <a:schemeClr val="dk1"/>
-          </a:fontRef>
-        </p:style>
-        <p:txBody>
-          <a:bodyPr rtlCol="0" anchor="ctr"/>
-          <a:lstStyle/>
-          <a:p>
-            <a:pPr algn="ctr"/>
-            <a:endParaRPr kumimoji="1" lang="ja-JP" altLang="en-US"/>
-          </a:p>
-        </p:txBody>
-      </p:sp>
-      <p:sp>
-        <p:nvSpPr>
-          <p:cNvPr id="107" name="円/楕円 106"/>
-          <p:cNvSpPr/>
-          <p:nvPr/>
-        </p:nvSpPr>
-        <p:spPr>
-          <a:xfrm>
-            <a:off x="11688663" y="7274220"/>
-            <a:ext cx="1656184" cy="662293"/>
-          </a:xfrm>
-          <a:prstGeom prst="ellipse">
-            <a:avLst/>
-          </a:prstGeom>
-          <a:solidFill>
-            <a:srgbClr val="FFC000">
-              <a:alpha val="25490"/>
-            </a:srgbClr>
-          </a:solidFill>
-          <a:ln w="3175">
-            <a:solidFill>
-              <a:srgbClr val="FFC000">
-                <a:alpha val="40784"/>
-              </a:srgbClr>
-            </a:solidFill>
-          </a:ln>
-        </p:spPr>
-        <p:style>
-          <a:lnRef idx="2">
-            <a:schemeClr val="accent2"/>
-          </a:lnRef>
-          <a:fillRef idx="1">
-            <a:schemeClr val="lt1"/>
-          </a:fillRef>
-          <a:effectRef idx="0">
-            <a:schemeClr val="accent2"/>
-          </a:effectRef>
-          <a:fontRef idx="minor">
-            <a:schemeClr val="dk1"/>
-          </a:fontRef>
-        </p:style>
-        <p:txBody>
-          <a:bodyPr rtlCol="0" anchor="ctr"/>
-          <a:lstStyle/>
-          <a:p>
-            <a:pPr algn="ctr"/>
-            <a:endParaRPr kumimoji="1" lang="ja-JP" altLang="en-US"/>
-          </a:p>
-        </p:txBody>
-      </p:sp>
-      <p:sp>
-        <p:nvSpPr>
-          <p:cNvPr id="108" name="円/楕円 107"/>
-          <p:cNvSpPr/>
-          <p:nvPr/>
-        </p:nvSpPr>
-        <p:spPr>
-          <a:xfrm>
-            <a:off x="10339561" y="7842081"/>
-            <a:ext cx="1210704" cy="480453"/>
-          </a:xfrm>
-          <a:prstGeom prst="ellipse">
-            <a:avLst/>
-          </a:prstGeom>
-          <a:solidFill>
-            <a:schemeClr val="accent2">
-              <a:lumMod val="40000"/>
-              <a:lumOff val="60000"/>
-              <a:alpha val="25490"/>
-            </a:schemeClr>
-          </a:solidFill>
-          <a:ln w="3175">
-            <a:solidFill>
-              <a:schemeClr val="accent2">
-                <a:lumMod val="40000"/>
-                <a:lumOff val="60000"/>
-                <a:alpha val="40784"/>
-              </a:schemeClr>
-            </a:solidFill>
-          </a:ln>
-        </p:spPr>
-        <p:style>
-          <a:lnRef idx="2">
-            <a:schemeClr val="accent2"/>
-          </a:lnRef>
-          <a:fillRef idx="1">
-            <a:schemeClr val="lt1"/>
-          </a:fillRef>
-          <a:effectRef idx="0">
-            <a:schemeClr val="accent2"/>
-          </a:effectRef>
-          <a:fontRef idx="minor">
-            <a:schemeClr val="dk1"/>
-          </a:fontRef>
-        </p:style>
-        <p:txBody>
-          <a:bodyPr rtlCol="0" anchor="ctr"/>
-          <a:lstStyle/>
-          <a:p>
-            <a:pPr algn="ctr"/>
-            <a:endParaRPr kumimoji="1" lang="ja-JP" altLang="en-US"/>
-          </a:p>
-        </p:txBody>
-      </p:sp>
-      <p:sp>
-        <p:nvSpPr>
-          <p:cNvPr id="111" name="円/楕円 110"/>
-          <p:cNvSpPr/>
-          <p:nvPr/>
-        </p:nvSpPr>
-        <p:spPr>
-          <a:xfrm>
-            <a:off x="10999623" y="5177402"/>
-            <a:ext cx="1200996" cy="410394"/>
-          </a:xfrm>
-          <a:prstGeom prst="ellipse">
-            <a:avLst/>
-          </a:prstGeom>
-          <a:solidFill>
-            <a:srgbClr val="230FD2">
-              <a:alpha val="25882"/>
-            </a:srgbClr>
-          </a:solidFill>
-          <a:ln w="3175">
-            <a:solidFill>
-              <a:srgbClr val="230FD2">
-                <a:alpha val="41000"/>
-              </a:srgbClr>
-            </a:solidFill>
-          </a:ln>
-        </p:spPr>
-        <p:style>
-          <a:lnRef idx="2">
-            <a:schemeClr val="accent2"/>
-          </a:lnRef>
-          <a:fillRef idx="1">
-            <a:schemeClr val="lt1"/>
-          </a:fillRef>
-          <a:effectRef idx="0">
-            <a:schemeClr val="accent2"/>
-          </a:effectRef>
-          <a:fontRef idx="minor">
-            <a:schemeClr val="dk1"/>
-          </a:fontRef>
-        </p:style>
-        <p:txBody>
-          <a:bodyPr rtlCol="0" anchor="ctr"/>
-          <a:lstStyle/>
-          <a:p>
-            <a:pPr algn="ctr"/>
-            <a:endParaRPr kumimoji="1" lang="ja-JP" altLang="en-US"/>
-          </a:p>
-        </p:txBody>
-      </p:sp>
-      <p:sp>
-        <p:nvSpPr>
-          <p:cNvPr id="112" name="円/楕円 111"/>
-          <p:cNvSpPr/>
-          <p:nvPr/>
-        </p:nvSpPr>
-        <p:spPr>
-          <a:xfrm>
-            <a:off x="12466466" y="3942796"/>
-            <a:ext cx="1003730" cy="380173"/>
-          </a:xfrm>
-          <a:prstGeom prst="ellipse">
-            <a:avLst/>
-          </a:prstGeom>
-          <a:solidFill>
-            <a:srgbClr val="00C800">
-              <a:alpha val="25882"/>
-            </a:srgbClr>
-          </a:solidFill>
-          <a:ln w="3175">
-            <a:solidFill>
-              <a:srgbClr val="00C800">
-                <a:alpha val="40784"/>
-              </a:srgbClr>
-            </a:solidFill>
-          </a:ln>
-        </p:spPr>
-        <p:style>
-          <a:lnRef idx="2">
-            <a:schemeClr val="accent2"/>
-          </a:lnRef>
-          <a:fillRef idx="1">
-            <a:schemeClr val="lt1"/>
-          </a:fillRef>
-          <a:effectRef idx="0">
-            <a:schemeClr val="accent2"/>
-          </a:effectRef>
-          <a:fontRef idx="minor">
-            <a:schemeClr val="dk1"/>
-          </a:fontRef>
-        </p:style>
-        <p:txBody>
-          <a:bodyPr rtlCol="0" anchor="ctr"/>
-          <a:lstStyle/>
-          <a:p>
-            <a:pPr algn="ctr"/>
-            <a:endParaRPr kumimoji="1" lang="ja-JP" altLang="en-US"/>
-          </a:p>
-        </p:txBody>
-      </p:sp>
-      <p:sp>
-        <p:nvSpPr>
-          <p:cNvPr id="114" name="円/楕円 113"/>
-          <p:cNvSpPr/>
-          <p:nvPr/>
-        </p:nvSpPr>
-        <p:spPr>
-          <a:xfrm>
-            <a:off x="10922695" y="3774306"/>
-            <a:ext cx="1305322" cy="498222"/>
-          </a:xfrm>
-          <a:prstGeom prst="ellipse">
-            <a:avLst/>
-          </a:prstGeom>
-          <a:solidFill>
-            <a:srgbClr val="FF0000">
-              <a:alpha val="26000"/>
-            </a:srgbClr>
-          </a:solidFill>
-          <a:ln w="3175">
-            <a:solidFill>
-              <a:srgbClr val="FF0000">
-                <a:alpha val="41000"/>
-              </a:srgbClr>
-            </a:solidFill>
-          </a:ln>
-        </p:spPr>
-        <p:style>
-          <a:lnRef idx="2">
-            <a:schemeClr val="accent2"/>
-          </a:lnRef>
-          <a:fillRef idx="1">
-            <a:schemeClr val="lt1"/>
-          </a:fillRef>
-          <a:effectRef idx="0">
-            <a:schemeClr val="accent2"/>
-          </a:effectRef>
-          <a:fontRef idx="minor">
-            <a:schemeClr val="dk1"/>
-          </a:fontRef>
-        </p:style>
-        <p:txBody>
-          <a:bodyPr rtlCol="0" anchor="ctr"/>
-          <a:lstStyle/>
-          <a:p>
-            <a:pPr algn="ctr"/>
-            <a:endParaRPr kumimoji="1" lang="ja-JP" altLang="en-US"/>
-          </a:p>
-        </p:txBody>
-      </p:sp>
-      <p:sp>
-        <p:nvSpPr>
-          <p:cNvPr id="115" name="円/楕円 114"/>
-          <p:cNvSpPr/>
-          <p:nvPr/>
-        </p:nvSpPr>
-        <p:spPr>
-          <a:xfrm>
-            <a:off x="12483611" y="4360395"/>
-            <a:ext cx="996501" cy="369720"/>
-          </a:xfrm>
-          <a:prstGeom prst="ellipse">
-            <a:avLst/>
-          </a:prstGeom>
-          <a:solidFill>
-            <a:srgbClr val="FFFF00">
-              <a:alpha val="25882"/>
-            </a:srgbClr>
-          </a:solidFill>
-          <a:ln w="3175">
-            <a:solidFill>
-              <a:srgbClr val="FFFF00">
-                <a:alpha val="40392"/>
-              </a:srgbClr>
-            </a:solidFill>
-          </a:ln>
-        </p:spPr>
-        <p:style>
-          <a:lnRef idx="2">
-            <a:schemeClr val="accent2"/>
-          </a:lnRef>
-          <a:fillRef idx="1">
-            <a:schemeClr val="lt1"/>
-          </a:fillRef>
-          <a:effectRef idx="0">
-            <a:schemeClr val="accent2"/>
-          </a:effectRef>
-          <a:fontRef idx="minor">
-            <a:schemeClr val="dk1"/>
-          </a:fontRef>
-        </p:style>
-        <p:txBody>
-          <a:bodyPr rtlCol="0" anchor="ctr"/>
-          <a:lstStyle/>
-          <a:p>
-            <a:pPr algn="ctr"/>
-            <a:endParaRPr kumimoji="1" lang="ja-JP" altLang="en-US"/>
           </a:p>
         </p:txBody>
       </p:sp>
@@ -44308,7 +41738,7 @@
             <p:nvPr/>
           </p:nvPicPr>
           <p:blipFill rotWithShape="1">
-            <a:blip r:embed="rId6">
+            <a:blip r:embed="rId2">
               <a:extLst>
                 <a:ext uri="{28A0092B-C50C-407E-A947-70E740481C1C}">
                   <a14:useLocalDpi xmlns:a14="http://schemas.microsoft.com/office/drawing/2010/main" val="0"/>
@@ -44364,109 +41794,54 @@
       </p:grpSp>
       <p:sp>
         <p:nvSpPr>
-          <p:cNvPr id="74" name="角丸四角形吹き出し 73"/>
-          <p:cNvSpPr/>
+          <p:cNvPr id="66" name="テキスト ボックス 65"/>
+          <p:cNvSpPr txBox="1"/>
           <p:nvPr/>
         </p:nvSpPr>
         <p:spPr>
           <a:xfrm>
-            <a:off x="10896575" y="6494939"/>
-            <a:ext cx="2490272" cy="700339"/>
+            <a:off x="674050" y="1592102"/>
+            <a:ext cx="6766141" cy="623248"/>
           </a:xfrm>
-          <a:prstGeom prst="wedgeRoundRectCallout">
-            <a:avLst>
-              <a:gd name="adj1" fmla="val -86533"/>
-              <a:gd name="adj2" fmla="val 49960"/>
-              <a:gd name="adj3" fmla="val 16667"/>
-            </a:avLst>
+          <a:prstGeom prst="rect">
+            <a:avLst/>
           </a:prstGeom>
-          <a:ln w="12700">
-            <a:solidFill>
-              <a:srgbClr val="FFC000"/>
-            </a:solidFill>
-          </a:ln>
+          <a:noFill/>
         </p:spPr>
-        <p:style>
-          <a:lnRef idx="2">
-            <a:schemeClr val="accent6"/>
-          </a:lnRef>
-          <a:fillRef idx="1">
-            <a:schemeClr val="lt1"/>
-          </a:fillRef>
-          <a:effectRef idx="0">
-            <a:schemeClr val="accent6"/>
-          </a:effectRef>
-          <a:fontRef idx="minor">
-            <a:schemeClr val="dk1"/>
-          </a:fontRef>
-        </p:style>
         <p:txBody>
-          <a:bodyPr lIns="36000" tIns="36000" rIns="36000" bIns="36000" rtlCol="0" anchor="ctr"/>
+          <a:bodyPr wrap="square" rtlCol="0">
+            <a:spAutoFit/>
+          </a:bodyPr>
           <a:lstStyle/>
           <a:p>
             <a:r>
-              <a:rPr lang="ja-JP" altLang="en-US" sz="1000" dirty="0" smtClean="0">
+              <a:rPr lang="ja-JP" altLang="en-US" sz="2400" dirty="0" smtClean="0">
                 <a:latin typeface="+mn-ea"/>
+                <a:cs typeface="メイリオ" pitchFamily="50" charset="-128"/>
               </a:rPr>
-              <a:t>・</a:t>
-            </a:r>
-            <a:r>
-              <a:rPr lang="ja-JP" altLang="en-US" sz="1050" u="sng" dirty="0" smtClean="0">
+              <a:t>安定して</a:t>
+            </a:r>
+            <a:r>
+              <a:rPr lang="ja-JP" altLang="en-US" sz="2400" dirty="0">
                 <a:latin typeface="+mn-ea"/>
+                <a:cs typeface="メイリオ" pitchFamily="50" charset="-128"/>
               </a:rPr>
-              <a:t>目標尻尾角度への制御失敗</a:t>
-            </a:r>
-            <a:endParaRPr lang="en-US" altLang="ja-JP" sz="1050" u="sng" dirty="0" smtClean="0">
+              <a:t>早く</a:t>
+            </a:r>
+            <a:r>
+              <a:rPr lang="ja-JP" altLang="en-US" sz="2400" dirty="0" smtClean="0">
+                <a:latin typeface="+mn-ea"/>
+                <a:cs typeface="メイリオ" pitchFamily="50" charset="-128"/>
+              </a:rPr>
+              <a:t>走りきるには</a:t>
+            </a:r>
+            <a:endParaRPr lang="en-US" altLang="ja-JP" sz="2400" dirty="0" smtClean="0">
               <a:latin typeface="+mn-ea"/>
+              <a:cs typeface="メイリオ" pitchFamily="50" charset="-128"/>
             </a:endParaRPr>
           </a:p>
           <a:p>
-            <a:r>
-              <a:rPr lang="ja-JP" altLang="en-US" sz="1000" dirty="0" smtClean="0">
-                <a:solidFill>
-                  <a:srgbClr val="FF0000"/>
-                </a:solidFill>
-                <a:latin typeface="+mn-ea"/>
-              </a:rPr>
-              <a:t>走行体仰角制御</a:t>
-            </a:r>
-            <a:r>
-              <a:rPr lang="ja-JP" altLang="en-US" sz="1000" dirty="0" smtClean="0">
-                <a:latin typeface="+mn-ea"/>
-              </a:rPr>
-              <a:t>（</a:t>
-            </a:r>
-            <a:r>
-              <a:rPr lang="en-US" altLang="ja-JP" sz="1000" dirty="0">
-                <a:latin typeface="+mn-ea"/>
-              </a:rPr>
-              <a:t>p</a:t>
-            </a:r>
-            <a:r>
-              <a:rPr lang="en-US" altLang="ja-JP" sz="1000" dirty="0" smtClean="0">
-                <a:latin typeface="+mn-ea"/>
-              </a:rPr>
-              <a:t>. </a:t>
-            </a:r>
-            <a:r>
-              <a:rPr lang="en-US" altLang="ja-JP" sz="1000" dirty="0">
-                <a:latin typeface="+mn-ea"/>
-              </a:rPr>
-              <a:t>5</a:t>
-            </a:r>
-            <a:r>
-              <a:rPr lang="en-US" altLang="ja-JP" sz="1000" dirty="0" smtClean="0">
-                <a:latin typeface="+mn-ea"/>
-              </a:rPr>
-              <a:t> </a:t>
-            </a:r>
-            <a:r>
-              <a:rPr lang="ja-JP" altLang="en-US" sz="1000" dirty="0" smtClean="0">
-                <a:latin typeface="+mn-ea"/>
-              </a:rPr>
-              <a:t>要素技術参照）によって，安定した尻尾角度制御を実現．</a:t>
-            </a:r>
-            <a:endParaRPr lang="en-US" altLang="ja-JP" sz="900" dirty="0" smtClean="0">
+            <a:endParaRPr lang="ja-JP" altLang="en-US" sz="1050" dirty="0">
               <a:latin typeface="+mn-ea"/>
             </a:endParaRPr>
           </a:p>
@@ -44474,207 +41849,118 @@
       </p:sp>
       <p:sp>
         <p:nvSpPr>
-          <p:cNvPr id="60" name="円/楕円 59"/>
-          <p:cNvSpPr/>
+          <p:cNvPr id="68" name="テキスト ボックス 67"/>
+          <p:cNvSpPr txBox="1"/>
           <p:nvPr/>
         </p:nvSpPr>
         <p:spPr>
           <a:xfrm>
-            <a:off x="11688663" y="8474027"/>
-            <a:ext cx="1656184" cy="662293"/>
+            <a:off x="674050" y="2064296"/>
+            <a:ext cx="7491270" cy="577081"/>
           </a:xfrm>
-          <a:prstGeom prst="ellipse">
+          <a:prstGeom prst="rect">
             <a:avLst/>
           </a:prstGeom>
-          <a:solidFill>
-            <a:srgbClr val="FFC000">
-              <a:alpha val="25490"/>
-            </a:srgbClr>
-          </a:solidFill>
-          <a:ln w="3175">
-            <a:solidFill>
-              <a:srgbClr val="FFC000">
-                <a:alpha val="40784"/>
-              </a:srgbClr>
-            </a:solidFill>
-          </a:ln>
+          <a:noFill/>
         </p:spPr>
-        <p:style>
-          <a:lnRef idx="2">
-            <a:schemeClr val="accent2"/>
-          </a:lnRef>
-          <a:fillRef idx="1">
-            <a:schemeClr val="lt1"/>
-          </a:fillRef>
-          <a:effectRef idx="0">
-            <a:schemeClr val="accent2"/>
-          </a:effectRef>
-          <a:fontRef idx="minor">
-            <a:schemeClr val="dk1"/>
-          </a:fontRef>
-        </p:style>
         <p:txBody>
-          <a:bodyPr rtlCol="0" anchor="ctr"/>
+          <a:bodyPr wrap="square" rtlCol="0">
+            <a:spAutoFit/>
+          </a:bodyPr>
           <a:lstStyle/>
           <a:p>
-            <a:pPr algn="ctr"/>
-            <a:endParaRPr kumimoji="1" lang="ja-JP" altLang="en-US"/>
-          </a:p>
-        </p:txBody>
-      </p:sp>
-      <p:sp>
-        <p:nvSpPr>
-          <p:cNvPr id="73" name="角丸四角形吹き出し 72"/>
-          <p:cNvSpPr/>
-          <p:nvPr/>
-        </p:nvSpPr>
-        <p:spPr>
-          <a:xfrm>
-            <a:off x="8160271" y="7896944"/>
-            <a:ext cx="2138904" cy="1368152"/>
-          </a:xfrm>
-          <a:prstGeom prst="wedgeRoundRectCallout">
-            <a:avLst>
-              <a:gd name="adj1" fmla="val -14305"/>
-              <a:gd name="adj2" fmla="val -107813"/>
-              <a:gd name="adj3" fmla="val 16667"/>
-            </a:avLst>
-          </a:prstGeom>
-          <a:ln w="12700">
-            <a:solidFill>
-              <a:schemeClr val="accent2">
-                <a:lumMod val="40000"/>
-                <a:lumOff val="60000"/>
-              </a:schemeClr>
-            </a:solidFill>
-          </a:ln>
-        </p:spPr>
-        <p:style>
-          <a:lnRef idx="2">
-            <a:schemeClr val="accent6"/>
-          </a:lnRef>
-          <a:fillRef idx="1">
-            <a:schemeClr val="lt1"/>
-          </a:fillRef>
-          <a:effectRef idx="0">
-            <a:schemeClr val="accent6"/>
-          </a:effectRef>
-          <a:fontRef idx="minor">
-            <a:schemeClr val="dk1"/>
-          </a:fontRef>
-        </p:style>
-        <p:txBody>
-          <a:bodyPr lIns="36000" tIns="36000" rIns="36000" bIns="36000" rtlCol="0" anchor="ctr"/>
-          <a:lstStyle/>
-          <a:p>
-            <a:r>
-              <a:rPr lang="ja-JP" altLang="en-US" sz="1000" dirty="0">
+            <a:r>
+              <a:rPr lang="ja-JP" altLang="en-US" sz="1050" dirty="0" smtClean="0">
                 <a:latin typeface="+mn-ea"/>
+                <a:cs typeface="メイリオ" pitchFamily="50" charset="-128"/>
               </a:rPr>
-              <a:t>・</a:t>
-            </a:r>
-            <a:r>
-              <a:rPr lang="ja-JP" altLang="en-US" sz="1050" u="sng" dirty="0">
+              <a:t>ベーシックコース攻略にあたって“</a:t>
+            </a:r>
+            <a:r>
+              <a:rPr lang="ja-JP" altLang="en-US" sz="1050" dirty="0">
                 <a:latin typeface="+mn-ea"/>
+                <a:cs typeface="メイリオ" pitchFamily="50" charset="-128"/>
               </a:rPr>
-              <a:t>ゲート検知の失敗</a:t>
-            </a:r>
+              <a:t>安定</a:t>
+            </a:r>
+            <a:r>
+              <a:rPr lang="ja-JP" altLang="en-US" sz="1050" dirty="0" smtClean="0">
+                <a:latin typeface="+mn-ea"/>
+                <a:cs typeface="メイリオ" pitchFamily="50" charset="-128"/>
+              </a:rPr>
+              <a:t>”と“速さ”、この二つの言葉を重視しました。</a:t>
+            </a:r>
+            <a:endParaRPr lang="en-US" altLang="ja-JP" sz="1050" dirty="0" smtClean="0">
+              <a:latin typeface="+mn-ea"/>
+              <a:cs typeface="メイリオ" pitchFamily="50" charset="-128"/>
+            </a:endParaRPr>
           </a:p>
           <a:p>
             <a:r>
-              <a:rPr lang="ja-JP" altLang="en-US" sz="1000" dirty="0" smtClean="0">
+              <a:rPr lang="ja-JP" altLang="en-US" sz="1050" dirty="0" smtClean="0">
                 <a:latin typeface="+mn-ea"/>
+                <a:cs typeface="メイリオ" pitchFamily="50" charset="-128"/>
               </a:rPr>
-              <a:t>ゲート検知に</a:t>
-            </a:r>
-            <a:r>
-              <a:rPr lang="ja-JP" altLang="en-US" sz="1000" dirty="0">
-                <a:latin typeface="+mn-ea"/>
-              </a:rPr>
-              <a:t>用いる</a:t>
-            </a:r>
-            <a:r>
-              <a:rPr lang="ja-JP" altLang="en-US" sz="1000" dirty="0" smtClean="0">
-                <a:latin typeface="+mn-ea"/>
-              </a:rPr>
-              <a:t>超音波センサの</a:t>
-            </a:r>
-            <a:r>
-              <a:rPr lang="en-US" altLang="ja-JP" sz="1000" dirty="0" smtClean="0">
-                <a:latin typeface="+mn-ea"/>
-              </a:rPr>
-              <a:t>API</a:t>
-            </a:r>
-            <a:r>
-              <a:rPr lang="ja-JP" altLang="en-US" sz="1000" dirty="0">
-                <a:latin typeface="+mn-ea"/>
-              </a:rPr>
-              <a:t>は</a:t>
-            </a:r>
-            <a:r>
-              <a:rPr lang="ja-JP" altLang="en-US" sz="1000" dirty="0" smtClean="0">
-                <a:latin typeface="+mn-ea"/>
-              </a:rPr>
-              <a:t>仕様上</a:t>
-            </a:r>
-            <a:r>
-              <a:rPr lang="en-US" altLang="ja-JP" sz="1000" dirty="0" smtClean="0">
-                <a:latin typeface="+mn-ea"/>
-              </a:rPr>
-              <a:t>50ms</a:t>
-            </a:r>
-            <a:r>
-              <a:rPr lang="ja-JP" altLang="en-US" sz="1000" dirty="0">
-                <a:latin typeface="+mn-ea"/>
-              </a:rPr>
-              <a:t>周期</a:t>
-            </a:r>
-            <a:r>
-              <a:rPr lang="ja-JP" altLang="en-US" sz="1000" dirty="0" smtClean="0">
-                <a:latin typeface="+mn-ea"/>
-              </a:rPr>
-              <a:t>で使用しなければならない． </a:t>
-            </a:r>
-            <a:r>
-              <a:rPr lang="ja-JP" altLang="en-US" sz="1000" dirty="0">
-                <a:latin typeface="+mn-ea"/>
-              </a:rPr>
-              <a:t>よって</a:t>
-            </a:r>
-            <a:r>
-              <a:rPr lang="ja-JP" altLang="en-US" sz="1000" dirty="0" smtClean="0">
-                <a:latin typeface="+mn-ea"/>
-              </a:rPr>
-              <a:t>ゲートに接近する際の速度が</a:t>
-            </a:r>
-            <a:r>
-              <a:rPr lang="ja-JP" altLang="en-US" sz="1000" dirty="0">
-                <a:latin typeface="+mn-ea"/>
-              </a:rPr>
-              <a:t>速すぎる</a:t>
-            </a:r>
-            <a:r>
-              <a:rPr lang="ja-JP" altLang="en-US" sz="1000" dirty="0" smtClean="0">
-                <a:latin typeface="+mn-ea"/>
-              </a:rPr>
-              <a:t>と検知が出来ないためゲート接近前に減速することで精度の高い検知を実現．</a:t>
-            </a:r>
-            <a:endParaRPr lang="ja-JP" altLang="en-US" sz="1000" dirty="0">
+              <a:t>安定した走行をしなければ</a:t>
+            </a:r>
+            <a:endParaRPr lang="en-US" altLang="ja-JP" sz="1050" dirty="0" smtClean="0">
+              <a:latin typeface="+mn-ea"/>
+              <a:cs typeface="メイリオ" pitchFamily="50" charset="-128"/>
+            </a:endParaRPr>
+          </a:p>
+          <a:p>
+            <a:endParaRPr lang="ja-JP" altLang="en-US" sz="1050" dirty="0">
               <a:latin typeface="+mn-ea"/>
             </a:endParaRPr>
           </a:p>
         </p:txBody>
       </p:sp>
+      <p:cxnSp>
+        <p:nvCxnSpPr>
+          <p:cNvPr id="71" name="直線コネクタ 70"/>
+          <p:cNvCxnSpPr/>
+          <p:nvPr/>
+        </p:nvCxnSpPr>
+        <p:spPr>
+          <a:xfrm flipH="1">
+            <a:off x="674050" y="2641377"/>
+            <a:ext cx="12910188" cy="0"/>
+          </a:xfrm>
+          <a:prstGeom prst="line">
+            <a:avLst/>
+          </a:prstGeom>
+          <a:ln w="25400">
+            <a:solidFill>
+              <a:schemeClr val="tx2"/>
+            </a:solidFill>
+            <a:prstDash val="dash"/>
+          </a:ln>
+        </p:spPr>
+        <p:style>
+          <a:lnRef idx="1">
+            <a:schemeClr val="accent1"/>
+          </a:lnRef>
+          <a:fillRef idx="0">
+            <a:schemeClr val="accent1"/>
+          </a:fillRef>
+          <a:effectRef idx="0">
+            <a:schemeClr val="accent1"/>
+          </a:effectRef>
+          <a:fontRef idx="minor">
+            <a:schemeClr val="tx1"/>
+          </a:fontRef>
+        </p:style>
+      </p:cxnSp>
       <p:pic>
         <p:nvPicPr>
-          <p:cNvPr id="1027" name="Picture 3"/>
+          <p:cNvPr id="1026" name="Picture 2"/>
           <p:cNvPicPr>
             <a:picLocks noChangeAspect="1" noChangeArrowheads="1"/>
           </p:cNvPicPr>
           <p:nvPr/>
         </p:nvPicPr>
         <p:blipFill>
-          <a:blip r:embed="rId7">
+          <a:blip r:embed="rId3">
             <a:extLst>
               <a:ext uri="{28A0092B-C50C-407E-A947-70E740481C1C}">
                 <a14:useLocalDpi xmlns:a14="http://schemas.microsoft.com/office/drawing/2010/main" val="0"/>
@@ -44688,8 +41974,8 @@
         </p:blipFill>
         <p:spPr bwMode="auto">
           <a:xfrm>
-            <a:off x="4444430" y="7057232"/>
-            <a:ext cx="3455414" cy="2515393"/>
+            <a:off x="4802184" y="2633376"/>
+            <a:ext cx="45719" cy="6959823"/>
           </a:xfrm>
           <a:prstGeom prst="rect">
             <a:avLst/>
@@ -44729,198 +42015,454 @@
           </a:extLst>
         </p:spPr>
       </p:pic>
+      <p:sp>
+        <p:nvSpPr>
+          <p:cNvPr id="72" name="テキスト ボックス 71"/>
+          <p:cNvSpPr txBox="1"/>
+          <p:nvPr/>
+        </p:nvSpPr>
+        <p:spPr>
+          <a:xfrm>
+            <a:off x="4847903" y="2648007"/>
+            <a:ext cx="1028685" cy="584775"/>
+          </a:xfrm>
+          <a:prstGeom prst="rect">
+            <a:avLst/>
+          </a:prstGeom>
+          <a:noFill/>
+        </p:spPr>
+        <p:txBody>
+          <a:bodyPr wrap="square" rtlCol="0">
+            <a:spAutoFit/>
+          </a:bodyPr>
+          <a:lstStyle/>
+          <a:p>
+            <a:r>
+              <a:rPr lang="ja-JP" altLang="en-US" sz="3200" dirty="0">
+                <a:latin typeface="+mn-ea"/>
+                <a:cs typeface="メイリオ" pitchFamily="50" charset="-128"/>
+              </a:rPr>
+              <a:t>速さ</a:t>
+            </a:r>
+            <a:endParaRPr lang="en-US" altLang="ja-JP" sz="3200" dirty="0" smtClean="0">
+              <a:latin typeface="+mn-ea"/>
+              <a:cs typeface="メイリオ" pitchFamily="50" charset="-128"/>
+            </a:endParaRPr>
+          </a:p>
+        </p:txBody>
+      </p:sp>
+      <p:sp>
+        <p:nvSpPr>
+          <p:cNvPr id="79" name="テキスト ボックス 78"/>
+          <p:cNvSpPr txBox="1"/>
+          <p:nvPr/>
+        </p:nvSpPr>
+        <p:spPr>
+          <a:xfrm>
+            <a:off x="643311" y="2648007"/>
+            <a:ext cx="1028685" cy="584775"/>
+          </a:xfrm>
+          <a:prstGeom prst="rect">
+            <a:avLst/>
+          </a:prstGeom>
+          <a:noFill/>
+        </p:spPr>
+        <p:txBody>
+          <a:bodyPr wrap="square" rtlCol="0">
+            <a:spAutoFit/>
+          </a:bodyPr>
+          <a:lstStyle/>
+          <a:p>
+            <a:r>
+              <a:rPr lang="ja-JP" altLang="en-US" sz="3200" dirty="0">
+                <a:latin typeface="+mn-ea"/>
+                <a:cs typeface="メイリオ" pitchFamily="50" charset="-128"/>
+              </a:rPr>
+              <a:t>安定</a:t>
+            </a:r>
+            <a:endParaRPr lang="en-US" altLang="ja-JP" sz="3200" dirty="0" smtClean="0">
+              <a:latin typeface="+mn-ea"/>
+              <a:cs typeface="メイリオ" pitchFamily="50" charset="-128"/>
+            </a:endParaRPr>
+          </a:p>
+        </p:txBody>
+      </p:sp>
       <p:pic>
         <p:nvPicPr>
-          <p:cNvPr id="1028" name="Picture 4"/>
+          <p:cNvPr id="9" name="図 8"/>
           <p:cNvPicPr>
-            <a:picLocks noChangeAspect="1" noChangeArrowheads="1"/>
+            <a:picLocks noChangeAspect="1"/>
           </p:cNvPicPr>
           <p:nvPr/>
         </p:nvPicPr>
         <p:blipFill>
-          <a:blip r:embed="rId8">
+          <a:blip r:embed="rId4">
             <a:extLst>
               <a:ext uri="{28A0092B-C50C-407E-A947-70E740481C1C}">
                 <a14:useLocalDpi xmlns:a14="http://schemas.microsoft.com/office/drawing/2010/main" val="0"/>
               </a:ext>
             </a:extLst>
           </a:blip>
-          <a:srcRect/>
           <a:stretch>
             <a:fillRect/>
           </a:stretch>
         </p:blipFill>
-        <p:spPr bwMode="auto">
+        <p:spPr>
           <a:xfrm>
-            <a:off x="5221183" y="3042310"/>
-            <a:ext cx="2724546" cy="2652758"/>
+            <a:off x="4895677" y="3144416"/>
+            <a:ext cx="4848770" cy="3264478"/>
+          </a:xfrm>
+          <a:prstGeom prst="rect">
+            <a:avLst/>
+          </a:prstGeom>
+        </p:spPr>
+      </p:pic>
+      <p:sp>
+        <p:nvSpPr>
+          <p:cNvPr id="11" name="角丸四角形 10"/>
+          <p:cNvSpPr/>
+          <p:nvPr/>
+        </p:nvSpPr>
+        <p:spPr>
+          <a:xfrm>
+            <a:off x="9930766" y="2777807"/>
+            <a:ext cx="3528392" cy="1584176"/>
+          </a:xfrm>
+          <a:prstGeom prst="roundRect">
+            <a:avLst/>
+          </a:prstGeom>
+        </p:spPr>
+        <p:style>
+          <a:lnRef idx="2">
+            <a:schemeClr val="accent1">
+              <a:shade val="50000"/>
+            </a:schemeClr>
+          </a:lnRef>
+          <a:fillRef idx="1">
+            <a:schemeClr val="accent1"/>
+          </a:fillRef>
+          <a:effectRef idx="0">
+            <a:schemeClr val="accent1"/>
+          </a:effectRef>
+          <a:fontRef idx="minor">
+            <a:schemeClr val="lt1"/>
+          </a:fontRef>
+        </p:style>
+        <p:txBody>
+          <a:bodyPr rtlCol="0" anchor="ctr"/>
+          <a:lstStyle/>
+          <a:p>
+            <a:pPr algn="ctr"/>
+            <a:r>
+              <a:rPr kumimoji="1" lang="ja-JP" altLang="en-US" dirty="0" smtClean="0"/>
+              <a:t>坂道</a:t>
+            </a:r>
+            <a:endParaRPr kumimoji="1" lang="ja-JP" altLang="en-US" dirty="0"/>
+          </a:p>
+        </p:txBody>
+      </p:sp>
+      <p:sp>
+        <p:nvSpPr>
+          <p:cNvPr id="81" name="角丸四角形 80"/>
+          <p:cNvSpPr/>
+          <p:nvPr/>
+        </p:nvSpPr>
+        <p:spPr>
+          <a:xfrm>
+            <a:off x="9946117" y="4552821"/>
+            <a:ext cx="3528392" cy="1584176"/>
+          </a:xfrm>
+          <a:prstGeom prst="roundRect">
+            <a:avLst/>
+          </a:prstGeom>
+        </p:spPr>
+        <p:style>
+          <a:lnRef idx="2">
+            <a:schemeClr val="accent1">
+              <a:shade val="50000"/>
+            </a:schemeClr>
+          </a:lnRef>
+          <a:fillRef idx="1">
+            <a:schemeClr val="accent1"/>
+          </a:fillRef>
+          <a:effectRef idx="0">
+            <a:schemeClr val="accent1"/>
+          </a:effectRef>
+          <a:fontRef idx="minor">
+            <a:schemeClr val="lt1"/>
+          </a:fontRef>
+        </p:style>
+        <p:txBody>
+          <a:bodyPr rtlCol="0" anchor="ctr"/>
+          <a:lstStyle/>
+          <a:p>
+            <a:pPr algn="ctr"/>
+            <a:r>
+              <a:rPr kumimoji="1" lang="ja-JP" altLang="en-US" dirty="0" smtClean="0"/>
+              <a:t>カーブ</a:t>
+            </a:r>
+            <a:endParaRPr kumimoji="1" lang="ja-JP" altLang="en-US" dirty="0"/>
+          </a:p>
+        </p:txBody>
+      </p:sp>
+      <p:sp>
+        <p:nvSpPr>
+          <p:cNvPr id="82" name="角丸四角形 81"/>
+          <p:cNvSpPr/>
+          <p:nvPr/>
+        </p:nvSpPr>
+        <p:spPr>
+          <a:xfrm>
+            <a:off x="9946117" y="6253516"/>
+            <a:ext cx="3528392" cy="1584176"/>
+          </a:xfrm>
+          <a:prstGeom prst="roundRect">
+            <a:avLst/>
+          </a:prstGeom>
+        </p:spPr>
+        <p:style>
+          <a:lnRef idx="2">
+            <a:schemeClr val="accent1">
+              <a:shade val="50000"/>
+            </a:schemeClr>
+          </a:lnRef>
+          <a:fillRef idx="1">
+            <a:schemeClr val="accent1"/>
+          </a:fillRef>
+          <a:effectRef idx="0">
+            <a:schemeClr val="accent1"/>
+          </a:effectRef>
+          <a:fontRef idx="minor">
+            <a:schemeClr val="lt1"/>
+          </a:fontRef>
+        </p:style>
+        <p:txBody>
+          <a:bodyPr rtlCol="0" anchor="ctr"/>
+          <a:lstStyle/>
+          <a:p>
+            <a:pPr algn="ctr"/>
+            <a:r>
+              <a:rPr kumimoji="1" lang="ja-JP" altLang="en-US" dirty="0" smtClean="0"/>
+              <a:t>スタート</a:t>
+            </a:r>
+            <a:endParaRPr kumimoji="1" lang="ja-JP" altLang="en-US" dirty="0"/>
+          </a:p>
+        </p:txBody>
+      </p:sp>
+      <p:sp>
+        <p:nvSpPr>
+          <p:cNvPr id="83" name="角丸四角形 82"/>
+          <p:cNvSpPr/>
+          <p:nvPr/>
+        </p:nvSpPr>
+        <p:spPr>
+          <a:xfrm>
+            <a:off x="9946117" y="7968951"/>
+            <a:ext cx="3528392" cy="1470067"/>
+          </a:xfrm>
+          <a:prstGeom prst="roundRect">
+            <a:avLst/>
+          </a:prstGeom>
+        </p:spPr>
+        <p:style>
+          <a:lnRef idx="2">
+            <a:schemeClr val="accent1">
+              <a:shade val="50000"/>
+            </a:schemeClr>
+          </a:lnRef>
+          <a:fillRef idx="1">
+            <a:schemeClr val="accent1"/>
+          </a:fillRef>
+          <a:effectRef idx="0">
+            <a:schemeClr val="accent1"/>
+          </a:effectRef>
+          <a:fontRef idx="minor">
+            <a:schemeClr val="lt1"/>
+          </a:fontRef>
+        </p:style>
+        <p:txBody>
+          <a:bodyPr rtlCol="0" anchor="ctr"/>
+          <a:lstStyle/>
+          <a:p>
+            <a:pPr algn="ctr"/>
+            <a:r>
+              <a:rPr kumimoji="1" lang="ja-JP" altLang="en-US" dirty="0" smtClean="0"/>
+              <a:t>ストレート</a:t>
+            </a:r>
+            <a:endParaRPr kumimoji="1" lang="ja-JP" altLang="en-US" dirty="0"/>
+          </a:p>
+        </p:txBody>
+      </p:sp>
+      <p:sp>
+        <p:nvSpPr>
+          <p:cNvPr id="84" name="テキスト ボックス 83"/>
+          <p:cNvSpPr txBox="1"/>
+          <p:nvPr/>
+        </p:nvSpPr>
+        <p:spPr>
+          <a:xfrm>
+            <a:off x="4895677" y="6467284"/>
+            <a:ext cx="4848770" cy="415498"/>
           </a:xfrm>
           <a:prstGeom prst="rect">
             <a:avLst/>
           </a:prstGeom>
           <a:noFill/>
-          <a:ln>
-            <a:noFill/>
-          </a:ln>
-          <a:effectLst/>
-          <a:extLst>
-            <a:ext uri="{909E8E84-426E-40DD-AFC4-6F175D3DCCD1}">
-              <a14:hiddenFill xmlns:a14="http://schemas.microsoft.com/office/drawing/2010/main">
-                <a:solidFill>
-                  <a:schemeClr val="accent1"/>
-                </a:solidFill>
-              </a14:hiddenFill>
-            </a:ext>
-            <a:ext uri="{91240B29-F687-4F45-9708-019B960494DF}">
-              <a14:hiddenLine xmlns:a14="http://schemas.microsoft.com/office/drawing/2010/main" w="9525">
-                <a:solidFill>
-                  <a:schemeClr val="tx1"/>
-                </a:solidFill>
-                <a:miter lim="800000"/>
-                <a:headEnd/>
-                <a:tailEnd/>
-              </a14:hiddenLine>
-            </a:ext>
-            <a:ext uri="{AF507438-7753-43E0-B8FC-AC1667EBCBE1}">
-              <a14:hiddenEffects xmlns:a14="http://schemas.microsoft.com/office/drawing/2010/main">
-                <a:effectLst>
-                  <a:outerShdw dist="35921" dir="2700000" algn="ctr" rotWithShape="0">
-                    <a:schemeClr val="bg2"/>
-                  </a:outerShdw>
-                </a:effectLst>
-              </a14:hiddenEffects>
-            </a:ext>
-          </a:extLst>
         </p:spPr>
-      </p:pic>
-      <p:pic>
-        <p:nvPicPr>
-          <p:cNvPr id="1032" name="Picture 8"/>
-          <p:cNvPicPr>
-            <a:picLocks noChangeAspect="1" noChangeArrowheads="1"/>
-          </p:cNvPicPr>
+        <p:txBody>
+          <a:bodyPr wrap="square" rtlCol="0">
+            <a:spAutoFit/>
+          </a:bodyPr>
+          <a:lstStyle/>
+          <a:p>
+            <a:r>
+              <a:rPr lang="ja-JP" altLang="en-US" sz="1050" dirty="0" smtClean="0">
+                <a:latin typeface="+mn-ea"/>
+              </a:rPr>
+              <a:t>速さと実際にはなんなのかと考えた結果、</a:t>
+            </a:r>
+            <a:r>
+              <a:rPr lang="ja-JP" altLang="en-US" sz="1050" b="1" dirty="0" smtClean="0">
+                <a:latin typeface="+mn-ea"/>
+              </a:rPr>
+              <a:t>無駄のない走り</a:t>
+            </a:r>
+            <a:r>
+              <a:rPr lang="ja-JP" altLang="en-US" sz="1050" dirty="0" smtClean="0">
+                <a:latin typeface="+mn-ea"/>
+              </a:rPr>
+              <a:t>ということに決定しました。</a:t>
+            </a:r>
+            <a:endParaRPr lang="ja-JP" altLang="en-US" sz="1050" dirty="0">
+              <a:latin typeface="+mn-ea"/>
+            </a:endParaRPr>
+          </a:p>
+        </p:txBody>
+      </p:sp>
+      <p:sp>
+        <p:nvSpPr>
+          <p:cNvPr id="4" name="下矢印 3"/>
+          <p:cNvSpPr/>
           <p:nvPr/>
-        </p:nvPicPr>
-        <p:blipFill>
-          <a:blip r:embed="rId9">
-            <a:extLst>
-              <a:ext uri="{28A0092B-C50C-407E-A947-70E740481C1C}">
-                <a14:useLocalDpi xmlns:a14="http://schemas.microsoft.com/office/drawing/2010/main" val="0"/>
-              </a:ext>
-            </a:extLst>
-          </a:blip>
-          <a:srcRect/>
-          <a:stretch>
-            <a:fillRect/>
-          </a:stretch>
-        </p:blipFill>
-        <p:spPr bwMode="auto">
+        </p:nvSpPr>
+        <p:spPr>
           <a:xfrm>
-            <a:off x="10896575" y="3265572"/>
-            <a:ext cx="2711646" cy="2322224"/>
+            <a:off x="5876588" y="6882782"/>
+            <a:ext cx="411475" cy="366090"/>
+          </a:xfrm>
+          <a:prstGeom prst="downArrow">
+            <a:avLst/>
+          </a:prstGeom>
+        </p:spPr>
+        <p:style>
+          <a:lnRef idx="2">
+            <a:schemeClr val="accent1">
+              <a:shade val="50000"/>
+            </a:schemeClr>
+          </a:lnRef>
+          <a:fillRef idx="1">
+            <a:schemeClr val="accent1"/>
+          </a:fillRef>
+          <a:effectRef idx="0">
+            <a:schemeClr val="accent1"/>
+          </a:effectRef>
+          <a:fontRef idx="minor">
+            <a:schemeClr val="lt1"/>
+          </a:fontRef>
+        </p:style>
+        <p:txBody>
+          <a:bodyPr rtlCol="0" anchor="ctr"/>
+          <a:lstStyle/>
+          <a:p>
+            <a:pPr algn="ctr"/>
+            <a:endParaRPr kumimoji="1" lang="ja-JP" altLang="en-US"/>
+          </a:p>
+        </p:txBody>
+      </p:sp>
+      <p:sp>
+        <p:nvSpPr>
+          <p:cNvPr id="5" name="円/楕円 4"/>
+          <p:cNvSpPr/>
+          <p:nvPr/>
+        </p:nvSpPr>
+        <p:spPr>
+          <a:xfrm>
+            <a:off x="6792118" y="6760880"/>
+            <a:ext cx="2592289" cy="487992"/>
+          </a:xfrm>
+          <a:prstGeom prst="ellipse">
+            <a:avLst/>
+          </a:prstGeom>
+        </p:spPr>
+        <p:style>
+          <a:lnRef idx="2">
+            <a:schemeClr val="accent1">
+              <a:shade val="50000"/>
+            </a:schemeClr>
+          </a:lnRef>
+          <a:fillRef idx="1">
+            <a:schemeClr val="accent1"/>
+          </a:fillRef>
+          <a:effectRef idx="0">
+            <a:schemeClr val="accent1"/>
+          </a:effectRef>
+          <a:fontRef idx="minor">
+            <a:schemeClr val="lt1"/>
+          </a:fontRef>
+        </p:style>
+        <p:txBody>
+          <a:bodyPr rtlCol="0" anchor="ctr"/>
+          <a:lstStyle/>
+          <a:p>
+            <a:pPr algn="ctr"/>
+            <a:r>
+              <a:rPr kumimoji="1" lang="ja-JP" altLang="en-US" sz="1400" dirty="0" smtClean="0"/>
+              <a:t>そもそも無駄とは</a:t>
+            </a:r>
+            <a:endParaRPr kumimoji="1" lang="ja-JP" altLang="en-US" sz="1400" dirty="0"/>
+          </a:p>
+        </p:txBody>
+      </p:sp>
+      <p:sp>
+        <p:nvSpPr>
+          <p:cNvPr id="22" name="テキスト ボックス 21"/>
+          <p:cNvSpPr txBox="1"/>
+          <p:nvPr/>
+        </p:nvSpPr>
+        <p:spPr>
+          <a:xfrm>
+            <a:off x="5015806" y="7248872"/>
+            <a:ext cx="4848770" cy="253916"/>
           </a:xfrm>
           <a:prstGeom prst="rect">
             <a:avLst/>
           </a:prstGeom>
           <a:noFill/>
-          <a:ln>
-            <a:noFill/>
-          </a:ln>
-          <a:effectLst/>
-          <a:extLst>
-            <a:ext uri="{909E8E84-426E-40DD-AFC4-6F175D3DCCD1}">
-              <a14:hiddenFill xmlns:a14="http://schemas.microsoft.com/office/drawing/2010/main">
-                <a:solidFill>
-                  <a:schemeClr val="accent1"/>
-                </a:solidFill>
-              </a14:hiddenFill>
-            </a:ext>
-            <a:ext uri="{91240B29-F687-4F45-9708-019B960494DF}">
-              <a14:hiddenLine xmlns:a14="http://schemas.microsoft.com/office/drawing/2010/main" w="9525">
-                <a:solidFill>
-                  <a:schemeClr val="tx1"/>
-                </a:solidFill>
-                <a:miter lim="800000"/>
-                <a:headEnd/>
-                <a:tailEnd/>
-              </a14:hiddenLine>
-            </a:ext>
-            <a:ext uri="{AF507438-7753-43E0-B8FC-AC1667EBCBE1}">
-              <a14:hiddenEffects xmlns:a14="http://schemas.microsoft.com/office/drawing/2010/main">
-                <a:effectLst>
-                  <a:outerShdw dist="35921" dir="2700000" algn="ctr" rotWithShape="0">
-                    <a:schemeClr val="bg2"/>
-                  </a:outerShdw>
-                </a:effectLst>
-              </a14:hiddenEffects>
-            </a:ext>
-          </a:extLst>
         </p:spPr>
-      </p:pic>
-      <p:pic>
-        <p:nvPicPr>
-          <p:cNvPr id="1033" name="Picture 9"/>
-          <p:cNvPicPr>
-            <a:picLocks noChangeAspect="1" noChangeArrowheads="1"/>
-          </p:cNvPicPr>
-          <p:nvPr/>
-        </p:nvPicPr>
-        <p:blipFill>
-          <a:blip r:embed="rId10">
-            <a:extLst>
-              <a:ext uri="{28A0092B-C50C-407E-A947-70E740481C1C}">
-                <a14:useLocalDpi xmlns:a14="http://schemas.microsoft.com/office/drawing/2010/main" val="0"/>
-              </a:ext>
-            </a:extLst>
-          </a:blip>
-          <a:srcRect/>
-          <a:stretch>
-            <a:fillRect/>
-          </a:stretch>
-        </p:blipFill>
-        <p:spPr bwMode="auto">
-          <a:xfrm>
-            <a:off x="10320511" y="7246912"/>
-            <a:ext cx="3184624" cy="2306216"/>
-          </a:xfrm>
-          <a:prstGeom prst="rect">
-            <a:avLst/>
-          </a:prstGeom>
-          <a:noFill/>
-          <a:ln>
-            <a:noFill/>
-          </a:ln>
-          <a:effectLst/>
-          <a:extLst>
-            <a:ext uri="{909E8E84-426E-40DD-AFC4-6F175D3DCCD1}">
-              <a14:hiddenFill xmlns:a14="http://schemas.microsoft.com/office/drawing/2010/main">
-                <a:solidFill>
-                  <a:schemeClr val="accent1"/>
-                </a:solidFill>
-              </a14:hiddenFill>
-            </a:ext>
-            <a:ext uri="{91240B29-F687-4F45-9708-019B960494DF}">
-              <a14:hiddenLine xmlns:a14="http://schemas.microsoft.com/office/drawing/2010/main" w="9525">
-                <a:solidFill>
-                  <a:schemeClr val="tx1"/>
-                </a:solidFill>
-                <a:miter lim="800000"/>
-                <a:headEnd/>
-                <a:tailEnd/>
-              </a14:hiddenLine>
-            </a:ext>
-            <a:ext uri="{AF507438-7753-43E0-B8FC-AC1667EBCBE1}">
-              <a14:hiddenEffects xmlns:a14="http://schemas.microsoft.com/office/drawing/2010/main">
-                <a:effectLst>
-                  <a:outerShdw dist="35921" dir="2700000" algn="ctr" rotWithShape="0">
-                    <a:schemeClr val="bg2"/>
-                  </a:outerShdw>
-                </a:effectLst>
-              </a14:hiddenEffects>
-            </a:ext>
-          </a:extLst>
-        </p:spPr>
-      </p:pic>
+        <p:txBody>
+          <a:bodyPr wrap="square" rtlCol="0">
+            <a:spAutoFit/>
+          </a:bodyPr>
+          <a:lstStyle/>
+          <a:p>
+            <a:r>
+              <a:rPr lang="ja-JP" altLang="en-US" sz="1050" dirty="0" smtClean="0">
+                <a:latin typeface="+mn-ea"/>
+              </a:rPr>
+              <a:t>私たちが考える無駄とはコースの形状の違い</a:t>
+            </a:r>
+            <a:r>
+              <a:rPr lang="ja-JP" altLang="en-US" sz="1050" smtClean="0">
+                <a:latin typeface="+mn-ea"/>
+              </a:rPr>
+              <a:t>による</a:t>
+            </a:r>
+            <a:endParaRPr lang="ja-JP" altLang="en-US" sz="1050" dirty="0">
+              <a:latin typeface="+mn-ea"/>
+            </a:endParaRPr>
+          </a:p>
+        </p:txBody>
+      </p:sp>
     </p:spTree>
     <p:extLst>
       <p:ext uri="{BB962C8B-B14F-4D97-AF65-F5344CB8AC3E}">
@@ -44931,11 +42473,11 @@
   <p:clrMapOvr>
     <a:masterClrMapping/>
   </p:clrMapOvr>
-  <mc:AlternateContent xmlns:mc="http://schemas.openxmlformats.org/markup-compatibility/2006">
-    <mc:Choice xmlns:p14="http://schemas.microsoft.com/office/powerpoint/2010/main" Requires="p14">
+  <mc:AlternateContent xmlns:mc="http://schemas.openxmlformats.org/markup-compatibility/2006" xmlns:p14="http://schemas.microsoft.com/office/powerpoint/2010/main">
+    <mc:Choice Requires="p14">
       <p:transition spd="slow" p14:dur="2000"/>
     </mc:Choice>
-    <mc:Fallback>
+    <mc:Fallback xmlns="">
       <p:transition spd="slow"/>
     </mc:Fallback>
   </mc:AlternateContent>
@@ -54509,11 +52051,11 @@
   <p:clrMapOvr>
     <a:masterClrMapping/>
   </p:clrMapOvr>
-  <mc:AlternateContent xmlns:mc="http://schemas.openxmlformats.org/markup-compatibility/2006">
-    <mc:Choice xmlns:p14="http://schemas.microsoft.com/office/powerpoint/2010/main" Requires="p14">
+  <mc:AlternateContent xmlns:mc="http://schemas.openxmlformats.org/markup-compatibility/2006" xmlns:p14="http://schemas.microsoft.com/office/powerpoint/2010/main">
+    <mc:Choice Requires="p14">
       <p:transition spd="slow" p14:dur="2000"/>
     </mc:Choice>
-    <mc:Fallback>
+    <mc:Fallback xmlns="">
       <p:transition spd="slow"/>
     </mc:Fallback>
   </mc:AlternateContent>

--- a/model_sheet/model_sheet_draft_20130728.pptx
+++ b/model_sheet/model_sheet_draft_20130728.pptx
@@ -42109,7 +42109,7 @@
         </p:blipFill>
         <p:spPr>
           <a:xfrm>
-            <a:off x="4895677" y="3144416"/>
+            <a:off x="4895677" y="3149687"/>
             <a:ext cx="4848770" cy="3264478"/>
           </a:xfrm>
           <a:prstGeom prst="rect">
@@ -42129,6 +42129,439 @@
             <a:ext cx="3528392" cy="1584176"/>
           </a:xfrm>
           <a:prstGeom prst="roundRect">
+            <a:avLst/>
+          </a:prstGeom>
+          <a:noFill/>
+        </p:spPr>
+        <p:style>
+          <a:lnRef idx="2">
+            <a:schemeClr val="accent1">
+              <a:shade val="50000"/>
+            </a:schemeClr>
+          </a:lnRef>
+          <a:fillRef idx="1">
+            <a:schemeClr val="accent1"/>
+          </a:fillRef>
+          <a:effectRef idx="0">
+            <a:schemeClr val="accent1"/>
+          </a:effectRef>
+          <a:fontRef idx="minor">
+            <a:schemeClr val="lt1"/>
+          </a:fontRef>
+        </p:style>
+        <p:txBody>
+          <a:bodyPr rtlCol="0" anchor="ctr"/>
+          <a:lstStyle/>
+          <a:p>
+            <a:pPr algn="ctr"/>
+            <a:r>
+              <a:rPr lang="en-US" altLang="ja-JP" dirty="0" smtClean="0"/>
+              <a:t/>
+            </a:r>
+            <a:br>
+              <a:rPr lang="en-US" altLang="ja-JP" dirty="0" smtClean="0"/>
+            </a:br>
+            <a:endParaRPr kumimoji="1" lang="ja-JP" altLang="en-US" dirty="0"/>
+          </a:p>
+        </p:txBody>
+      </p:sp>
+      <p:pic>
+        <p:nvPicPr>
+          <p:cNvPr id="6" name="Picture 2"/>
+          <p:cNvPicPr>
+            <a:picLocks noChangeAspect="1" noChangeArrowheads="1"/>
+          </p:cNvPicPr>
+          <p:nvPr/>
+        </p:nvPicPr>
+        <p:blipFill>
+          <a:blip r:embed="rId5">
+            <a:extLst>
+              <a:ext uri="{28A0092B-C50C-407E-A947-70E740481C1C}">
+                <a14:useLocalDpi xmlns:a14="http://schemas.microsoft.com/office/drawing/2010/main" val="0"/>
+              </a:ext>
+            </a:extLst>
+          </a:blip>
+          <a:srcRect/>
+          <a:stretch>
+            <a:fillRect/>
+          </a:stretch>
+        </p:blipFill>
+        <p:spPr bwMode="auto">
+          <a:xfrm>
+            <a:off x="5619017" y="6812609"/>
+            <a:ext cx="3334151" cy="2050166"/>
+          </a:xfrm>
+          <a:prstGeom prst="rect">
+            <a:avLst/>
+          </a:prstGeom>
+          <a:noFill/>
+          <a:ln>
+            <a:noFill/>
+          </a:ln>
+          <a:effectLst/>
+          <a:extLst>
+            <a:ext uri="{909E8E84-426E-40DD-AFC4-6F175D3DCCD1}">
+              <a14:hiddenFill xmlns:a14="http://schemas.microsoft.com/office/drawing/2010/main">
+                <a:solidFill>
+                  <a:schemeClr val="accent1"/>
+                </a:solidFill>
+              </a14:hiddenFill>
+            </a:ext>
+            <a:ext uri="{91240B29-F687-4F45-9708-019B960494DF}">
+              <a14:hiddenLine xmlns:a14="http://schemas.microsoft.com/office/drawing/2010/main" w="9525">
+                <a:solidFill>
+                  <a:schemeClr val="tx1"/>
+                </a:solidFill>
+                <a:miter lim="800000"/>
+                <a:headEnd/>
+                <a:tailEnd/>
+              </a14:hiddenLine>
+            </a:ext>
+            <a:ext uri="{AF507438-7753-43E0-B8FC-AC1667EBCBE1}">
+              <a14:hiddenEffects xmlns:a14="http://schemas.microsoft.com/office/drawing/2010/main">
+                <a:effectLst>
+                  <a:outerShdw dist="35921" dir="2700000" algn="ctr" rotWithShape="0">
+                    <a:schemeClr val="bg2"/>
+                  </a:outerShdw>
+                </a:effectLst>
+              </a14:hiddenEffects>
+            </a:ext>
+          </a:extLst>
+        </p:spPr>
+      </p:pic>
+      <p:sp>
+        <p:nvSpPr>
+          <p:cNvPr id="26" name="テキスト ボックス 25"/>
+          <p:cNvSpPr txBox="1"/>
+          <p:nvPr/>
+        </p:nvSpPr>
+        <p:spPr>
+          <a:xfrm>
+            <a:off x="4895677" y="6604860"/>
+            <a:ext cx="4848770" cy="415498"/>
+          </a:xfrm>
+          <a:prstGeom prst="rect">
+            <a:avLst/>
+          </a:prstGeom>
+          <a:noFill/>
+        </p:spPr>
+        <p:txBody>
+          <a:bodyPr wrap="square" rtlCol="0">
+            <a:spAutoFit/>
+          </a:bodyPr>
+          <a:lstStyle/>
+          <a:p>
+            <a:r>
+              <a:rPr lang="ja-JP" altLang="en-US" sz="1050" dirty="0">
+                <a:latin typeface="+mn-ea"/>
+              </a:rPr>
+              <a:t>速さ</a:t>
+            </a:r>
+            <a:r>
+              <a:rPr lang="ja-JP" altLang="en-US" sz="1050" dirty="0" smtClean="0">
+                <a:latin typeface="+mn-ea"/>
+              </a:rPr>
+              <a:t>を実現するため、何が必要か分析してみました。</a:t>
+            </a:r>
+            <a:r>
+              <a:rPr lang="en-US" altLang="ja-JP" sz="1050" dirty="0" smtClean="0">
+                <a:latin typeface="+mn-ea"/>
+              </a:rPr>
+              <a:t/>
+            </a:r>
+            <a:br>
+              <a:rPr lang="en-US" altLang="ja-JP" sz="1050" dirty="0" smtClean="0">
+                <a:latin typeface="+mn-ea"/>
+              </a:rPr>
+            </a:br>
+            <a:endParaRPr lang="ja-JP" altLang="en-US" sz="1050" dirty="0">
+              <a:latin typeface="+mn-ea"/>
+            </a:endParaRPr>
+          </a:p>
+        </p:txBody>
+      </p:sp>
+      <p:sp>
+        <p:nvSpPr>
+          <p:cNvPr id="33" name="テキスト ボックス 32"/>
+          <p:cNvSpPr txBox="1"/>
+          <p:nvPr/>
+        </p:nvSpPr>
+        <p:spPr>
+          <a:xfrm>
+            <a:off x="4895677" y="8862775"/>
+            <a:ext cx="4848770" cy="738664"/>
+          </a:xfrm>
+          <a:prstGeom prst="rect">
+            <a:avLst/>
+          </a:prstGeom>
+          <a:noFill/>
+        </p:spPr>
+        <p:txBody>
+          <a:bodyPr wrap="square" rtlCol="0">
+            <a:spAutoFit/>
+          </a:bodyPr>
+          <a:lstStyle/>
+          <a:p>
+            <a:r>
+              <a:rPr lang="ja-JP" altLang="en-US" sz="1050" dirty="0" smtClean="0">
+                <a:latin typeface="+mn-ea"/>
+              </a:rPr>
+              <a:t>この分析の結果コースを区間に分けて、区間ごとに走り方をかえることで無駄がなく最適な走行が可能になり、高速な走行を実現できました。</a:t>
+            </a:r>
+            <a:r>
+              <a:rPr lang="en-US" altLang="ja-JP" sz="1050" dirty="0" smtClean="0">
+                <a:latin typeface="+mn-ea"/>
+              </a:rPr>
+              <a:t/>
+            </a:r>
+            <a:br>
+              <a:rPr lang="en-US" altLang="ja-JP" sz="1050" dirty="0" smtClean="0">
+                <a:latin typeface="+mn-ea"/>
+              </a:rPr>
+            </a:br>
+            <a:r>
+              <a:rPr lang="ja-JP" altLang="en-US" sz="1050" dirty="0" smtClean="0">
+                <a:latin typeface="+mn-ea"/>
+              </a:rPr>
+              <a:t>＊上記の図にコース区間と主な区間の走法を記述しました。</a:t>
+            </a:r>
+            <a:r>
+              <a:rPr lang="en-US" altLang="ja-JP" sz="1050" dirty="0" smtClean="0">
+                <a:latin typeface="+mn-ea"/>
+              </a:rPr>
+              <a:t/>
+            </a:r>
+            <a:br>
+              <a:rPr lang="en-US" altLang="ja-JP" sz="1050" dirty="0" smtClean="0">
+                <a:latin typeface="+mn-ea"/>
+              </a:rPr>
+            </a:br>
+            <a:endParaRPr lang="ja-JP" altLang="en-US" sz="1050" dirty="0">
+              <a:latin typeface="+mn-ea"/>
+            </a:endParaRPr>
+          </a:p>
+        </p:txBody>
+      </p:sp>
+      <p:pic>
+        <p:nvPicPr>
+          <p:cNvPr id="1027" name="Picture 3"/>
+          <p:cNvPicPr>
+            <a:picLocks noChangeAspect="1" noChangeArrowheads="1"/>
+          </p:cNvPicPr>
+          <p:nvPr/>
+        </p:nvPicPr>
+        <p:blipFill>
+          <a:blip r:embed="rId6">
+            <a:extLst>
+              <a:ext uri="{28A0092B-C50C-407E-A947-70E740481C1C}">
+                <a14:useLocalDpi xmlns:a14="http://schemas.microsoft.com/office/drawing/2010/main" val="0"/>
+              </a:ext>
+            </a:extLst>
+          </a:blip>
+          <a:srcRect/>
+          <a:stretch>
+            <a:fillRect/>
+          </a:stretch>
+        </p:blipFill>
+        <p:spPr bwMode="auto">
+          <a:xfrm>
+            <a:off x="10321208" y="3785919"/>
+            <a:ext cx="2703070" cy="576064"/>
+          </a:xfrm>
+          <a:prstGeom prst="rect">
+            <a:avLst/>
+          </a:prstGeom>
+          <a:noFill/>
+          <a:ln>
+            <a:noFill/>
+          </a:ln>
+          <a:effectLst/>
+          <a:extLst>
+            <a:ext uri="{909E8E84-426E-40DD-AFC4-6F175D3DCCD1}">
+              <a14:hiddenFill xmlns:a14="http://schemas.microsoft.com/office/drawing/2010/main">
+                <a:solidFill>
+                  <a:schemeClr val="accent1"/>
+                </a:solidFill>
+              </a14:hiddenFill>
+            </a:ext>
+            <a:ext uri="{91240B29-F687-4F45-9708-019B960494DF}">
+              <a14:hiddenLine xmlns:a14="http://schemas.microsoft.com/office/drawing/2010/main" w="9525">
+                <a:solidFill>
+                  <a:schemeClr val="tx1"/>
+                </a:solidFill>
+                <a:miter lim="800000"/>
+                <a:headEnd/>
+                <a:tailEnd/>
+              </a14:hiddenLine>
+            </a:ext>
+            <a:ext uri="{AF507438-7753-43E0-B8FC-AC1667EBCBE1}">
+              <a14:hiddenEffects xmlns:a14="http://schemas.microsoft.com/office/drawing/2010/main">
+                <a:effectLst>
+                  <a:outerShdw dist="35921" dir="2700000" algn="ctr" rotWithShape="0">
+                    <a:schemeClr val="bg2"/>
+                  </a:outerShdw>
+                </a:effectLst>
+              </a14:hiddenEffects>
+            </a:ext>
+          </a:extLst>
+        </p:spPr>
+      </p:pic>
+      <p:sp>
+        <p:nvSpPr>
+          <p:cNvPr id="35" name="角丸四角形 34"/>
+          <p:cNvSpPr/>
+          <p:nvPr/>
+        </p:nvSpPr>
+        <p:spPr>
+          <a:xfrm>
+            <a:off x="9930766" y="4450524"/>
+            <a:ext cx="3528392" cy="1584176"/>
+          </a:xfrm>
+          <a:prstGeom prst="roundRect">
+            <a:avLst/>
+          </a:prstGeom>
+          <a:noFill/>
+        </p:spPr>
+        <p:style>
+          <a:lnRef idx="2">
+            <a:schemeClr val="accent1">
+              <a:shade val="50000"/>
+            </a:schemeClr>
+          </a:lnRef>
+          <a:fillRef idx="1">
+            <a:schemeClr val="accent1"/>
+          </a:fillRef>
+          <a:effectRef idx="0">
+            <a:schemeClr val="accent1"/>
+          </a:effectRef>
+          <a:fontRef idx="minor">
+            <a:schemeClr val="lt1"/>
+          </a:fontRef>
+        </p:style>
+        <p:txBody>
+          <a:bodyPr rtlCol="0" anchor="ctr"/>
+          <a:lstStyle/>
+          <a:p>
+            <a:pPr algn="ctr"/>
+            <a:r>
+              <a:rPr lang="en-US" altLang="ja-JP" dirty="0" smtClean="0"/>
+              <a:t/>
+            </a:r>
+            <a:br>
+              <a:rPr lang="en-US" altLang="ja-JP" dirty="0" smtClean="0"/>
+            </a:br>
+            <a:endParaRPr kumimoji="1" lang="ja-JP" altLang="en-US" dirty="0"/>
+          </a:p>
+        </p:txBody>
+      </p:sp>
+      <p:sp>
+        <p:nvSpPr>
+          <p:cNvPr id="36" name="角丸四角形 35"/>
+          <p:cNvSpPr/>
+          <p:nvPr/>
+        </p:nvSpPr>
+        <p:spPr>
+          <a:xfrm>
+            <a:off x="9923168" y="6135895"/>
+            <a:ext cx="3528392" cy="1584176"/>
+          </a:xfrm>
+          <a:prstGeom prst="roundRect">
+            <a:avLst/>
+          </a:prstGeom>
+          <a:noFill/>
+        </p:spPr>
+        <p:style>
+          <a:lnRef idx="2">
+            <a:schemeClr val="accent1">
+              <a:shade val="50000"/>
+            </a:schemeClr>
+          </a:lnRef>
+          <a:fillRef idx="1">
+            <a:schemeClr val="accent1"/>
+          </a:fillRef>
+          <a:effectRef idx="0">
+            <a:schemeClr val="accent1"/>
+          </a:effectRef>
+          <a:fontRef idx="minor">
+            <a:schemeClr val="lt1"/>
+          </a:fontRef>
+        </p:style>
+        <p:txBody>
+          <a:bodyPr rtlCol="0" anchor="ctr"/>
+          <a:lstStyle/>
+          <a:p>
+            <a:pPr algn="ctr"/>
+            <a:r>
+              <a:rPr lang="en-US" altLang="ja-JP" dirty="0" smtClean="0"/>
+              <a:t/>
+            </a:r>
+            <a:br>
+              <a:rPr lang="en-US" altLang="ja-JP" dirty="0" smtClean="0"/>
+            </a:br>
+            <a:endParaRPr kumimoji="1" lang="ja-JP" altLang="en-US" dirty="0"/>
+          </a:p>
+        </p:txBody>
+      </p:sp>
+      <p:sp>
+        <p:nvSpPr>
+          <p:cNvPr id="37" name="角丸四角形 36"/>
+          <p:cNvSpPr/>
+          <p:nvPr/>
+        </p:nvSpPr>
+        <p:spPr>
+          <a:xfrm>
+            <a:off x="9930766" y="7837692"/>
+            <a:ext cx="3528392" cy="1584176"/>
+          </a:xfrm>
+          <a:prstGeom prst="roundRect">
+            <a:avLst/>
+          </a:prstGeom>
+          <a:noFill/>
+        </p:spPr>
+        <p:style>
+          <a:lnRef idx="2">
+            <a:schemeClr val="accent1">
+              <a:shade val="50000"/>
+            </a:schemeClr>
+          </a:lnRef>
+          <a:fillRef idx="1">
+            <a:schemeClr val="accent1"/>
+          </a:fillRef>
+          <a:effectRef idx="0">
+            <a:schemeClr val="accent1"/>
+          </a:effectRef>
+          <a:fontRef idx="minor">
+            <a:schemeClr val="lt1"/>
+          </a:fontRef>
+        </p:style>
+        <p:txBody>
+          <a:bodyPr rtlCol="0" anchor="ctr"/>
+          <a:lstStyle/>
+          <a:p>
+            <a:pPr algn="ctr"/>
+            <a:r>
+              <a:rPr lang="en-US" altLang="ja-JP" dirty="0" smtClean="0"/>
+              <a:t/>
+            </a:r>
+            <a:br>
+              <a:rPr lang="en-US" altLang="ja-JP" dirty="0" smtClean="0"/>
+            </a:br>
+            <a:endParaRPr kumimoji="1" lang="ja-JP" altLang="en-US" dirty="0"/>
+          </a:p>
+        </p:txBody>
+      </p:sp>
+      <p:sp>
+        <p:nvSpPr>
+          <p:cNvPr id="39" name="正方形/長方形 38"/>
+          <p:cNvSpPr/>
+          <p:nvPr/>
+        </p:nvSpPr>
+        <p:spPr>
+          <a:xfrm>
+            <a:off x="11368042" y="3543926"/>
+            <a:ext cx="716598" cy="238167"/>
+          </a:xfrm>
+          <a:prstGeom prst="rect">
             <a:avLst/>
           </a:prstGeom>
         </p:spPr>
@@ -42154,25 +42587,591 @@
           <a:p>
             <a:pPr algn="ctr"/>
             <a:r>
-              <a:rPr kumimoji="1" lang="ja-JP" altLang="en-US" dirty="0" smtClean="0"/>
-              <a:t>坂道</a:t>
-            </a:r>
-            <a:endParaRPr kumimoji="1" lang="ja-JP" altLang="en-US" dirty="0"/>
+              <a:rPr kumimoji="1" lang="ja-JP" altLang="en-US" sz="1050" dirty="0" smtClean="0"/>
+              <a:t>速度制御</a:t>
+            </a:r>
+            <a:endParaRPr kumimoji="1" lang="ja-JP" altLang="en-US" sz="1050" dirty="0"/>
           </a:p>
         </p:txBody>
       </p:sp>
       <p:sp>
         <p:nvSpPr>
-          <p:cNvPr id="81" name="角丸四角形 80"/>
+          <p:cNvPr id="40" name="テキスト ボックス 39"/>
+          <p:cNvSpPr txBox="1"/>
+          <p:nvPr/>
+        </p:nvSpPr>
+        <p:spPr>
+          <a:xfrm>
+            <a:off x="10107838" y="2825401"/>
+            <a:ext cx="784704" cy="415498"/>
+          </a:xfrm>
+          <a:prstGeom prst="rect">
+            <a:avLst/>
+          </a:prstGeom>
+          <a:noFill/>
+        </p:spPr>
+        <p:txBody>
+          <a:bodyPr wrap="square" rtlCol="0">
+            <a:spAutoFit/>
+          </a:bodyPr>
+          <a:lstStyle/>
+          <a:p>
+            <a:r>
+              <a:rPr lang="ja-JP" altLang="en-US" sz="1050" dirty="0" smtClean="0">
+                <a:latin typeface="+mn-ea"/>
+              </a:rPr>
+              <a:t>坂道区間</a:t>
+            </a:r>
+            <a:r>
+              <a:rPr lang="en-US" altLang="ja-JP" sz="1050" dirty="0" smtClean="0">
+                <a:latin typeface="+mn-ea"/>
+              </a:rPr>
+              <a:t/>
+            </a:r>
+            <a:br>
+              <a:rPr lang="en-US" altLang="ja-JP" sz="1050" dirty="0" smtClean="0">
+                <a:latin typeface="+mn-ea"/>
+              </a:rPr>
+            </a:br>
+            <a:endParaRPr lang="ja-JP" altLang="en-US" sz="1050" dirty="0">
+              <a:latin typeface="+mn-ea"/>
+            </a:endParaRPr>
+          </a:p>
+        </p:txBody>
+      </p:sp>
+      <p:sp>
+        <p:nvSpPr>
+          <p:cNvPr id="41" name="テキスト ボックス 40"/>
+          <p:cNvSpPr txBox="1"/>
+          <p:nvPr/>
+        </p:nvSpPr>
+        <p:spPr>
+          <a:xfrm>
+            <a:off x="10107837" y="3033150"/>
+            <a:ext cx="3237009" cy="577081"/>
+          </a:xfrm>
+          <a:prstGeom prst="rect">
+            <a:avLst/>
+          </a:prstGeom>
+          <a:noFill/>
+        </p:spPr>
+        <p:txBody>
+          <a:bodyPr wrap="square" rtlCol="0">
+            <a:spAutoFit/>
+          </a:bodyPr>
+          <a:lstStyle/>
+          <a:p>
+            <a:r>
+              <a:rPr lang="ja-JP" altLang="en-US" sz="1050" dirty="0" smtClean="0">
+                <a:latin typeface="+mn-ea"/>
+              </a:rPr>
+              <a:t>上り坂と下り坂どちらとも速度制御を実装することにより下り坂時の速度過多による転倒を防ぐ。</a:t>
+            </a:r>
+            <a:r>
+              <a:rPr lang="en-US" altLang="ja-JP" sz="1050" dirty="0" smtClean="0">
+                <a:latin typeface="+mn-ea"/>
+              </a:rPr>
+              <a:t/>
+            </a:r>
+            <a:br>
+              <a:rPr lang="en-US" altLang="ja-JP" sz="1050" dirty="0" smtClean="0">
+                <a:latin typeface="+mn-ea"/>
+              </a:rPr>
+            </a:br>
+            <a:endParaRPr lang="ja-JP" altLang="en-US" sz="1050" dirty="0">
+              <a:latin typeface="+mn-ea"/>
+            </a:endParaRPr>
+          </a:p>
+        </p:txBody>
+      </p:sp>
+      <p:sp>
+        <p:nvSpPr>
+          <p:cNvPr id="42" name="テキスト ボックス 41"/>
+          <p:cNvSpPr txBox="1"/>
+          <p:nvPr/>
+        </p:nvSpPr>
+        <p:spPr>
+          <a:xfrm>
+            <a:off x="10107836" y="4461944"/>
+            <a:ext cx="1143003" cy="415498"/>
+          </a:xfrm>
+          <a:prstGeom prst="rect">
+            <a:avLst/>
+          </a:prstGeom>
+          <a:noFill/>
+        </p:spPr>
+        <p:txBody>
+          <a:bodyPr wrap="square" rtlCol="0">
+            <a:spAutoFit/>
+          </a:bodyPr>
+          <a:lstStyle/>
+          <a:p>
+            <a:r>
+              <a:rPr lang="ja-JP" altLang="en-US" sz="1050" dirty="0" smtClean="0">
+                <a:latin typeface="+mn-ea"/>
+              </a:rPr>
+              <a:t>スタート区間</a:t>
+            </a:r>
+            <a:r>
+              <a:rPr lang="en-US" altLang="ja-JP" sz="1050" dirty="0" smtClean="0">
+                <a:latin typeface="+mn-ea"/>
+              </a:rPr>
+              <a:t/>
+            </a:r>
+            <a:br>
+              <a:rPr lang="en-US" altLang="ja-JP" sz="1050" dirty="0" smtClean="0">
+                <a:latin typeface="+mn-ea"/>
+              </a:rPr>
+            </a:br>
+            <a:endParaRPr lang="ja-JP" altLang="en-US" sz="1050" dirty="0">
+              <a:latin typeface="+mn-ea"/>
+            </a:endParaRPr>
+          </a:p>
+        </p:txBody>
+      </p:sp>
+      <p:sp>
+        <p:nvSpPr>
+          <p:cNvPr id="43" name="テキスト ボックス 42"/>
+          <p:cNvSpPr txBox="1"/>
+          <p:nvPr/>
+        </p:nvSpPr>
+        <p:spPr>
+          <a:xfrm>
+            <a:off x="10107836" y="4669693"/>
+            <a:ext cx="3237009" cy="738664"/>
+          </a:xfrm>
+          <a:prstGeom prst="rect">
+            <a:avLst/>
+          </a:prstGeom>
+          <a:noFill/>
+        </p:spPr>
+        <p:txBody>
+          <a:bodyPr wrap="square" rtlCol="0">
+            <a:spAutoFit/>
+          </a:bodyPr>
+          <a:lstStyle/>
+          <a:p>
+            <a:r>
+              <a:rPr lang="ja-JP" altLang="en-US" sz="1050" dirty="0">
+                <a:latin typeface="+mn-ea"/>
+              </a:rPr>
+              <a:t>完全</a:t>
+            </a:r>
+            <a:r>
+              <a:rPr lang="ja-JP" altLang="en-US" sz="1050" dirty="0" smtClean="0">
+                <a:latin typeface="+mn-ea"/>
+              </a:rPr>
+              <a:t>停止状態から走行状態に移行する際、尻尾の角度を一瞬上げることによって走行体を前かがみにして、スムーズに倒立走行に移る</a:t>
+            </a:r>
+            <a:r>
+              <a:rPr lang="en-US" altLang="ja-JP" sz="1050" dirty="0" smtClean="0">
+                <a:latin typeface="+mn-ea"/>
+              </a:rPr>
+              <a:t/>
+            </a:r>
+            <a:br>
+              <a:rPr lang="en-US" altLang="ja-JP" sz="1050" dirty="0" smtClean="0">
+                <a:latin typeface="+mn-ea"/>
+              </a:rPr>
+            </a:br>
+            <a:endParaRPr lang="ja-JP" altLang="en-US" sz="1050" dirty="0">
+              <a:latin typeface="+mn-ea"/>
+            </a:endParaRPr>
+          </a:p>
+        </p:txBody>
+      </p:sp>
+      <p:pic>
+        <p:nvPicPr>
+          <p:cNvPr id="1029" name="Picture 5"/>
+          <p:cNvPicPr>
+            <a:picLocks noChangeAspect="1" noChangeArrowheads="1"/>
+          </p:cNvPicPr>
+          <p:nvPr/>
+        </p:nvPicPr>
+        <p:blipFill>
+          <a:blip r:embed="rId7" cstate="print">
+            <a:extLst>
+              <a:ext uri="{28A0092B-C50C-407E-A947-70E740481C1C}">
+                <a14:useLocalDpi xmlns:a14="http://schemas.microsoft.com/office/drawing/2010/main" val="0"/>
+              </a:ext>
+            </a:extLst>
+          </a:blip>
+          <a:srcRect/>
+          <a:stretch>
+            <a:fillRect/>
+          </a:stretch>
+        </p:blipFill>
+        <p:spPr bwMode="auto">
+          <a:xfrm>
+            <a:off x="10136022" y="5539316"/>
+            <a:ext cx="3073442" cy="321031"/>
+          </a:xfrm>
+          <a:prstGeom prst="rect">
+            <a:avLst/>
+          </a:prstGeom>
+          <a:noFill/>
+          <a:ln>
+            <a:noFill/>
+          </a:ln>
+          <a:effectLst/>
+          <a:extLst>
+            <a:ext uri="{909E8E84-426E-40DD-AFC4-6F175D3DCCD1}">
+              <a14:hiddenFill xmlns:a14="http://schemas.microsoft.com/office/drawing/2010/main">
+                <a:solidFill>
+                  <a:schemeClr val="accent1"/>
+                </a:solidFill>
+              </a14:hiddenFill>
+            </a:ext>
+            <a:ext uri="{91240B29-F687-4F45-9708-019B960494DF}">
+              <a14:hiddenLine xmlns:a14="http://schemas.microsoft.com/office/drawing/2010/main" w="9525">
+                <a:solidFill>
+                  <a:schemeClr val="tx1"/>
+                </a:solidFill>
+                <a:miter lim="800000"/>
+                <a:headEnd/>
+                <a:tailEnd/>
+              </a14:hiddenLine>
+            </a:ext>
+            <a:ext uri="{AF507438-7753-43E0-B8FC-AC1667EBCBE1}">
+              <a14:hiddenEffects xmlns:a14="http://schemas.microsoft.com/office/drawing/2010/main">
+                <a:effectLst>
+                  <a:outerShdw dist="35921" dir="2700000" algn="ctr" rotWithShape="0">
+                    <a:schemeClr val="bg2"/>
+                  </a:outerShdw>
+                </a:effectLst>
+              </a14:hiddenEffects>
+            </a:ext>
+          </a:extLst>
+        </p:spPr>
+      </p:pic>
+      <p:sp>
+        <p:nvSpPr>
+          <p:cNvPr id="46" name="テキスト ボックス 45"/>
+          <p:cNvSpPr txBox="1"/>
+          <p:nvPr/>
+        </p:nvSpPr>
+        <p:spPr>
+          <a:xfrm>
+            <a:off x="10188534" y="6201145"/>
+            <a:ext cx="1143003" cy="415498"/>
+          </a:xfrm>
+          <a:prstGeom prst="rect">
+            <a:avLst/>
+          </a:prstGeom>
+          <a:noFill/>
+        </p:spPr>
+        <p:txBody>
+          <a:bodyPr wrap="square" rtlCol="0">
+            <a:spAutoFit/>
+          </a:bodyPr>
+          <a:lstStyle/>
+          <a:p>
+            <a:r>
+              <a:rPr lang="ja-JP" altLang="en-US" sz="1050" dirty="0">
+                <a:latin typeface="+mn-ea"/>
+              </a:rPr>
+              <a:t>カーブ</a:t>
+            </a:r>
+            <a:r>
+              <a:rPr lang="ja-JP" altLang="en-US" sz="1050" dirty="0" smtClean="0">
+                <a:latin typeface="+mn-ea"/>
+              </a:rPr>
+              <a:t>区間</a:t>
+            </a:r>
+            <a:r>
+              <a:rPr lang="en-US" altLang="ja-JP" sz="1050" dirty="0" smtClean="0">
+                <a:latin typeface="+mn-ea"/>
+              </a:rPr>
+              <a:t/>
+            </a:r>
+            <a:br>
+              <a:rPr lang="en-US" altLang="ja-JP" sz="1050" dirty="0" smtClean="0">
+                <a:latin typeface="+mn-ea"/>
+              </a:rPr>
+            </a:br>
+            <a:endParaRPr lang="ja-JP" altLang="en-US" sz="1050" dirty="0">
+              <a:latin typeface="+mn-ea"/>
+            </a:endParaRPr>
+          </a:p>
+        </p:txBody>
+      </p:sp>
+      <p:sp>
+        <p:nvSpPr>
+          <p:cNvPr id="47" name="テキスト ボックス 46"/>
+          <p:cNvSpPr txBox="1"/>
+          <p:nvPr/>
+        </p:nvSpPr>
+        <p:spPr>
+          <a:xfrm>
+            <a:off x="10136022" y="6351867"/>
+            <a:ext cx="3237009" cy="738664"/>
+          </a:xfrm>
+          <a:prstGeom prst="rect">
+            <a:avLst/>
+          </a:prstGeom>
+          <a:noFill/>
+        </p:spPr>
+        <p:txBody>
+          <a:bodyPr wrap="square" rtlCol="0">
+            <a:spAutoFit/>
+          </a:bodyPr>
+          <a:lstStyle/>
+          <a:p>
+            <a:r>
+              <a:rPr lang="ja-JP" altLang="en-US" sz="1050" dirty="0" smtClean="0">
+                <a:latin typeface="+mn-ea"/>
+              </a:rPr>
+              <a:t>カーブを入ったことを検知、その後突入したカーブに対応した曲率半径の</a:t>
+            </a:r>
+            <a:r>
+              <a:rPr lang="en-US" altLang="ja-JP" sz="1050" dirty="0" smtClean="0">
+                <a:latin typeface="+mn-ea"/>
+              </a:rPr>
+              <a:t>PID</a:t>
+            </a:r>
+            <a:r>
+              <a:rPr lang="ja-JP" altLang="en-US" sz="1050" dirty="0" smtClean="0">
+                <a:latin typeface="+mn-ea"/>
+              </a:rPr>
+              <a:t>制御をかけることでカーブでの無駄のないライントレースを実現</a:t>
+            </a:r>
+            <a:r>
+              <a:rPr lang="en-US" altLang="ja-JP" sz="1050" dirty="0" smtClean="0">
+                <a:latin typeface="+mn-ea"/>
+              </a:rPr>
+              <a:t/>
+            </a:r>
+            <a:br>
+              <a:rPr lang="en-US" altLang="ja-JP" sz="1050" dirty="0" smtClean="0">
+                <a:latin typeface="+mn-ea"/>
+              </a:rPr>
+            </a:br>
+            <a:endParaRPr lang="ja-JP" altLang="en-US" sz="1050" dirty="0">
+              <a:latin typeface="+mn-ea"/>
+            </a:endParaRPr>
+          </a:p>
+        </p:txBody>
+      </p:sp>
+      <p:sp>
+        <p:nvSpPr>
+          <p:cNvPr id="10" name="角丸四角形吹き出し 9"/>
           <p:cNvSpPr/>
           <p:nvPr/>
         </p:nvSpPr>
         <p:spPr>
           <a:xfrm>
-            <a:off x="9946117" y="4552821"/>
-            <a:ext cx="3528392" cy="1584176"/>
+            <a:off x="10014674" y="3560368"/>
+            <a:ext cx="1119237" cy="221725"/>
           </a:xfrm>
-          <a:prstGeom prst="roundRect">
+          <a:prstGeom prst="wedgeRoundRectCallout">
+            <a:avLst>
+              <a:gd name="adj1" fmla="val -11614"/>
+              <a:gd name="adj2" fmla="val 115361"/>
+              <a:gd name="adj3" fmla="val 16667"/>
+            </a:avLst>
+          </a:prstGeom>
+        </p:spPr>
+        <p:style>
+          <a:lnRef idx="2">
+            <a:schemeClr val="accent1">
+              <a:shade val="50000"/>
+            </a:schemeClr>
+          </a:lnRef>
+          <a:fillRef idx="1">
+            <a:schemeClr val="accent1"/>
+          </a:fillRef>
+          <a:effectRef idx="0">
+            <a:schemeClr val="accent1"/>
+          </a:effectRef>
+          <a:fontRef idx="minor">
+            <a:schemeClr val="lt1"/>
+          </a:fontRef>
+        </p:style>
+        <p:txBody>
+          <a:bodyPr rtlCol="0" anchor="ctr"/>
+          <a:lstStyle/>
+          <a:p>
+            <a:pPr algn="ctr"/>
+            <a:r>
+              <a:rPr lang="ja-JP" altLang="en-US" sz="1050" dirty="0" smtClean="0"/>
+              <a:t>ストレート後</a:t>
+            </a:r>
+            <a:endParaRPr kumimoji="1" lang="ja-JP" altLang="en-US" sz="1050" dirty="0"/>
+          </a:p>
+        </p:txBody>
+      </p:sp>
+      <p:sp>
+        <p:nvSpPr>
+          <p:cNvPr id="50" name="角丸四角形吹き出し 49"/>
+          <p:cNvSpPr/>
+          <p:nvPr/>
+        </p:nvSpPr>
+        <p:spPr>
+          <a:xfrm>
+            <a:off x="9990907" y="5242612"/>
+            <a:ext cx="1143004" cy="221725"/>
+          </a:xfrm>
+          <a:prstGeom prst="wedgeRoundRectCallout">
+            <a:avLst>
+              <a:gd name="adj1" fmla="val -26852"/>
+              <a:gd name="adj2" fmla="val 102269"/>
+              <a:gd name="adj3" fmla="val 16667"/>
+            </a:avLst>
+          </a:prstGeom>
+        </p:spPr>
+        <p:style>
+          <a:lnRef idx="2">
+            <a:schemeClr val="accent1">
+              <a:shade val="50000"/>
+            </a:schemeClr>
+          </a:lnRef>
+          <a:fillRef idx="1">
+            <a:schemeClr val="accent1"/>
+          </a:fillRef>
+          <a:effectRef idx="0">
+            <a:schemeClr val="accent1"/>
+          </a:effectRef>
+          <a:fontRef idx="minor">
+            <a:schemeClr val="lt1"/>
+          </a:fontRef>
+        </p:style>
+        <p:txBody>
+          <a:bodyPr rtlCol="0" anchor="ctr"/>
+          <a:lstStyle/>
+          <a:p>
+            <a:pPr algn="ctr"/>
+            <a:r>
+              <a:rPr lang="ja-JP" altLang="en-US" sz="1050" dirty="0" smtClean="0"/>
+              <a:t>完全停止状態</a:t>
+            </a:r>
+            <a:endParaRPr kumimoji="1" lang="ja-JP" altLang="en-US" sz="1050" dirty="0"/>
+          </a:p>
+        </p:txBody>
+      </p:sp>
+      <p:pic>
+        <p:nvPicPr>
+          <p:cNvPr id="1030" name="Picture 6"/>
+          <p:cNvPicPr>
+            <a:picLocks noChangeAspect="1" noChangeArrowheads="1"/>
+          </p:cNvPicPr>
+          <p:nvPr/>
+        </p:nvPicPr>
+        <p:blipFill>
+          <a:blip r:embed="rId8">
+            <a:extLst>
+              <a:ext uri="{28A0092B-C50C-407E-A947-70E740481C1C}">
+                <a14:useLocalDpi xmlns:a14="http://schemas.microsoft.com/office/drawing/2010/main" val="0"/>
+              </a:ext>
+            </a:extLst>
+          </a:blip>
+          <a:srcRect/>
+          <a:stretch>
+            <a:fillRect/>
+          </a:stretch>
+        </p:blipFill>
+        <p:spPr bwMode="auto">
+          <a:xfrm>
+            <a:off x="10268139" y="7257634"/>
+            <a:ext cx="2838450" cy="371475"/>
+          </a:xfrm>
+          <a:prstGeom prst="rect">
+            <a:avLst/>
+          </a:prstGeom>
+          <a:noFill/>
+          <a:ln>
+            <a:noFill/>
+          </a:ln>
+          <a:effectLst/>
+          <a:extLst>
+            <a:ext uri="{909E8E84-426E-40DD-AFC4-6F175D3DCCD1}">
+              <a14:hiddenFill xmlns:a14="http://schemas.microsoft.com/office/drawing/2010/main">
+                <a:solidFill>
+                  <a:schemeClr val="accent1"/>
+                </a:solidFill>
+              </a14:hiddenFill>
+            </a:ext>
+            <a:ext uri="{91240B29-F687-4F45-9708-019B960494DF}">
+              <a14:hiddenLine xmlns:a14="http://schemas.microsoft.com/office/drawing/2010/main" w="9525">
+                <a:solidFill>
+                  <a:schemeClr val="tx1"/>
+                </a:solidFill>
+                <a:miter lim="800000"/>
+                <a:headEnd/>
+                <a:tailEnd/>
+              </a14:hiddenLine>
+            </a:ext>
+            <a:ext uri="{AF507438-7753-43E0-B8FC-AC1667EBCBE1}">
+              <a14:hiddenEffects xmlns:a14="http://schemas.microsoft.com/office/drawing/2010/main">
+                <a:effectLst>
+                  <a:outerShdw dist="35921" dir="2700000" algn="ctr" rotWithShape="0">
+                    <a:schemeClr val="bg2"/>
+                  </a:outerShdw>
+                </a:effectLst>
+              </a14:hiddenEffects>
+            </a:ext>
+          </a:extLst>
+        </p:spPr>
+      </p:pic>
+      <p:sp>
+        <p:nvSpPr>
+          <p:cNvPr id="53" name="角丸四角形吹き出し 52"/>
+          <p:cNvSpPr/>
+          <p:nvPr/>
+        </p:nvSpPr>
+        <p:spPr>
+          <a:xfrm>
+            <a:off x="10107835" y="6979669"/>
+            <a:ext cx="1143004" cy="221725"/>
+          </a:xfrm>
+          <a:prstGeom prst="wedgeRoundRectCallout">
+            <a:avLst>
+              <a:gd name="adj1" fmla="val -26852"/>
+              <a:gd name="adj2" fmla="val 102269"/>
+              <a:gd name="adj3" fmla="val 16667"/>
+            </a:avLst>
+          </a:prstGeom>
+        </p:spPr>
+        <p:style>
+          <a:lnRef idx="2">
+            <a:schemeClr val="accent1">
+              <a:shade val="50000"/>
+            </a:schemeClr>
+          </a:lnRef>
+          <a:fillRef idx="1">
+            <a:schemeClr val="accent1"/>
+          </a:fillRef>
+          <a:effectRef idx="0">
+            <a:schemeClr val="accent1"/>
+          </a:effectRef>
+          <a:fontRef idx="minor">
+            <a:schemeClr val="lt1"/>
+          </a:fontRef>
+        </p:style>
+        <p:txBody>
+          <a:bodyPr rtlCol="0" anchor="ctr"/>
+          <a:lstStyle/>
+          <a:p>
+            <a:pPr algn="ctr"/>
+            <a:r>
+              <a:rPr kumimoji="1" lang="ja-JP" altLang="en-US" sz="1050" dirty="0" smtClean="0"/>
+              <a:t>前の区間終了</a:t>
+            </a:r>
+            <a:endParaRPr kumimoji="1" lang="ja-JP" altLang="en-US" sz="1050" dirty="0"/>
+          </a:p>
+        </p:txBody>
+      </p:sp>
+      <p:sp>
+        <p:nvSpPr>
+          <p:cNvPr id="54" name="正方形/長方形 53"/>
+          <p:cNvSpPr/>
+          <p:nvPr/>
+        </p:nvSpPr>
+        <p:spPr>
+          <a:xfrm>
+            <a:off x="11368041" y="7000136"/>
+            <a:ext cx="968693" cy="201258"/>
+          </a:xfrm>
+          <a:prstGeom prst="rect">
             <a:avLst/>
           </a:prstGeom>
         </p:spPr>
@@ -42198,25 +43197,259 @@
           <a:p>
             <a:pPr algn="ctr"/>
             <a:r>
-              <a:rPr kumimoji="1" lang="ja-JP" altLang="en-US" dirty="0" smtClean="0"/>
-              <a:t>カーブ</a:t>
-            </a:r>
-            <a:endParaRPr kumimoji="1" lang="ja-JP" altLang="en-US" dirty="0"/>
+              <a:rPr lang="ja-JP" altLang="en-US" sz="1050" dirty="0" smtClean="0"/>
+              <a:t>曲率</a:t>
+            </a:r>
+            <a:r>
+              <a:rPr lang="en-US" altLang="ja-JP" sz="1050" dirty="0" smtClean="0"/>
+              <a:t>PID</a:t>
+            </a:r>
+            <a:r>
+              <a:rPr lang="ja-JP" altLang="en-US" sz="1050" dirty="0" smtClean="0"/>
+              <a:t>制御</a:t>
+            </a:r>
+            <a:endParaRPr kumimoji="1" lang="ja-JP" altLang="en-US" sz="1050" dirty="0"/>
           </a:p>
         </p:txBody>
       </p:sp>
       <p:sp>
         <p:nvSpPr>
-          <p:cNvPr id="82" name="角丸四角形 81"/>
+          <p:cNvPr id="55" name="テキスト ボックス 54"/>
+          <p:cNvSpPr txBox="1"/>
+          <p:nvPr/>
+        </p:nvSpPr>
+        <p:spPr>
+          <a:xfrm>
+            <a:off x="10225039" y="7861330"/>
+            <a:ext cx="1143003" cy="415498"/>
+          </a:xfrm>
+          <a:prstGeom prst="rect">
+            <a:avLst/>
+          </a:prstGeom>
+          <a:noFill/>
+        </p:spPr>
+        <p:txBody>
+          <a:bodyPr wrap="square" rtlCol="0">
+            <a:spAutoFit/>
+          </a:bodyPr>
+          <a:lstStyle/>
+          <a:p>
+            <a:r>
+              <a:rPr lang="ja-JP" altLang="en-US" sz="1050" dirty="0" smtClean="0">
+                <a:latin typeface="+mn-ea"/>
+              </a:rPr>
+              <a:t>ストレート区間</a:t>
+            </a:r>
+            <a:r>
+              <a:rPr lang="en-US" altLang="ja-JP" sz="1050" dirty="0" smtClean="0">
+                <a:latin typeface="+mn-ea"/>
+              </a:rPr>
+              <a:t/>
+            </a:r>
+            <a:br>
+              <a:rPr lang="en-US" altLang="ja-JP" sz="1050" dirty="0" smtClean="0">
+                <a:latin typeface="+mn-ea"/>
+              </a:rPr>
+            </a:br>
+            <a:endParaRPr lang="ja-JP" altLang="en-US" sz="1050" dirty="0">
+              <a:latin typeface="+mn-ea"/>
+            </a:endParaRPr>
+          </a:p>
+        </p:txBody>
+      </p:sp>
+      <p:sp>
+        <p:nvSpPr>
+          <p:cNvPr id="58" name="テキスト ボックス 57"/>
+          <p:cNvSpPr txBox="1"/>
+          <p:nvPr/>
+        </p:nvSpPr>
+        <p:spPr>
+          <a:xfrm>
+            <a:off x="10188534" y="8069079"/>
+            <a:ext cx="3237009" cy="577081"/>
+          </a:xfrm>
+          <a:prstGeom prst="rect">
+            <a:avLst/>
+          </a:prstGeom>
+          <a:noFill/>
+        </p:spPr>
+        <p:txBody>
+          <a:bodyPr wrap="square" rtlCol="0">
+            <a:spAutoFit/>
+          </a:bodyPr>
+          <a:lstStyle/>
+          <a:p>
+            <a:r>
+              <a:rPr lang="ja-JP" altLang="en-US" sz="1050" dirty="0" smtClean="0">
+                <a:latin typeface="+mn-ea"/>
+              </a:rPr>
+              <a:t>輝度</a:t>
+            </a:r>
+            <a:r>
+              <a:rPr lang="en-US" altLang="ja-JP" sz="1050" dirty="0" smtClean="0">
+                <a:latin typeface="+mn-ea"/>
+              </a:rPr>
+              <a:t>PID</a:t>
+            </a:r>
+            <a:r>
+              <a:rPr lang="ja-JP" altLang="en-US" sz="1050" dirty="0" smtClean="0">
+                <a:latin typeface="+mn-ea"/>
+              </a:rPr>
+              <a:t>制御はもちろん、曲率半径を</a:t>
+            </a:r>
+            <a:r>
+              <a:rPr lang="en-US" altLang="ja-JP" sz="1050" dirty="0" smtClean="0">
+                <a:latin typeface="+mn-ea"/>
+              </a:rPr>
+              <a:t>0</a:t>
+            </a:r>
+            <a:r>
+              <a:rPr lang="ja-JP" altLang="en-US" sz="1050" dirty="0" smtClean="0">
+                <a:latin typeface="+mn-ea"/>
+              </a:rPr>
+              <a:t>にすることによって安定して直進することができる。</a:t>
+            </a:r>
+            <a:r>
+              <a:rPr lang="en-US" altLang="ja-JP" sz="1050" dirty="0" smtClean="0">
+                <a:latin typeface="+mn-ea"/>
+              </a:rPr>
+              <a:t/>
+            </a:r>
+            <a:br>
+              <a:rPr lang="en-US" altLang="ja-JP" sz="1050" dirty="0" smtClean="0">
+                <a:latin typeface="+mn-ea"/>
+              </a:rPr>
+            </a:br>
+            <a:endParaRPr lang="ja-JP" altLang="en-US" sz="1050" dirty="0">
+              <a:latin typeface="+mn-ea"/>
+            </a:endParaRPr>
+          </a:p>
+        </p:txBody>
+      </p:sp>
+      <p:pic>
+        <p:nvPicPr>
+          <p:cNvPr id="1031" name="Picture 7"/>
+          <p:cNvPicPr>
+            <a:picLocks noChangeAspect="1" noChangeArrowheads="1"/>
+          </p:cNvPicPr>
+          <p:nvPr/>
+        </p:nvPicPr>
+        <p:blipFill>
+          <a:blip r:embed="rId9">
+            <a:extLst>
+              <a:ext uri="{28A0092B-C50C-407E-A947-70E740481C1C}">
+                <a14:useLocalDpi xmlns:a14="http://schemas.microsoft.com/office/drawing/2010/main" val="0"/>
+              </a:ext>
+            </a:extLst>
+          </a:blip>
+          <a:srcRect/>
+          <a:stretch>
+            <a:fillRect/>
+          </a:stretch>
+        </p:blipFill>
+        <p:spPr bwMode="auto">
+          <a:xfrm>
+            <a:off x="10199685" y="8773968"/>
+            <a:ext cx="2417482" cy="581987"/>
+          </a:xfrm>
+          <a:prstGeom prst="rect">
+            <a:avLst/>
+          </a:prstGeom>
+          <a:noFill/>
+          <a:ln>
+            <a:noFill/>
+          </a:ln>
+          <a:effectLst/>
+          <a:extLst>
+            <a:ext uri="{909E8E84-426E-40DD-AFC4-6F175D3DCCD1}">
+              <a14:hiddenFill xmlns:a14="http://schemas.microsoft.com/office/drawing/2010/main">
+                <a:solidFill>
+                  <a:schemeClr val="accent1"/>
+                </a:solidFill>
+              </a14:hiddenFill>
+            </a:ext>
+            <a:ext uri="{91240B29-F687-4F45-9708-019B960494DF}">
+              <a14:hiddenLine xmlns:a14="http://schemas.microsoft.com/office/drawing/2010/main" w="9525">
+                <a:solidFill>
+                  <a:schemeClr val="tx1"/>
+                </a:solidFill>
+                <a:miter lim="800000"/>
+                <a:headEnd/>
+                <a:tailEnd/>
+              </a14:hiddenLine>
+            </a:ext>
+            <a:ext uri="{AF507438-7753-43E0-B8FC-AC1667EBCBE1}">
+              <a14:hiddenEffects xmlns:a14="http://schemas.microsoft.com/office/drawing/2010/main">
+                <a:effectLst>
+                  <a:outerShdw dist="35921" dir="2700000" algn="ctr" rotWithShape="0">
+                    <a:schemeClr val="bg2"/>
+                  </a:outerShdw>
+                </a:effectLst>
+              </a14:hiddenEffects>
+            </a:ext>
+          </a:extLst>
+        </p:spPr>
+      </p:pic>
+      <p:sp>
+        <p:nvSpPr>
+          <p:cNvPr id="59" name="角丸四角形吹き出し 58"/>
           <p:cNvSpPr/>
           <p:nvPr/>
         </p:nvSpPr>
         <p:spPr>
           <a:xfrm>
-            <a:off x="9946117" y="6253516"/>
-            <a:ext cx="3528392" cy="1584176"/>
+            <a:off x="10107838" y="8586018"/>
+            <a:ext cx="1143004" cy="221725"/>
           </a:xfrm>
-          <a:prstGeom prst="roundRect">
+          <a:prstGeom prst="wedgeRoundRectCallout">
+            <a:avLst>
+              <a:gd name="adj1" fmla="val -26852"/>
+              <a:gd name="adj2" fmla="val 102269"/>
+              <a:gd name="adj3" fmla="val 16667"/>
+            </a:avLst>
+          </a:prstGeom>
+        </p:spPr>
+        <p:style>
+          <a:lnRef idx="2">
+            <a:schemeClr val="accent1">
+              <a:shade val="50000"/>
+            </a:schemeClr>
+          </a:lnRef>
+          <a:fillRef idx="1">
+            <a:schemeClr val="accent1"/>
+          </a:fillRef>
+          <a:effectRef idx="0">
+            <a:schemeClr val="accent1"/>
+          </a:effectRef>
+          <a:fontRef idx="minor">
+            <a:schemeClr val="lt1"/>
+          </a:fontRef>
+        </p:style>
+        <p:txBody>
+          <a:bodyPr rtlCol="0" anchor="ctr"/>
+          <a:lstStyle/>
+          <a:p>
+            <a:pPr algn="ctr"/>
+            <a:r>
+              <a:rPr lang="ja-JP" altLang="en-US" sz="1050" dirty="0" smtClean="0"/>
+              <a:t>ストレート検知</a:t>
+            </a:r>
+            <a:endParaRPr lang="en-US" altLang="ja-JP" sz="1050" dirty="0" smtClean="0"/>
+          </a:p>
+        </p:txBody>
+      </p:sp>
+      <p:sp>
+        <p:nvSpPr>
+          <p:cNvPr id="60" name="正方形/長方形 59"/>
+          <p:cNvSpPr/>
+          <p:nvPr/>
+        </p:nvSpPr>
+        <p:spPr>
+          <a:xfrm>
+            <a:off x="11333229" y="8586017"/>
+            <a:ext cx="1003505" cy="187951"/>
+          </a:xfrm>
+          <a:prstGeom prst="rect">
             <a:avLst/>
           </a:prstGeom>
         </p:spPr>
@@ -42242,25 +43475,33 @@
           <a:p>
             <a:pPr algn="ctr"/>
             <a:r>
-              <a:rPr kumimoji="1" lang="ja-JP" altLang="en-US" dirty="0" smtClean="0"/>
-              <a:t>スタート</a:t>
-            </a:r>
-            <a:endParaRPr kumimoji="1" lang="ja-JP" altLang="en-US" dirty="0"/>
+              <a:rPr lang="ja-JP" altLang="en-US" sz="1050" dirty="0" smtClean="0"/>
+              <a:t>曲率</a:t>
+            </a:r>
+            <a:r>
+              <a:rPr lang="en-US" altLang="ja-JP" sz="1050" dirty="0" smtClean="0"/>
+              <a:t>PID</a:t>
+            </a:r>
+            <a:r>
+              <a:rPr lang="ja-JP" altLang="en-US" sz="1050" dirty="0" smtClean="0"/>
+              <a:t>制御</a:t>
+            </a:r>
+            <a:endParaRPr kumimoji="1" lang="ja-JP" altLang="en-US" sz="1050" dirty="0"/>
           </a:p>
         </p:txBody>
       </p:sp>
       <p:sp>
         <p:nvSpPr>
-          <p:cNvPr id="83" name="角丸四角形 82"/>
+          <p:cNvPr id="61" name="正方形/長方形 60"/>
           <p:cNvSpPr/>
           <p:nvPr/>
         </p:nvSpPr>
         <p:spPr>
           <a:xfrm>
-            <a:off x="9946117" y="7968951"/>
-            <a:ext cx="3528392" cy="1470067"/>
+            <a:off x="12404338" y="8601252"/>
+            <a:ext cx="968693" cy="201258"/>
           </a:xfrm>
-          <a:prstGeom prst="roundRect">
+          <a:prstGeom prst="rect">
             <a:avLst/>
           </a:prstGeom>
         </p:spPr>
@@ -42286,73 +43527,36 @@
           <a:p>
             <a:pPr algn="ctr"/>
             <a:r>
-              <a:rPr kumimoji="1" lang="ja-JP" altLang="en-US" dirty="0" smtClean="0"/>
-              <a:t>ストレート</a:t>
-            </a:r>
-            <a:endParaRPr kumimoji="1" lang="ja-JP" altLang="en-US" dirty="0"/>
+              <a:rPr kumimoji="1" lang="ja-JP" altLang="en-US" sz="1050" dirty="0" smtClean="0"/>
+              <a:t>輝度</a:t>
+            </a:r>
+            <a:r>
+              <a:rPr kumimoji="1" lang="en-US" altLang="ja-JP" sz="1050" dirty="0" smtClean="0"/>
+              <a:t>PID</a:t>
+            </a:r>
+            <a:r>
+              <a:rPr kumimoji="1" lang="ja-JP" altLang="en-US" sz="1050" dirty="0" smtClean="0"/>
+              <a:t>制御</a:t>
+            </a:r>
+            <a:endParaRPr kumimoji="1" lang="en-US" altLang="ja-JP" sz="1050" dirty="0" smtClean="0"/>
           </a:p>
         </p:txBody>
       </p:sp>
       <p:sp>
         <p:nvSpPr>
-          <p:cNvPr id="84" name="テキスト ボックス 83"/>
-          <p:cNvSpPr txBox="1"/>
-          <p:nvPr/>
-        </p:nvSpPr>
-        <p:spPr>
-          <a:xfrm>
-            <a:off x="4895677" y="6467284"/>
-            <a:ext cx="4848770" cy="415498"/>
-          </a:xfrm>
-          <a:prstGeom prst="rect">
-            <a:avLst/>
-          </a:prstGeom>
-          <a:noFill/>
-        </p:spPr>
-        <p:txBody>
-          <a:bodyPr wrap="square" rtlCol="0">
-            <a:spAutoFit/>
-          </a:bodyPr>
-          <a:lstStyle/>
-          <a:p>
-            <a:r>
-              <a:rPr lang="ja-JP" altLang="en-US" sz="1050" dirty="0" smtClean="0">
-                <a:latin typeface="+mn-ea"/>
-              </a:rPr>
-              <a:t>速さと実際にはなんなのかと考えた結果、</a:t>
-            </a:r>
-            <a:r>
-              <a:rPr lang="ja-JP" altLang="en-US" sz="1050" b="1" dirty="0" smtClean="0">
-                <a:latin typeface="+mn-ea"/>
-              </a:rPr>
-              <a:t>無駄のない走り</a:t>
-            </a:r>
-            <a:r>
-              <a:rPr lang="ja-JP" altLang="en-US" sz="1050" dirty="0" smtClean="0">
-                <a:latin typeface="+mn-ea"/>
-              </a:rPr>
-              <a:t>ということに決定しました。</a:t>
-            </a:r>
-            <a:endParaRPr lang="ja-JP" altLang="en-US" sz="1050" dirty="0">
-              <a:latin typeface="+mn-ea"/>
-            </a:endParaRPr>
-          </a:p>
-        </p:txBody>
-      </p:sp>
-      <p:sp>
-        <p:nvSpPr>
-          <p:cNvPr id="4" name="下矢印 3"/>
+          <p:cNvPr id="12" name="円/楕円 11"/>
           <p:cNvSpPr/>
           <p:nvPr/>
         </p:nvSpPr>
         <p:spPr>
-          <a:xfrm>
-            <a:off x="5876588" y="6882782"/>
-            <a:ext cx="411475" cy="366090"/>
+          <a:xfrm rot="16200000">
+            <a:off x="4594591" y="4681714"/>
+            <a:ext cx="1228288" cy="360520"/>
           </a:xfrm>
-          <a:prstGeom prst="downArrow">
+          <a:prstGeom prst="ellipse">
             <a:avLst/>
           </a:prstGeom>
+          <a:noFill/>
         </p:spPr>
         <p:style>
           <a:lnRef idx="2">
@@ -42381,18 +43585,19 @@
       </p:sp>
       <p:sp>
         <p:nvSpPr>
-          <p:cNvPr id="5" name="円/楕円 4"/>
+          <p:cNvPr id="62" name="円/楕円 61"/>
           <p:cNvSpPr/>
           <p:nvPr/>
         </p:nvSpPr>
         <p:spPr>
           <a:xfrm>
-            <a:off x="6792118" y="6760880"/>
-            <a:ext cx="2592289" cy="487992"/>
+            <a:off x="6216055" y="3289632"/>
+            <a:ext cx="1656184" cy="360520"/>
           </a:xfrm>
           <a:prstGeom prst="ellipse">
             <a:avLst/>
           </a:prstGeom>
+          <a:noFill/>
         </p:spPr>
         <p:style>
           <a:lnRef idx="2">
@@ -42415,54 +43620,228 @@
           <a:lstStyle/>
           <a:p>
             <a:pPr algn="ctr"/>
-            <a:r>
-              <a:rPr kumimoji="1" lang="ja-JP" altLang="en-US" sz="1400" dirty="0" smtClean="0"/>
-              <a:t>そもそも無駄とは</a:t>
-            </a:r>
-            <a:endParaRPr kumimoji="1" lang="ja-JP" altLang="en-US" sz="1400" dirty="0"/>
+            <a:endParaRPr kumimoji="1" lang="ja-JP" altLang="en-US"/>
           </a:p>
         </p:txBody>
       </p:sp>
       <p:sp>
         <p:nvSpPr>
-          <p:cNvPr id="22" name="テキスト ボックス 21"/>
-          <p:cNvSpPr txBox="1"/>
+          <p:cNvPr id="63" name="円/楕円 62"/>
+          <p:cNvSpPr/>
+          <p:nvPr/>
+        </p:nvSpPr>
+        <p:spPr>
+          <a:xfrm rot="18536760">
+            <a:off x="4938511" y="3581624"/>
+            <a:ext cx="958256" cy="360520"/>
+          </a:xfrm>
+          <a:prstGeom prst="ellipse">
+            <a:avLst/>
+          </a:prstGeom>
+          <a:noFill/>
+        </p:spPr>
+        <p:style>
+          <a:lnRef idx="2">
+            <a:schemeClr val="accent1">
+              <a:shade val="50000"/>
+            </a:schemeClr>
+          </a:lnRef>
+          <a:fillRef idx="1">
+            <a:schemeClr val="accent1"/>
+          </a:fillRef>
+          <a:effectRef idx="0">
+            <a:schemeClr val="accent1"/>
+          </a:effectRef>
+          <a:fontRef idx="minor">
+            <a:schemeClr val="lt1"/>
+          </a:fontRef>
+        </p:style>
+        <p:txBody>
+          <a:bodyPr rtlCol="0" anchor="ctr"/>
+          <a:lstStyle/>
+          <a:p>
+            <a:pPr algn="ctr"/>
+            <a:endParaRPr kumimoji="1" lang="ja-JP" altLang="en-US"/>
+          </a:p>
+        </p:txBody>
+      </p:sp>
+      <p:sp>
+        <p:nvSpPr>
+          <p:cNvPr id="64" name="円/楕円 63"/>
+          <p:cNvSpPr/>
           <p:nvPr/>
         </p:nvSpPr>
         <p:spPr>
           <a:xfrm>
-            <a:off x="5015806" y="7248872"/>
-            <a:ext cx="4848770" cy="253916"/>
+            <a:off x="8317719" y="3290610"/>
+            <a:ext cx="1392760" cy="360520"/>
           </a:xfrm>
-          <a:prstGeom prst="rect">
+          <a:prstGeom prst="ellipse">
             <a:avLst/>
           </a:prstGeom>
           <a:noFill/>
         </p:spPr>
+        <p:style>
+          <a:lnRef idx="2">
+            <a:schemeClr val="accent1">
+              <a:shade val="50000"/>
+            </a:schemeClr>
+          </a:lnRef>
+          <a:fillRef idx="1">
+            <a:schemeClr val="accent1"/>
+          </a:fillRef>
+          <a:effectRef idx="0">
+            <a:schemeClr val="accent1"/>
+          </a:effectRef>
+          <a:fontRef idx="minor">
+            <a:schemeClr val="lt1"/>
+          </a:fontRef>
+        </p:style>
         <p:txBody>
-          <a:bodyPr wrap="square" rtlCol="0">
-            <a:spAutoFit/>
-          </a:bodyPr>
+          <a:bodyPr rtlCol="0" anchor="ctr"/>
           <a:lstStyle/>
           <a:p>
-            <a:r>
-              <a:rPr lang="ja-JP" altLang="en-US" sz="1050" dirty="0" smtClean="0">
-                <a:latin typeface="+mn-ea"/>
-              </a:rPr>
-              <a:t>私たちが考える無駄とはコースの形状の違い</a:t>
-            </a:r>
-            <a:r>
-              <a:rPr lang="ja-JP" altLang="en-US" sz="1050" smtClean="0">
-                <a:latin typeface="+mn-ea"/>
-              </a:rPr>
-              <a:t>による</a:t>
-            </a:r>
-            <a:endParaRPr lang="ja-JP" altLang="en-US" sz="1050" dirty="0">
-              <a:latin typeface="+mn-ea"/>
-            </a:endParaRPr>
+            <a:pPr algn="ctr"/>
+            <a:endParaRPr kumimoji="1" lang="ja-JP" altLang="en-US"/>
           </a:p>
         </p:txBody>
       </p:sp>
+      <p:cxnSp>
+        <p:nvCxnSpPr>
+          <p:cNvPr id="14" name="直線矢印コネクタ 13"/>
+          <p:cNvCxnSpPr/>
+          <p:nvPr/>
+        </p:nvCxnSpPr>
+        <p:spPr>
+          <a:xfrm flipV="1">
+            <a:off x="7440191" y="3033150"/>
+            <a:ext cx="2482977" cy="242788"/>
+          </a:xfrm>
+          <a:prstGeom prst="straightConnector1">
+            <a:avLst/>
+          </a:prstGeom>
+          <a:ln>
+            <a:tailEnd type="arrow"/>
+          </a:ln>
+        </p:spPr>
+        <p:style>
+          <a:lnRef idx="1">
+            <a:schemeClr val="accent1"/>
+          </a:lnRef>
+          <a:fillRef idx="0">
+            <a:schemeClr val="accent1"/>
+          </a:fillRef>
+          <a:effectRef idx="0">
+            <a:schemeClr val="accent1"/>
+          </a:effectRef>
+          <a:fontRef idx="minor">
+            <a:schemeClr val="tx1"/>
+          </a:fontRef>
+        </p:style>
+      </p:cxnSp>
+      <p:cxnSp>
+        <p:nvCxnSpPr>
+          <p:cNvPr id="16" name="直線矢印コネクタ 15"/>
+          <p:cNvCxnSpPr>
+            <a:endCxn id="42" idx="1"/>
+          </p:cNvCxnSpPr>
+          <p:nvPr/>
+        </p:nvCxnSpPr>
+        <p:spPr>
+          <a:xfrm>
+            <a:off x="9240391" y="3663009"/>
+            <a:ext cx="867445" cy="1006684"/>
+          </a:xfrm>
+          <a:prstGeom prst="straightConnector1">
+            <a:avLst/>
+          </a:prstGeom>
+          <a:ln>
+            <a:tailEnd type="arrow"/>
+          </a:ln>
+        </p:spPr>
+        <p:style>
+          <a:lnRef idx="1">
+            <a:schemeClr val="accent1"/>
+          </a:lnRef>
+          <a:fillRef idx="0">
+            <a:schemeClr val="accent1"/>
+          </a:fillRef>
+          <a:effectRef idx="0">
+            <a:schemeClr val="accent1"/>
+          </a:effectRef>
+          <a:fontRef idx="minor">
+            <a:schemeClr val="tx1"/>
+          </a:fontRef>
+        </p:style>
+      </p:cxnSp>
+      <p:cxnSp>
+        <p:nvCxnSpPr>
+          <p:cNvPr id="18" name="直線矢印コネクタ 17"/>
+          <p:cNvCxnSpPr>
+            <a:stCxn id="63" idx="4"/>
+          </p:cNvCxnSpPr>
+          <p:nvPr/>
+        </p:nvCxnSpPr>
+        <p:spPr>
+          <a:xfrm>
+            <a:off x="5557834" y="3875193"/>
+            <a:ext cx="4456840" cy="2538972"/>
+          </a:xfrm>
+          <a:prstGeom prst="straightConnector1">
+            <a:avLst/>
+          </a:prstGeom>
+          <a:ln>
+            <a:tailEnd type="arrow"/>
+          </a:ln>
+        </p:spPr>
+        <p:style>
+          <a:lnRef idx="1">
+            <a:schemeClr val="accent1"/>
+          </a:lnRef>
+          <a:fillRef idx="0">
+            <a:schemeClr val="accent1"/>
+          </a:fillRef>
+          <a:effectRef idx="0">
+            <a:schemeClr val="accent1"/>
+          </a:effectRef>
+          <a:fontRef idx="minor">
+            <a:schemeClr val="tx1"/>
+          </a:fontRef>
+        </p:style>
+      </p:cxnSp>
+      <p:cxnSp>
+        <p:nvCxnSpPr>
+          <p:cNvPr id="20" name="直線矢印コネクタ 19"/>
+          <p:cNvCxnSpPr/>
+          <p:nvPr/>
+        </p:nvCxnSpPr>
+        <p:spPr>
+          <a:xfrm>
+            <a:off x="5362245" y="5144679"/>
+            <a:ext cx="4745590" cy="2924400"/>
+          </a:xfrm>
+          <a:prstGeom prst="straightConnector1">
+            <a:avLst/>
+          </a:prstGeom>
+          <a:ln>
+            <a:tailEnd type="arrow"/>
+          </a:ln>
+        </p:spPr>
+        <p:style>
+          <a:lnRef idx="1">
+            <a:schemeClr val="accent1"/>
+          </a:lnRef>
+          <a:fillRef idx="0">
+            <a:schemeClr val="accent1"/>
+          </a:fillRef>
+          <a:effectRef idx="0">
+            <a:schemeClr val="accent1"/>
+          </a:effectRef>
+          <a:fontRef idx="minor">
+            <a:schemeClr val="tx1"/>
+          </a:fontRef>
+        </p:style>
+      </p:cxnSp>
     </p:spTree>
     <p:extLst>
       <p:ext uri="{BB962C8B-B14F-4D97-AF65-F5344CB8AC3E}">
